--- a/04相关插件/Java8/Java高级教程2.pptx
+++ b/04相关插件/Java8/Java高级教程2.pptx
@@ -447,7 +447,7 @@
     </p:spTree>
     <p:extLst>
       <p:ext uri="{BB962C8B-B14F-4D97-AF65-F5344CB8AC3E}">
-        <p14:creationId xmlns:p14="http://schemas.microsoft.com/office/powerpoint/2010/main" xmlns="" val="3150309831"/>
+        <p14:creationId xmlns="" xmlns:p14="http://schemas.microsoft.com/office/powerpoint/2010/main" val="3150309831"/>
       </p:ext>
     </p:extLst>
   </p:cSld>
@@ -622,7 +622,7 @@
     </p:spTree>
     <p:extLst>
       <p:ext uri="{BB962C8B-B14F-4D97-AF65-F5344CB8AC3E}">
-        <p14:creationId xmlns:p14="http://schemas.microsoft.com/office/powerpoint/2010/main" xmlns="" val="1375391752"/>
+        <p14:creationId xmlns="" xmlns:p14="http://schemas.microsoft.com/office/powerpoint/2010/main" val="1375391752"/>
       </p:ext>
     </p:extLst>
   </p:cSld>
@@ -724,7 +724,7 @@
     </p:spTree>
     <p:extLst>
       <p:ext uri="{BB962C8B-B14F-4D97-AF65-F5344CB8AC3E}">
-        <p14:creationId xmlns:p14="http://schemas.microsoft.com/office/powerpoint/2010/main" xmlns="" val="1375391752"/>
+        <p14:creationId xmlns="" xmlns:p14="http://schemas.microsoft.com/office/powerpoint/2010/main" val="1375391752"/>
       </p:ext>
     </p:extLst>
   </p:cSld>
@@ -826,7 +826,7 @@
     </p:spTree>
     <p:extLst>
       <p:ext uri="{BB962C8B-B14F-4D97-AF65-F5344CB8AC3E}">
-        <p14:creationId xmlns:p14="http://schemas.microsoft.com/office/powerpoint/2010/main" xmlns="" val="1375391752"/>
+        <p14:creationId xmlns="" xmlns:p14="http://schemas.microsoft.com/office/powerpoint/2010/main" val="1375391752"/>
       </p:ext>
     </p:extLst>
   </p:cSld>
@@ -928,7 +928,7 @@
     </p:spTree>
     <p:extLst>
       <p:ext uri="{BB962C8B-B14F-4D97-AF65-F5344CB8AC3E}">
-        <p14:creationId xmlns:p14="http://schemas.microsoft.com/office/powerpoint/2010/main" xmlns="" val="1375391752"/>
+        <p14:creationId xmlns="" xmlns:p14="http://schemas.microsoft.com/office/powerpoint/2010/main" val="1375391752"/>
       </p:ext>
     </p:extLst>
   </p:cSld>
@@ -1018,7 +1018,7 @@
     </p:spTree>
     <p:extLst>
       <p:ext uri="{BB962C8B-B14F-4D97-AF65-F5344CB8AC3E}">
-        <p14:creationId xmlns:p14="http://schemas.microsoft.com/office/powerpoint/2010/main" xmlns="" val="1375391752"/>
+        <p14:creationId xmlns="" xmlns:p14="http://schemas.microsoft.com/office/powerpoint/2010/main" val="1375391752"/>
       </p:ext>
     </p:extLst>
   </p:cSld>
@@ -1108,7 +1108,7 @@
     </p:spTree>
     <p:extLst>
       <p:ext uri="{BB962C8B-B14F-4D97-AF65-F5344CB8AC3E}">
-        <p14:creationId xmlns:p14="http://schemas.microsoft.com/office/powerpoint/2010/main" xmlns="" val="1375391752"/>
+        <p14:creationId xmlns="" xmlns:p14="http://schemas.microsoft.com/office/powerpoint/2010/main" val="1375391752"/>
       </p:ext>
     </p:extLst>
   </p:cSld>
@@ -1198,7 +1198,7 @@
     </p:spTree>
     <p:extLst>
       <p:ext uri="{BB962C8B-B14F-4D97-AF65-F5344CB8AC3E}">
-        <p14:creationId xmlns:p14="http://schemas.microsoft.com/office/powerpoint/2010/main" xmlns="" val="1375391752"/>
+        <p14:creationId xmlns="" xmlns:p14="http://schemas.microsoft.com/office/powerpoint/2010/main" val="1375391752"/>
       </p:ext>
     </p:extLst>
   </p:cSld>
@@ -1288,7 +1288,7 @@
     </p:spTree>
     <p:extLst>
       <p:ext uri="{BB962C8B-B14F-4D97-AF65-F5344CB8AC3E}">
-        <p14:creationId xmlns:p14="http://schemas.microsoft.com/office/powerpoint/2010/main" xmlns="" val="1375391752"/>
+        <p14:creationId xmlns="" xmlns:p14="http://schemas.microsoft.com/office/powerpoint/2010/main" val="1375391752"/>
       </p:ext>
     </p:extLst>
   </p:cSld>
@@ -1378,7 +1378,7 @@
     </p:spTree>
     <p:extLst>
       <p:ext uri="{BB962C8B-B14F-4D97-AF65-F5344CB8AC3E}">
-        <p14:creationId xmlns:p14="http://schemas.microsoft.com/office/powerpoint/2010/main" xmlns="" val="1375391752"/>
+        <p14:creationId xmlns="" xmlns:p14="http://schemas.microsoft.com/office/powerpoint/2010/main" val="1375391752"/>
       </p:ext>
     </p:extLst>
   </p:cSld>
@@ -1468,7 +1468,7 @@
     </p:spTree>
     <p:extLst>
       <p:ext uri="{BB962C8B-B14F-4D97-AF65-F5344CB8AC3E}">
-        <p14:creationId xmlns:p14="http://schemas.microsoft.com/office/powerpoint/2010/main" xmlns="" val="1375391752"/>
+        <p14:creationId xmlns="" xmlns:p14="http://schemas.microsoft.com/office/powerpoint/2010/main" val="1375391752"/>
       </p:ext>
     </p:extLst>
   </p:cSld>
@@ -1566,7 +1566,7 @@
     </p:spTree>
     <p:extLst>
       <p:ext uri="{BB962C8B-B14F-4D97-AF65-F5344CB8AC3E}">
-        <p14:creationId xmlns:p14="http://schemas.microsoft.com/office/powerpoint/2010/main" xmlns="" val="1375391752"/>
+        <p14:creationId xmlns="" xmlns:p14="http://schemas.microsoft.com/office/powerpoint/2010/main" val="1375391752"/>
       </p:ext>
     </p:extLst>
   </p:cSld>
@@ -1651,7 +1651,7 @@
     </p:spTree>
     <p:extLst>
       <p:ext uri="{BB962C8B-B14F-4D97-AF65-F5344CB8AC3E}">
-        <p14:creationId xmlns:p14="http://schemas.microsoft.com/office/powerpoint/2010/main" xmlns="" val="1375391752"/>
+        <p14:creationId xmlns="" xmlns:p14="http://schemas.microsoft.com/office/powerpoint/2010/main" val="1375391752"/>
       </p:ext>
     </p:extLst>
   </p:cSld>
@@ -1741,7 +1741,7 @@
     </p:spTree>
     <p:extLst>
       <p:ext uri="{BB962C8B-B14F-4D97-AF65-F5344CB8AC3E}">
-        <p14:creationId xmlns:p14="http://schemas.microsoft.com/office/powerpoint/2010/main" xmlns="" val="1375391752"/>
+        <p14:creationId xmlns="" xmlns:p14="http://schemas.microsoft.com/office/powerpoint/2010/main" val="1375391752"/>
       </p:ext>
     </p:extLst>
   </p:cSld>
@@ -2017,7 +2017,7 @@
     </p:spTree>
     <p:extLst>
       <p:ext uri="{BB962C8B-B14F-4D97-AF65-F5344CB8AC3E}">
-        <p14:creationId xmlns:p14="http://schemas.microsoft.com/office/powerpoint/2010/main" xmlns="" val="1375391752"/>
+        <p14:creationId xmlns="" xmlns:p14="http://schemas.microsoft.com/office/powerpoint/2010/main" val="1375391752"/>
       </p:ext>
     </p:extLst>
   </p:cSld>
@@ -2107,7 +2107,7 @@
     </p:spTree>
     <p:extLst>
       <p:ext uri="{BB962C8B-B14F-4D97-AF65-F5344CB8AC3E}">
-        <p14:creationId xmlns:p14="http://schemas.microsoft.com/office/powerpoint/2010/main" xmlns="" val="1375391752"/>
+        <p14:creationId xmlns="" xmlns:p14="http://schemas.microsoft.com/office/powerpoint/2010/main" val="1375391752"/>
       </p:ext>
     </p:extLst>
   </p:cSld>
@@ -2197,7 +2197,7 @@
     </p:spTree>
     <p:extLst>
       <p:ext uri="{BB962C8B-B14F-4D97-AF65-F5344CB8AC3E}">
-        <p14:creationId xmlns:p14="http://schemas.microsoft.com/office/powerpoint/2010/main" xmlns="" val="1375391752"/>
+        <p14:creationId xmlns="" xmlns:p14="http://schemas.microsoft.com/office/powerpoint/2010/main" val="1375391752"/>
       </p:ext>
     </p:extLst>
   </p:cSld>
@@ -2287,7 +2287,7 @@
     </p:spTree>
     <p:extLst>
       <p:ext uri="{BB962C8B-B14F-4D97-AF65-F5344CB8AC3E}">
-        <p14:creationId xmlns:p14="http://schemas.microsoft.com/office/powerpoint/2010/main" xmlns="" val="1375391752"/>
+        <p14:creationId xmlns="" xmlns:p14="http://schemas.microsoft.com/office/powerpoint/2010/main" val="1375391752"/>
       </p:ext>
     </p:extLst>
   </p:cSld>
@@ -2377,7 +2377,7 @@
     </p:spTree>
     <p:extLst>
       <p:ext uri="{BB962C8B-B14F-4D97-AF65-F5344CB8AC3E}">
-        <p14:creationId xmlns:p14="http://schemas.microsoft.com/office/powerpoint/2010/main" xmlns="" val="1375391752"/>
+        <p14:creationId xmlns="" xmlns:p14="http://schemas.microsoft.com/office/powerpoint/2010/main" val="1375391752"/>
       </p:ext>
     </p:extLst>
   </p:cSld>
@@ -2467,7 +2467,7 @@
     </p:spTree>
     <p:extLst>
       <p:ext uri="{BB962C8B-B14F-4D97-AF65-F5344CB8AC3E}">
-        <p14:creationId xmlns:p14="http://schemas.microsoft.com/office/powerpoint/2010/main" xmlns="" val="1375391752"/>
+        <p14:creationId xmlns="" xmlns:p14="http://schemas.microsoft.com/office/powerpoint/2010/main" val="1375391752"/>
       </p:ext>
     </p:extLst>
   </p:cSld>
@@ -2589,7 +2589,7 @@
     </p:spTree>
     <p:extLst>
       <p:ext uri="{BB962C8B-B14F-4D97-AF65-F5344CB8AC3E}">
-        <p14:creationId xmlns:p14="http://schemas.microsoft.com/office/powerpoint/2010/main" xmlns="" val="1375391752"/>
+        <p14:creationId xmlns="" xmlns:p14="http://schemas.microsoft.com/office/powerpoint/2010/main" val="1375391752"/>
       </p:ext>
     </p:extLst>
   </p:cSld>
@@ -2679,7 +2679,7 @@
     </p:spTree>
     <p:extLst>
       <p:ext uri="{BB962C8B-B14F-4D97-AF65-F5344CB8AC3E}">
-        <p14:creationId xmlns:p14="http://schemas.microsoft.com/office/powerpoint/2010/main" xmlns="" val="1375391752"/>
+        <p14:creationId xmlns="" xmlns:p14="http://schemas.microsoft.com/office/powerpoint/2010/main" val="1375391752"/>
       </p:ext>
     </p:extLst>
   </p:cSld>
@@ -2764,7 +2764,7 @@
     </p:spTree>
     <p:extLst>
       <p:ext uri="{BB962C8B-B14F-4D97-AF65-F5344CB8AC3E}">
-        <p14:creationId xmlns:p14="http://schemas.microsoft.com/office/powerpoint/2010/main" xmlns="" val="1432567600"/>
+        <p14:creationId xmlns="" xmlns:p14="http://schemas.microsoft.com/office/powerpoint/2010/main" val="1432567600"/>
       </p:ext>
     </p:extLst>
   </p:cSld>
@@ -2854,7 +2854,7 @@
     </p:spTree>
     <p:extLst>
       <p:ext uri="{BB962C8B-B14F-4D97-AF65-F5344CB8AC3E}">
-        <p14:creationId xmlns:p14="http://schemas.microsoft.com/office/powerpoint/2010/main" xmlns="" val="1375391752"/>
+        <p14:creationId xmlns="" xmlns:p14="http://schemas.microsoft.com/office/powerpoint/2010/main" val="1375391752"/>
       </p:ext>
     </p:extLst>
   </p:cSld>
@@ -2939,7 +2939,7 @@
     </p:spTree>
     <p:extLst>
       <p:ext uri="{BB962C8B-B14F-4D97-AF65-F5344CB8AC3E}">
-        <p14:creationId xmlns:p14="http://schemas.microsoft.com/office/powerpoint/2010/main" xmlns="" val="28105370"/>
+        <p14:creationId xmlns="" xmlns:p14="http://schemas.microsoft.com/office/powerpoint/2010/main" val="28105370"/>
       </p:ext>
     </p:extLst>
   </p:cSld>
@@ -3024,7 +3024,7 @@
     </p:spTree>
     <p:extLst>
       <p:ext uri="{BB962C8B-B14F-4D97-AF65-F5344CB8AC3E}">
-        <p14:creationId xmlns:p14="http://schemas.microsoft.com/office/powerpoint/2010/main" xmlns="" val="28105370"/>
+        <p14:creationId xmlns="" xmlns:p14="http://schemas.microsoft.com/office/powerpoint/2010/main" val="28105370"/>
       </p:ext>
     </p:extLst>
   </p:cSld>
@@ -3109,7 +3109,7 @@
     </p:spTree>
     <p:extLst>
       <p:ext uri="{BB962C8B-B14F-4D97-AF65-F5344CB8AC3E}">
-        <p14:creationId xmlns:p14="http://schemas.microsoft.com/office/powerpoint/2010/main" xmlns="" val="28105370"/>
+        <p14:creationId xmlns="" xmlns:p14="http://schemas.microsoft.com/office/powerpoint/2010/main" val="28105370"/>
       </p:ext>
     </p:extLst>
   </p:cSld>
@@ -3194,7 +3194,7 @@
     </p:spTree>
     <p:extLst>
       <p:ext uri="{BB962C8B-B14F-4D97-AF65-F5344CB8AC3E}">
-        <p14:creationId xmlns:p14="http://schemas.microsoft.com/office/powerpoint/2010/main" xmlns="" val="28105370"/>
+        <p14:creationId xmlns="" xmlns:p14="http://schemas.microsoft.com/office/powerpoint/2010/main" val="28105370"/>
       </p:ext>
     </p:extLst>
   </p:cSld>
@@ -3279,7 +3279,7 @@
     </p:spTree>
     <p:extLst>
       <p:ext uri="{BB962C8B-B14F-4D97-AF65-F5344CB8AC3E}">
-        <p14:creationId xmlns:p14="http://schemas.microsoft.com/office/powerpoint/2010/main" xmlns="" val="28105370"/>
+        <p14:creationId xmlns="" xmlns:p14="http://schemas.microsoft.com/office/powerpoint/2010/main" val="28105370"/>
       </p:ext>
     </p:extLst>
   </p:cSld>
@@ -3364,7 +3364,7 @@
     </p:spTree>
     <p:extLst>
       <p:ext uri="{BB962C8B-B14F-4D97-AF65-F5344CB8AC3E}">
-        <p14:creationId xmlns:p14="http://schemas.microsoft.com/office/powerpoint/2010/main" xmlns="" val="28105370"/>
+        <p14:creationId xmlns="" xmlns:p14="http://schemas.microsoft.com/office/powerpoint/2010/main" val="28105370"/>
       </p:ext>
     </p:extLst>
   </p:cSld>
@@ -3449,7 +3449,7 @@
     </p:spTree>
     <p:extLst>
       <p:ext uri="{BB962C8B-B14F-4D97-AF65-F5344CB8AC3E}">
-        <p14:creationId xmlns:p14="http://schemas.microsoft.com/office/powerpoint/2010/main" xmlns="" val="28105370"/>
+        <p14:creationId xmlns="" xmlns:p14="http://schemas.microsoft.com/office/powerpoint/2010/main" val="28105370"/>
       </p:ext>
     </p:extLst>
   </p:cSld>
@@ -3534,7 +3534,7 @@
     </p:spTree>
     <p:extLst>
       <p:ext uri="{BB962C8B-B14F-4D97-AF65-F5344CB8AC3E}">
-        <p14:creationId xmlns:p14="http://schemas.microsoft.com/office/powerpoint/2010/main" xmlns="" val="28105370"/>
+        <p14:creationId xmlns="" xmlns:p14="http://schemas.microsoft.com/office/powerpoint/2010/main" val="28105370"/>
       </p:ext>
     </p:extLst>
   </p:cSld>
@@ -3626,7 +3626,7 @@
     </p:spTree>
     <p:extLst>
       <p:ext uri="{BB962C8B-B14F-4D97-AF65-F5344CB8AC3E}">
-        <p14:creationId xmlns:p14="http://schemas.microsoft.com/office/powerpoint/2010/main" xmlns="" val="28105370"/>
+        <p14:creationId xmlns="" xmlns:p14="http://schemas.microsoft.com/office/powerpoint/2010/main" val="28105370"/>
       </p:ext>
     </p:extLst>
   </p:cSld>
@@ -3711,7 +3711,7 @@
     </p:spTree>
     <p:extLst>
       <p:ext uri="{BB962C8B-B14F-4D97-AF65-F5344CB8AC3E}">
-        <p14:creationId xmlns:p14="http://schemas.microsoft.com/office/powerpoint/2010/main" xmlns="" val="28105370"/>
+        <p14:creationId xmlns="" xmlns:p14="http://schemas.microsoft.com/office/powerpoint/2010/main" val="28105370"/>
       </p:ext>
     </p:extLst>
   </p:cSld>
@@ -3832,7 +3832,7 @@
     </p:spTree>
     <p:extLst>
       <p:ext uri="{BB962C8B-B14F-4D97-AF65-F5344CB8AC3E}">
-        <p14:creationId xmlns:p14="http://schemas.microsoft.com/office/powerpoint/2010/main" xmlns="" val="1375391752"/>
+        <p14:creationId xmlns="" xmlns:p14="http://schemas.microsoft.com/office/powerpoint/2010/main" val="1375391752"/>
       </p:ext>
     </p:extLst>
   </p:cSld>
@@ -3917,7 +3917,7 @@
     </p:spTree>
     <p:extLst>
       <p:ext uri="{BB962C8B-B14F-4D97-AF65-F5344CB8AC3E}">
-        <p14:creationId xmlns:p14="http://schemas.microsoft.com/office/powerpoint/2010/main" xmlns="" val="28105370"/>
+        <p14:creationId xmlns="" xmlns:p14="http://schemas.microsoft.com/office/powerpoint/2010/main" val="28105370"/>
       </p:ext>
     </p:extLst>
   </p:cSld>
@@ -4002,7 +4002,7 @@
     </p:spTree>
     <p:extLst>
       <p:ext uri="{BB962C8B-B14F-4D97-AF65-F5344CB8AC3E}">
-        <p14:creationId xmlns:p14="http://schemas.microsoft.com/office/powerpoint/2010/main" xmlns="" val="28105370"/>
+        <p14:creationId xmlns="" xmlns:p14="http://schemas.microsoft.com/office/powerpoint/2010/main" val="28105370"/>
       </p:ext>
     </p:extLst>
   </p:cSld>
@@ -4087,7 +4087,7 @@
     </p:spTree>
     <p:extLst>
       <p:ext uri="{BB962C8B-B14F-4D97-AF65-F5344CB8AC3E}">
-        <p14:creationId xmlns:p14="http://schemas.microsoft.com/office/powerpoint/2010/main" xmlns="" val="28105370"/>
+        <p14:creationId xmlns="" xmlns:p14="http://schemas.microsoft.com/office/powerpoint/2010/main" val="28105370"/>
       </p:ext>
     </p:extLst>
   </p:cSld>
@@ -4172,7 +4172,7 @@
     </p:spTree>
     <p:extLst>
       <p:ext uri="{BB962C8B-B14F-4D97-AF65-F5344CB8AC3E}">
-        <p14:creationId xmlns:p14="http://schemas.microsoft.com/office/powerpoint/2010/main" xmlns="" val="28105370"/>
+        <p14:creationId xmlns="" xmlns:p14="http://schemas.microsoft.com/office/powerpoint/2010/main" val="28105370"/>
       </p:ext>
     </p:extLst>
   </p:cSld>
@@ -4257,7 +4257,7 @@
     </p:spTree>
     <p:extLst>
       <p:ext uri="{BB962C8B-B14F-4D97-AF65-F5344CB8AC3E}">
-        <p14:creationId xmlns:p14="http://schemas.microsoft.com/office/powerpoint/2010/main" xmlns="" val="28105370"/>
+        <p14:creationId xmlns="" xmlns:p14="http://schemas.microsoft.com/office/powerpoint/2010/main" val="28105370"/>
       </p:ext>
     </p:extLst>
   </p:cSld>
@@ -4342,7 +4342,7 @@
     </p:spTree>
     <p:extLst>
       <p:ext uri="{BB962C8B-B14F-4D97-AF65-F5344CB8AC3E}">
-        <p14:creationId xmlns:p14="http://schemas.microsoft.com/office/powerpoint/2010/main" xmlns="" val="28105370"/>
+        <p14:creationId xmlns="" xmlns:p14="http://schemas.microsoft.com/office/powerpoint/2010/main" val="28105370"/>
       </p:ext>
     </p:extLst>
   </p:cSld>
@@ -4491,7 +4491,7 @@
     </p:spTree>
     <p:extLst>
       <p:ext uri="{BB962C8B-B14F-4D97-AF65-F5344CB8AC3E}">
-        <p14:creationId xmlns:p14="http://schemas.microsoft.com/office/powerpoint/2010/main" xmlns="" val="28105370"/>
+        <p14:creationId xmlns="" xmlns:p14="http://schemas.microsoft.com/office/powerpoint/2010/main" val="28105370"/>
       </p:ext>
     </p:extLst>
   </p:cSld>
@@ -4576,7 +4576,7 @@
     </p:spTree>
     <p:extLst>
       <p:ext uri="{BB962C8B-B14F-4D97-AF65-F5344CB8AC3E}">
-        <p14:creationId xmlns:p14="http://schemas.microsoft.com/office/powerpoint/2010/main" xmlns="" val="28105370"/>
+        <p14:creationId xmlns="" xmlns:p14="http://schemas.microsoft.com/office/powerpoint/2010/main" val="28105370"/>
       </p:ext>
     </p:extLst>
   </p:cSld>
@@ -4661,7 +4661,7 @@
     </p:spTree>
     <p:extLst>
       <p:ext uri="{BB962C8B-B14F-4D97-AF65-F5344CB8AC3E}">
-        <p14:creationId xmlns:p14="http://schemas.microsoft.com/office/powerpoint/2010/main" xmlns="" val="28105370"/>
+        <p14:creationId xmlns="" xmlns:p14="http://schemas.microsoft.com/office/powerpoint/2010/main" val="28105370"/>
       </p:ext>
     </p:extLst>
   </p:cSld>
@@ -4746,7 +4746,7 @@
     </p:spTree>
     <p:extLst>
       <p:ext uri="{BB962C8B-B14F-4D97-AF65-F5344CB8AC3E}">
-        <p14:creationId xmlns:p14="http://schemas.microsoft.com/office/powerpoint/2010/main" xmlns="" val="28105370"/>
+        <p14:creationId xmlns="" xmlns:p14="http://schemas.microsoft.com/office/powerpoint/2010/main" val="28105370"/>
       </p:ext>
     </p:extLst>
   </p:cSld>
@@ -4836,7 +4836,7 @@
     </p:spTree>
     <p:extLst>
       <p:ext uri="{BB962C8B-B14F-4D97-AF65-F5344CB8AC3E}">
-        <p14:creationId xmlns:p14="http://schemas.microsoft.com/office/powerpoint/2010/main" xmlns="" val="1375391752"/>
+        <p14:creationId xmlns="" xmlns:p14="http://schemas.microsoft.com/office/powerpoint/2010/main" val="1375391752"/>
       </p:ext>
     </p:extLst>
   </p:cSld>
@@ -4921,7 +4921,7 @@
     </p:spTree>
     <p:extLst>
       <p:ext uri="{BB962C8B-B14F-4D97-AF65-F5344CB8AC3E}">
-        <p14:creationId xmlns:p14="http://schemas.microsoft.com/office/powerpoint/2010/main" xmlns="" val="28105370"/>
+        <p14:creationId xmlns="" xmlns:p14="http://schemas.microsoft.com/office/powerpoint/2010/main" val="28105370"/>
       </p:ext>
     </p:extLst>
   </p:cSld>
@@ -5006,7 +5006,7 @@
     </p:spTree>
     <p:extLst>
       <p:ext uri="{BB962C8B-B14F-4D97-AF65-F5344CB8AC3E}">
-        <p14:creationId xmlns:p14="http://schemas.microsoft.com/office/powerpoint/2010/main" xmlns="" val="28105370"/>
+        <p14:creationId xmlns="" xmlns:p14="http://schemas.microsoft.com/office/powerpoint/2010/main" val="28105370"/>
       </p:ext>
     </p:extLst>
   </p:cSld>
@@ -5091,7 +5091,7 @@
     </p:spTree>
     <p:extLst>
       <p:ext uri="{BB962C8B-B14F-4D97-AF65-F5344CB8AC3E}">
-        <p14:creationId xmlns:p14="http://schemas.microsoft.com/office/powerpoint/2010/main" xmlns="" val="28105370"/>
+        <p14:creationId xmlns="" xmlns:p14="http://schemas.microsoft.com/office/powerpoint/2010/main" val="28105370"/>
       </p:ext>
     </p:extLst>
   </p:cSld>
@@ -5176,7 +5176,7 @@
     </p:spTree>
     <p:extLst>
       <p:ext uri="{BB962C8B-B14F-4D97-AF65-F5344CB8AC3E}">
-        <p14:creationId xmlns:p14="http://schemas.microsoft.com/office/powerpoint/2010/main" xmlns="" val="28105370"/>
+        <p14:creationId xmlns="" xmlns:p14="http://schemas.microsoft.com/office/powerpoint/2010/main" val="28105370"/>
       </p:ext>
     </p:extLst>
   </p:cSld>
@@ -5261,7 +5261,7 @@
     </p:spTree>
     <p:extLst>
       <p:ext uri="{BB962C8B-B14F-4D97-AF65-F5344CB8AC3E}">
-        <p14:creationId xmlns:p14="http://schemas.microsoft.com/office/powerpoint/2010/main" xmlns="" val="28105370"/>
+        <p14:creationId xmlns="" xmlns:p14="http://schemas.microsoft.com/office/powerpoint/2010/main" val="28105370"/>
       </p:ext>
     </p:extLst>
   </p:cSld>
@@ -5346,7 +5346,7 @@
     </p:spTree>
     <p:extLst>
       <p:ext uri="{BB962C8B-B14F-4D97-AF65-F5344CB8AC3E}">
-        <p14:creationId xmlns:p14="http://schemas.microsoft.com/office/powerpoint/2010/main" xmlns="" val="28105370"/>
+        <p14:creationId xmlns="" xmlns:p14="http://schemas.microsoft.com/office/powerpoint/2010/main" val="28105370"/>
       </p:ext>
     </p:extLst>
   </p:cSld>
@@ -5431,7 +5431,7 @@
     </p:spTree>
     <p:extLst>
       <p:ext uri="{BB962C8B-B14F-4D97-AF65-F5344CB8AC3E}">
-        <p14:creationId xmlns:p14="http://schemas.microsoft.com/office/powerpoint/2010/main" xmlns="" val="28105370"/>
+        <p14:creationId xmlns="" xmlns:p14="http://schemas.microsoft.com/office/powerpoint/2010/main" val="28105370"/>
       </p:ext>
     </p:extLst>
   </p:cSld>
@@ -5516,7 +5516,7 @@
     </p:spTree>
     <p:extLst>
       <p:ext uri="{BB962C8B-B14F-4D97-AF65-F5344CB8AC3E}">
-        <p14:creationId xmlns:p14="http://schemas.microsoft.com/office/powerpoint/2010/main" xmlns="" val="28105370"/>
+        <p14:creationId xmlns="" xmlns:p14="http://schemas.microsoft.com/office/powerpoint/2010/main" val="28105370"/>
       </p:ext>
     </p:extLst>
   </p:cSld>
@@ -5601,7 +5601,7 @@
     </p:spTree>
     <p:extLst>
       <p:ext uri="{BB962C8B-B14F-4D97-AF65-F5344CB8AC3E}">
-        <p14:creationId xmlns:p14="http://schemas.microsoft.com/office/powerpoint/2010/main" xmlns="" val="28105370"/>
+        <p14:creationId xmlns="" xmlns:p14="http://schemas.microsoft.com/office/powerpoint/2010/main" val="28105370"/>
       </p:ext>
     </p:extLst>
   </p:cSld>
@@ -5686,7 +5686,7 @@
     </p:spTree>
     <p:extLst>
       <p:ext uri="{BB962C8B-B14F-4D97-AF65-F5344CB8AC3E}">
-        <p14:creationId xmlns:p14="http://schemas.microsoft.com/office/powerpoint/2010/main" xmlns="" val="28105370"/>
+        <p14:creationId xmlns="" xmlns:p14="http://schemas.microsoft.com/office/powerpoint/2010/main" val="28105370"/>
       </p:ext>
     </p:extLst>
   </p:cSld>
@@ -5776,7 +5776,7 @@
     </p:spTree>
     <p:extLst>
       <p:ext uri="{BB962C8B-B14F-4D97-AF65-F5344CB8AC3E}">
-        <p14:creationId xmlns:p14="http://schemas.microsoft.com/office/powerpoint/2010/main" xmlns="" val="1375391752"/>
+        <p14:creationId xmlns="" xmlns:p14="http://schemas.microsoft.com/office/powerpoint/2010/main" val="1375391752"/>
       </p:ext>
     </p:extLst>
   </p:cSld>
@@ -5861,7 +5861,7 @@
     </p:spTree>
     <p:extLst>
       <p:ext uri="{BB962C8B-B14F-4D97-AF65-F5344CB8AC3E}">
-        <p14:creationId xmlns:p14="http://schemas.microsoft.com/office/powerpoint/2010/main" xmlns="" val="28105370"/>
+        <p14:creationId xmlns="" xmlns:p14="http://schemas.microsoft.com/office/powerpoint/2010/main" val="28105370"/>
       </p:ext>
     </p:extLst>
   </p:cSld>
@@ -5946,7 +5946,7 @@
     </p:spTree>
     <p:extLst>
       <p:ext uri="{BB962C8B-B14F-4D97-AF65-F5344CB8AC3E}">
-        <p14:creationId xmlns:p14="http://schemas.microsoft.com/office/powerpoint/2010/main" xmlns="" val="28105370"/>
+        <p14:creationId xmlns="" xmlns:p14="http://schemas.microsoft.com/office/powerpoint/2010/main" val="28105370"/>
       </p:ext>
     </p:extLst>
   </p:cSld>
@@ -6031,7 +6031,7 @@
     </p:spTree>
     <p:extLst>
       <p:ext uri="{BB962C8B-B14F-4D97-AF65-F5344CB8AC3E}">
-        <p14:creationId xmlns:p14="http://schemas.microsoft.com/office/powerpoint/2010/main" xmlns="" val="28105370"/>
+        <p14:creationId xmlns="" xmlns:p14="http://schemas.microsoft.com/office/powerpoint/2010/main" val="28105370"/>
       </p:ext>
     </p:extLst>
   </p:cSld>
@@ -6116,7 +6116,7 @@
     </p:spTree>
     <p:extLst>
       <p:ext uri="{BB962C8B-B14F-4D97-AF65-F5344CB8AC3E}">
-        <p14:creationId xmlns:p14="http://schemas.microsoft.com/office/powerpoint/2010/main" xmlns="" val="28105370"/>
+        <p14:creationId xmlns="" xmlns:p14="http://schemas.microsoft.com/office/powerpoint/2010/main" val="28105370"/>
       </p:ext>
     </p:extLst>
   </p:cSld>
@@ -6201,7 +6201,7 @@
     </p:spTree>
     <p:extLst>
       <p:ext uri="{BB962C8B-B14F-4D97-AF65-F5344CB8AC3E}">
-        <p14:creationId xmlns:p14="http://schemas.microsoft.com/office/powerpoint/2010/main" xmlns="" val="28105370"/>
+        <p14:creationId xmlns="" xmlns:p14="http://schemas.microsoft.com/office/powerpoint/2010/main" val="28105370"/>
       </p:ext>
     </p:extLst>
   </p:cSld>
@@ -6286,7 +6286,7 @@
     </p:spTree>
     <p:extLst>
       <p:ext uri="{BB962C8B-B14F-4D97-AF65-F5344CB8AC3E}">
-        <p14:creationId xmlns:p14="http://schemas.microsoft.com/office/powerpoint/2010/main" xmlns="" val="28105370"/>
+        <p14:creationId xmlns="" xmlns:p14="http://schemas.microsoft.com/office/powerpoint/2010/main" val="28105370"/>
       </p:ext>
     </p:extLst>
   </p:cSld>
@@ -6371,7 +6371,7 @@
     </p:spTree>
     <p:extLst>
       <p:ext uri="{BB962C8B-B14F-4D97-AF65-F5344CB8AC3E}">
-        <p14:creationId xmlns:p14="http://schemas.microsoft.com/office/powerpoint/2010/main" xmlns="" val="2046528242"/>
+        <p14:creationId xmlns="" xmlns:p14="http://schemas.microsoft.com/office/powerpoint/2010/main" val="2046528242"/>
       </p:ext>
     </p:extLst>
   </p:cSld>
@@ -6456,7 +6456,7 @@
     </p:spTree>
     <p:extLst>
       <p:ext uri="{BB962C8B-B14F-4D97-AF65-F5344CB8AC3E}">
-        <p14:creationId xmlns:p14="http://schemas.microsoft.com/office/powerpoint/2010/main" xmlns="" val="28105370"/>
+        <p14:creationId xmlns="" xmlns:p14="http://schemas.microsoft.com/office/powerpoint/2010/main" val="28105370"/>
       </p:ext>
     </p:extLst>
   </p:cSld>
@@ -6607,7 +6607,7 @@
     </p:spTree>
     <p:extLst>
       <p:ext uri="{BB962C8B-B14F-4D97-AF65-F5344CB8AC3E}">
-        <p14:creationId xmlns:p14="http://schemas.microsoft.com/office/powerpoint/2010/main" xmlns="" val="28105370"/>
+        <p14:creationId xmlns="" xmlns:p14="http://schemas.microsoft.com/office/powerpoint/2010/main" val="28105370"/>
       </p:ext>
     </p:extLst>
   </p:cSld>
@@ -7010,7 +7010,7 @@
     </p:spTree>
     <p:extLst>
       <p:ext uri="{BB962C8B-B14F-4D97-AF65-F5344CB8AC3E}">
-        <p14:creationId xmlns:p14="http://schemas.microsoft.com/office/powerpoint/2010/main" xmlns="" val="28105370"/>
+        <p14:creationId xmlns="" xmlns:p14="http://schemas.microsoft.com/office/powerpoint/2010/main" val="28105370"/>
       </p:ext>
     </p:extLst>
   </p:cSld>
@@ -7107,7 +7107,7 @@
     </p:spTree>
     <p:extLst>
       <p:ext uri="{BB962C8B-B14F-4D97-AF65-F5344CB8AC3E}">
-        <p14:creationId xmlns:p14="http://schemas.microsoft.com/office/powerpoint/2010/main" xmlns="" val="1375391752"/>
+        <p14:creationId xmlns="" xmlns:p14="http://schemas.microsoft.com/office/powerpoint/2010/main" val="1375391752"/>
       </p:ext>
     </p:extLst>
   </p:cSld>
@@ -7199,7 +7199,7 @@
     </p:spTree>
     <p:extLst>
       <p:ext uri="{BB962C8B-B14F-4D97-AF65-F5344CB8AC3E}">
-        <p14:creationId xmlns:p14="http://schemas.microsoft.com/office/powerpoint/2010/main" xmlns="" val="28105370"/>
+        <p14:creationId xmlns="" xmlns:p14="http://schemas.microsoft.com/office/powerpoint/2010/main" val="28105370"/>
       </p:ext>
     </p:extLst>
   </p:cSld>
@@ -7291,7 +7291,7 @@
     </p:spTree>
     <p:extLst>
       <p:ext uri="{BB962C8B-B14F-4D97-AF65-F5344CB8AC3E}">
-        <p14:creationId xmlns:p14="http://schemas.microsoft.com/office/powerpoint/2010/main" xmlns="" val="28105370"/>
+        <p14:creationId xmlns="" xmlns:p14="http://schemas.microsoft.com/office/powerpoint/2010/main" val="28105370"/>
       </p:ext>
     </p:extLst>
   </p:cSld>
@@ -7383,7 +7383,7 @@
     </p:spTree>
     <p:extLst>
       <p:ext uri="{BB962C8B-B14F-4D97-AF65-F5344CB8AC3E}">
-        <p14:creationId xmlns:p14="http://schemas.microsoft.com/office/powerpoint/2010/main" xmlns="" val="28105370"/>
+        <p14:creationId xmlns="" xmlns:p14="http://schemas.microsoft.com/office/powerpoint/2010/main" val="28105370"/>
       </p:ext>
     </p:extLst>
   </p:cSld>
@@ -7475,7 +7475,7 @@
     </p:spTree>
     <p:extLst>
       <p:ext uri="{BB962C8B-B14F-4D97-AF65-F5344CB8AC3E}">
-        <p14:creationId xmlns:p14="http://schemas.microsoft.com/office/powerpoint/2010/main" xmlns="" val="28105370"/>
+        <p14:creationId xmlns="" xmlns:p14="http://schemas.microsoft.com/office/powerpoint/2010/main" val="28105370"/>
       </p:ext>
     </p:extLst>
   </p:cSld>
@@ -7572,7 +7572,7 @@
     </p:spTree>
     <p:extLst>
       <p:ext uri="{BB962C8B-B14F-4D97-AF65-F5344CB8AC3E}">
-        <p14:creationId xmlns:p14="http://schemas.microsoft.com/office/powerpoint/2010/main" xmlns="" val="1375391752"/>
+        <p14:creationId xmlns="" xmlns:p14="http://schemas.microsoft.com/office/powerpoint/2010/main" val="1375391752"/>
       </p:ext>
     </p:extLst>
   </p:cSld>
@@ -7662,7 +7662,7 @@
     </p:spTree>
     <p:extLst>
       <p:ext uri="{BB962C8B-B14F-4D97-AF65-F5344CB8AC3E}">
-        <p14:creationId xmlns:p14="http://schemas.microsoft.com/office/powerpoint/2010/main" xmlns="" val="1375391752"/>
+        <p14:creationId xmlns="" xmlns:p14="http://schemas.microsoft.com/office/powerpoint/2010/main" val="1375391752"/>
       </p:ext>
     </p:extLst>
   </p:cSld>
@@ -9405,7 +9405,7 @@
     </p:spTree>
     <p:extLst>
       <p:ext uri="{BB962C8B-B14F-4D97-AF65-F5344CB8AC3E}">
-        <p14:creationId xmlns:p14="http://schemas.microsoft.com/office/powerpoint/2010/main" xmlns="" val="658153067"/>
+        <p14:creationId xmlns="" xmlns:p14="http://schemas.microsoft.com/office/powerpoint/2010/main" val="658153067"/>
       </p:ext>
     </p:extLst>
   </p:cSld>
@@ -10972,7 +10972,7 @@
           <a:blip r:embed="rId3" cstate="print">
             <a:extLst>
               <a:ext uri="{28A0092B-C50C-407E-A947-70E740481C1C}">
-                <a14:useLocalDpi xmlns:a14="http://schemas.microsoft.com/office/drawing/2010/main" xmlns=""/>
+                <a14:useLocalDpi xmlns="" xmlns:a14="http://schemas.microsoft.com/office/drawing/2010/main"/>
               </a:ext>
             </a:extLst>
           </a:blip>
@@ -10996,7 +10996,7 @@
           <a:effectLst/>
           <a:extLst>
             <a:ext uri="{909E8E84-426E-40DD-AFC4-6F175D3DCCD1}">
-              <a14:hiddenFill xmlns:a14="http://schemas.microsoft.com/office/drawing/2010/main" xmlns="">
+              <a14:hiddenFill xmlns="" xmlns:a14="http://schemas.microsoft.com/office/drawing/2010/main">
                 <a:solidFill>
                   <a:srgbClr val="FFFFFF"/>
                 </a:solidFill>
@@ -11017,7 +11017,7 @@
           <a:blip r:embed="rId4" cstate="print">
             <a:extLst>
               <a:ext uri="{28A0092B-C50C-407E-A947-70E740481C1C}">
-                <a14:useLocalDpi xmlns:a14="http://schemas.microsoft.com/office/drawing/2010/main" xmlns=""/>
+                <a14:useLocalDpi xmlns="" xmlns:a14="http://schemas.microsoft.com/office/drawing/2010/main"/>
               </a:ext>
             </a:extLst>
           </a:blip>
@@ -11041,7 +11041,7 @@
           <a:effectLst/>
           <a:extLst>
             <a:ext uri="{909E8E84-426E-40DD-AFC4-6F175D3DCCD1}">
-              <a14:hiddenFill xmlns:a14="http://schemas.microsoft.com/office/drawing/2010/main" xmlns="">
+              <a14:hiddenFill xmlns="" xmlns:a14="http://schemas.microsoft.com/office/drawing/2010/main">
                 <a:solidFill>
                   <a:srgbClr val="FFFFFF"/>
                 </a:solidFill>
@@ -11062,7 +11062,7 @@
           <a:blip r:embed="rId5" cstate="print">
             <a:extLst>
               <a:ext uri="{28A0092B-C50C-407E-A947-70E740481C1C}">
-                <a14:useLocalDpi xmlns:a14="http://schemas.microsoft.com/office/drawing/2010/main" xmlns=""/>
+                <a14:useLocalDpi xmlns="" xmlns:a14="http://schemas.microsoft.com/office/drawing/2010/main"/>
               </a:ext>
             </a:extLst>
           </a:blip>
@@ -11086,7 +11086,7 @@
           <a:effectLst/>
           <a:extLst>
             <a:ext uri="{909E8E84-426E-40DD-AFC4-6F175D3DCCD1}">
-              <a14:hiddenFill xmlns:a14="http://schemas.microsoft.com/office/drawing/2010/main" xmlns="">
+              <a14:hiddenFill xmlns="" xmlns:a14="http://schemas.microsoft.com/office/drawing/2010/main">
                 <a:solidFill>
                   <a:srgbClr val="FFFFFF"/>
                 </a:solidFill>
@@ -12371,7 +12371,7 @@
           <a:blip r:embed="rId3" cstate="print">
             <a:extLst>
               <a:ext uri="{28A0092B-C50C-407E-A947-70E740481C1C}">
-                <a14:useLocalDpi xmlns:a14="http://schemas.microsoft.com/office/drawing/2010/main" xmlns="" val="0"/>
+                <a14:useLocalDpi xmlns="" xmlns:a14="http://schemas.microsoft.com/office/drawing/2010/main" val="0"/>
               </a:ext>
             </a:extLst>
           </a:blip>
@@ -12395,14 +12395,14 @@
           <a:effectLst/>
           <a:extLst>
             <a:ext uri="{909E8E84-426E-40DD-AFC4-6F175D3DCCD1}">
-              <a14:hiddenFill xmlns:a14="http://schemas.microsoft.com/office/drawing/2010/main" xmlns="">
+              <a14:hiddenFill xmlns="" xmlns:a14="http://schemas.microsoft.com/office/drawing/2010/main">
                 <a:solidFill>
                   <a:schemeClr val="accent1"/>
                 </a:solidFill>
               </a14:hiddenFill>
             </a:ext>
             <a:ext uri="{91240B29-F687-4F45-9708-019B960494DF}">
-              <a14:hiddenLine xmlns:a14="http://schemas.microsoft.com/office/drawing/2010/main" xmlns="" w="9525">
+              <a14:hiddenLine xmlns="" xmlns:a14="http://schemas.microsoft.com/office/drawing/2010/main" w="9525">
                 <a:solidFill>
                   <a:schemeClr val="tx1"/>
                 </a:solidFill>
@@ -12412,7 +12412,7 @@
               </a14:hiddenLine>
             </a:ext>
             <a:ext uri="{AF507438-7753-43E0-B8FC-AC1667EBCBE1}">
-              <a14:hiddenEffects xmlns:a14="http://schemas.microsoft.com/office/drawing/2010/main" xmlns="">
+              <a14:hiddenEffects xmlns="" xmlns:a14="http://schemas.microsoft.com/office/drawing/2010/main">
                 <a:effectLst>
                   <a:outerShdw dist="35921" dir="2700000" algn="ctr" rotWithShape="0">
                     <a:schemeClr val="bg2"/>
@@ -12435,7 +12435,7 @@
           <a:blip r:embed="rId4" cstate="print">
             <a:extLst>
               <a:ext uri="{28A0092B-C50C-407E-A947-70E740481C1C}">
-                <a14:useLocalDpi xmlns:a14="http://schemas.microsoft.com/office/drawing/2010/main" xmlns="" val="0"/>
+                <a14:useLocalDpi xmlns="" xmlns:a14="http://schemas.microsoft.com/office/drawing/2010/main" val="0"/>
               </a:ext>
             </a:extLst>
           </a:blip>
@@ -12459,14 +12459,14 @@
           <a:effectLst/>
           <a:extLst>
             <a:ext uri="{909E8E84-426E-40DD-AFC4-6F175D3DCCD1}">
-              <a14:hiddenFill xmlns:a14="http://schemas.microsoft.com/office/drawing/2010/main" xmlns="">
+              <a14:hiddenFill xmlns="" xmlns:a14="http://schemas.microsoft.com/office/drawing/2010/main">
                 <a:solidFill>
                   <a:schemeClr val="accent1"/>
                 </a:solidFill>
               </a14:hiddenFill>
             </a:ext>
             <a:ext uri="{91240B29-F687-4F45-9708-019B960494DF}">
-              <a14:hiddenLine xmlns:a14="http://schemas.microsoft.com/office/drawing/2010/main" xmlns="" w="9525">
+              <a14:hiddenLine xmlns="" xmlns:a14="http://schemas.microsoft.com/office/drawing/2010/main" w="9525">
                 <a:solidFill>
                   <a:schemeClr val="tx1"/>
                 </a:solidFill>
@@ -12476,7 +12476,7 @@
               </a14:hiddenLine>
             </a:ext>
             <a:ext uri="{AF507438-7753-43E0-B8FC-AC1667EBCBE1}">
-              <a14:hiddenEffects xmlns:a14="http://schemas.microsoft.com/office/drawing/2010/main" xmlns="">
+              <a14:hiddenEffects xmlns="" xmlns:a14="http://schemas.microsoft.com/office/drawing/2010/main">
                 <a:effectLst>
                   <a:outerShdw dist="35921" dir="2700000" algn="ctr" rotWithShape="0">
                     <a:schemeClr val="bg2"/>
@@ -12646,7 +12646,7 @@
     </p:spTree>
     <p:extLst>
       <p:ext uri="{BB962C8B-B14F-4D97-AF65-F5344CB8AC3E}">
-        <p14:creationId xmlns:p14="http://schemas.microsoft.com/office/powerpoint/2010/main" xmlns="" val="1310524067"/>
+        <p14:creationId xmlns="" xmlns:p14="http://schemas.microsoft.com/office/powerpoint/2010/main" val="1310524067"/>
       </p:ext>
     </p:extLst>
   </p:cSld>
@@ -12762,14 +12762,14 @@
               </a:lnSpc>
             </a:pPr>
             <a:r>
-              <a:rPr lang="zh-CN" altLang="en-US" sz="2000"/>
+              <a:rPr lang="zh-CN" altLang="en-US" sz="2000" dirty="0"/>
               <a:t>第五</a:t>
             </a:r>
             <a:r>
-              <a:rPr lang="zh-CN" altLang="en-US" sz="2000" smtClean="0"/>
+              <a:rPr lang="zh-CN" altLang="en-US" sz="2000" dirty="0" smtClean="0"/>
               <a:t>次尝试的思考（优点）</a:t>
             </a:r>
-            <a:endParaRPr lang="en-US" altLang="zh-CN" sz="2000" smtClean="0"/>
+            <a:endParaRPr lang="en-US" altLang="zh-CN" sz="2000" dirty="0" smtClean="0"/>
           </a:p>
           <a:p>
             <a:pPr marL="342900" indent="-342900">
@@ -12780,14 +12780,14 @@
               <a:buChar char="•"/>
             </a:pPr>
             <a:r>
-              <a:rPr lang="zh-CN" altLang="en-US" sz="2000"/>
+              <a:rPr lang="zh-CN" altLang="en-US" sz="2000" dirty="0"/>
               <a:t>读</a:t>
             </a:r>
             <a:r>
-              <a:rPr lang="zh-CN" altLang="en-US" sz="2000" smtClean="0"/>
+              <a:rPr lang="zh-CN" altLang="en-US" sz="2000" dirty="0" smtClean="0"/>
               <a:t>起来，用起来更容易</a:t>
             </a:r>
-            <a:endParaRPr lang="en-US" altLang="zh-CN" sz="2000" smtClean="0"/>
+            <a:endParaRPr lang="en-US" altLang="zh-CN" sz="2000" dirty="0" smtClean="0"/>
           </a:p>
           <a:p>
             <a:pPr marL="342900" indent="-342900">
@@ -12798,7 +12798,7 @@
               <a:buChar char="•"/>
             </a:pPr>
             <a:r>
-              <a:rPr lang="zh-CN" altLang="en-US" sz="2000" smtClean="0"/>
+              <a:rPr lang="zh-CN" altLang="en-US" sz="2000" dirty="0" smtClean="0"/>
               <a:t>更灵活</a:t>
             </a:r>
             <a:endParaRPr lang="zh-CN" altLang="en-US" sz="2000" dirty="0"/>
@@ -12814,7 +12814,7 @@
         <p:spPr>
           <a:xfrm>
             <a:off x="611560" y="2602582"/>
-            <a:ext cx="6786610" cy="553998"/>
+            <a:ext cx="6786610" cy="501291"/>
           </a:xfrm>
           <a:prstGeom prst="rect">
             <a:avLst/>
@@ -12833,11 +12833,11 @@
               </a:lnSpc>
             </a:pPr>
             <a:r>
-              <a:rPr lang="zh-CN" altLang="en-US" sz="2000"/>
+              <a:rPr lang="zh-CN" altLang="en-US" sz="2000" dirty="0"/>
               <a:t>第五</a:t>
             </a:r>
             <a:r>
-              <a:rPr lang="zh-CN" altLang="en-US" sz="2000" smtClean="0"/>
+              <a:rPr lang="zh-CN" altLang="en-US" sz="2000" dirty="0" smtClean="0"/>
               <a:t>次尝试的思考（缺点）</a:t>
             </a:r>
             <a:endParaRPr lang="zh-CN" altLang="en-US" sz="2000" dirty="0"/>
@@ -12856,7 +12856,7 @@
           <a:blip r:embed="rId3" cstate="print">
             <a:extLst>
               <a:ext uri="{28A0092B-C50C-407E-A947-70E740481C1C}">
-                <a14:useLocalDpi xmlns:a14="http://schemas.microsoft.com/office/drawing/2010/main" xmlns="" val="0"/>
+                <a14:useLocalDpi xmlns="" xmlns:a14="http://schemas.microsoft.com/office/drawing/2010/main" val="0"/>
               </a:ext>
             </a:extLst>
           </a:blip>
@@ -12880,14 +12880,14 @@
           <a:effectLst/>
           <a:extLst>
             <a:ext uri="{909E8E84-426E-40DD-AFC4-6F175D3DCCD1}">
-              <a14:hiddenFill xmlns:a14="http://schemas.microsoft.com/office/drawing/2010/main" xmlns="">
+              <a14:hiddenFill xmlns="" xmlns:a14="http://schemas.microsoft.com/office/drawing/2010/main">
                 <a:solidFill>
                   <a:schemeClr val="accent1"/>
                 </a:solidFill>
               </a14:hiddenFill>
             </a:ext>
             <a:ext uri="{91240B29-F687-4F45-9708-019B960494DF}">
-              <a14:hiddenLine xmlns:a14="http://schemas.microsoft.com/office/drawing/2010/main" xmlns="" w="9525">
+              <a14:hiddenLine xmlns="" xmlns:a14="http://schemas.microsoft.com/office/drawing/2010/main" w="9525">
                 <a:solidFill>
                   <a:schemeClr val="tx1"/>
                 </a:solidFill>
@@ -12897,7 +12897,7 @@
               </a14:hiddenLine>
             </a:ext>
             <a:ext uri="{AF507438-7753-43E0-B8FC-AC1667EBCBE1}">
-              <a14:hiddenEffects xmlns:a14="http://schemas.microsoft.com/office/drawing/2010/main" xmlns="">
+              <a14:hiddenEffects xmlns="" xmlns:a14="http://schemas.microsoft.com/office/drawing/2010/main">
                 <a:effectLst>
                   <a:outerShdw dist="35921" dir="2700000" algn="ctr" rotWithShape="0">
                     <a:schemeClr val="bg2"/>
@@ -12911,7 +12911,7 @@
     </p:spTree>
     <p:extLst>
       <p:ext uri="{BB962C8B-B14F-4D97-AF65-F5344CB8AC3E}">
-        <p14:creationId xmlns:p14="http://schemas.microsoft.com/office/powerpoint/2010/main" xmlns="" val="2648900680"/>
+        <p14:creationId xmlns="" xmlns:p14="http://schemas.microsoft.com/office/powerpoint/2010/main" val="2648900680"/>
       </p:ext>
     </p:extLst>
   </p:cSld>
@@ -13148,7 +13148,7 @@
           <a:blip r:embed="rId3" cstate="print">
             <a:extLst>
               <a:ext uri="{28A0092B-C50C-407E-A947-70E740481C1C}">
-                <a14:useLocalDpi xmlns:a14="http://schemas.microsoft.com/office/drawing/2010/main" xmlns="" val="0"/>
+                <a14:useLocalDpi xmlns="" xmlns:a14="http://schemas.microsoft.com/office/drawing/2010/main" val="0"/>
               </a:ext>
             </a:extLst>
           </a:blip>
@@ -13172,14 +13172,14 @@
           <a:effectLst/>
           <a:extLst>
             <a:ext uri="{909E8E84-426E-40DD-AFC4-6F175D3DCCD1}">
-              <a14:hiddenFill xmlns:a14="http://schemas.microsoft.com/office/drawing/2010/main" xmlns="">
+              <a14:hiddenFill xmlns="" xmlns:a14="http://schemas.microsoft.com/office/drawing/2010/main">
                 <a:solidFill>
                   <a:schemeClr val="accent1"/>
                 </a:solidFill>
               </a14:hiddenFill>
             </a:ext>
             <a:ext uri="{91240B29-F687-4F45-9708-019B960494DF}">
-              <a14:hiddenLine xmlns:a14="http://schemas.microsoft.com/office/drawing/2010/main" xmlns="" w="9525">
+              <a14:hiddenLine xmlns="" xmlns:a14="http://schemas.microsoft.com/office/drawing/2010/main" w="9525">
                 <a:solidFill>
                   <a:schemeClr val="tx1"/>
                 </a:solidFill>
@@ -13189,7 +13189,7 @@
               </a14:hiddenLine>
             </a:ext>
             <a:ext uri="{AF507438-7753-43E0-B8FC-AC1667EBCBE1}">
-              <a14:hiddenEffects xmlns:a14="http://schemas.microsoft.com/office/drawing/2010/main" xmlns="">
+              <a14:hiddenEffects xmlns="" xmlns:a14="http://schemas.microsoft.com/office/drawing/2010/main">
                 <a:effectLst>
                   <a:outerShdw dist="35921" dir="2700000" algn="ctr" rotWithShape="0">
                     <a:schemeClr val="bg2"/>
@@ -13272,10 +13272,10 @@
           <a:lstStyle/>
           <a:p>
             <a:r>
-              <a:rPr lang="zh-CN" altLang="en-US" smtClean="0"/>
+              <a:rPr lang="zh-CN" altLang="en-US" dirty="0" smtClean="0"/>
               <a:t>缺点：</a:t>
             </a:r>
-            <a:endParaRPr lang="en-US" altLang="zh-CN" smtClean="0"/>
+            <a:endParaRPr lang="en-US" altLang="zh-CN" dirty="0" smtClean="0"/>
           </a:p>
           <a:p>
             <a:pPr marL="342900" indent="-342900">
@@ -13283,10 +13283,10 @@
               <a:buAutoNum type="arabicPeriod"/>
             </a:pPr>
             <a:r>
-              <a:rPr lang="zh-CN" altLang="zh-CN" smtClean="0"/>
+              <a:rPr lang="zh-CN" altLang="zh-CN" dirty="0" smtClean="0"/>
               <a:t>比较笨重</a:t>
             </a:r>
-            <a:endParaRPr lang="en-US" altLang="zh-CN" smtClean="0"/>
+            <a:endParaRPr lang="en-US" altLang="zh-CN" dirty="0" smtClean="0"/>
           </a:p>
           <a:p>
             <a:pPr marL="342900" indent="-342900">
@@ -13294,28 +13294,30 @@
               <a:buAutoNum type="arabicPeriod"/>
             </a:pPr>
             <a:r>
-              <a:rPr lang="zh-CN" altLang="en-US"/>
+              <a:rPr lang="zh-CN" altLang="en-US" dirty="0"/>
               <a:t>不</a:t>
             </a:r>
             <a:r>
-              <a:rPr lang="zh-CN" altLang="en-US" smtClean="0"/>
+              <a:rPr lang="zh-CN" altLang="en-US" dirty="0" smtClean="0"/>
               <a:t>符合阅读习惯</a:t>
             </a:r>
-            <a:endParaRPr lang="en-US" altLang="zh-CN" smtClean="0"/>
+            <a:endParaRPr lang="en-US" altLang="zh-CN" dirty="0" smtClean="0"/>
           </a:p>
         </p:txBody>
       </p:sp>
     </p:spTree>
     <p:extLst>
       <p:ext uri="{BB962C8B-B14F-4D97-AF65-F5344CB8AC3E}">
-        <p14:creationId xmlns:p14="http://schemas.microsoft.com/office/powerpoint/2010/main" xmlns="" val="1753012017"/>
+        <p14:creationId xmlns="" xmlns:p14="http://schemas.microsoft.com/office/powerpoint/2010/main" val="1753012017"/>
       </p:ext>
     </p:extLst>
   </p:cSld>
   <p:clrMapOvr>
     <a:masterClrMapping/>
   </p:clrMapOvr>
-  <p:transition/>
+  <p:transition>
+    <p:fade/>
+  </p:transition>
   <p:timing>
     <p:tnLst>
       <p:par>
@@ -13455,7 +13457,7 @@
           <a:blip r:embed="rId3" cstate="print">
             <a:extLst>
               <a:ext uri="{28A0092B-C50C-407E-A947-70E740481C1C}">
-                <a14:useLocalDpi xmlns:a14="http://schemas.microsoft.com/office/drawing/2010/main" xmlns="" val="0"/>
+                <a14:useLocalDpi xmlns="" xmlns:a14="http://schemas.microsoft.com/office/drawing/2010/main" val="0"/>
               </a:ext>
             </a:extLst>
           </a:blip>
@@ -13479,14 +13481,14 @@
           <a:effectLst/>
           <a:extLst>
             <a:ext uri="{909E8E84-426E-40DD-AFC4-6F175D3DCCD1}">
-              <a14:hiddenFill xmlns:a14="http://schemas.microsoft.com/office/drawing/2010/main" xmlns="">
+              <a14:hiddenFill xmlns="" xmlns:a14="http://schemas.microsoft.com/office/drawing/2010/main">
                 <a:solidFill>
                   <a:schemeClr val="accent1"/>
                 </a:solidFill>
               </a14:hiddenFill>
             </a:ext>
             <a:ext uri="{91240B29-F687-4F45-9708-019B960494DF}">
-              <a14:hiddenLine xmlns:a14="http://schemas.microsoft.com/office/drawing/2010/main" xmlns="" w="9525">
+              <a14:hiddenLine xmlns="" xmlns:a14="http://schemas.microsoft.com/office/drawing/2010/main" w="9525">
                 <a:solidFill>
                   <a:schemeClr val="tx1"/>
                 </a:solidFill>
@@ -13496,7 +13498,7 @@
               </a14:hiddenLine>
             </a:ext>
             <a:ext uri="{AF507438-7753-43E0-B8FC-AC1667EBCBE1}">
-              <a14:hiddenEffects xmlns:a14="http://schemas.microsoft.com/office/drawing/2010/main" xmlns="">
+              <a14:hiddenEffects xmlns="" xmlns:a14="http://schemas.microsoft.com/office/drawing/2010/main">
                 <a:effectLst>
                   <a:outerShdw dist="35921" dir="2700000" algn="ctr" rotWithShape="0">
                     <a:schemeClr val="bg2"/>
@@ -13569,7 +13571,7 @@
           <a:blip r:embed="rId4" cstate="print">
             <a:extLst>
               <a:ext uri="{28A0092B-C50C-407E-A947-70E740481C1C}">
-                <a14:useLocalDpi xmlns:a14="http://schemas.microsoft.com/office/drawing/2010/main" xmlns="" val="0"/>
+                <a14:useLocalDpi xmlns="" xmlns:a14="http://schemas.microsoft.com/office/drawing/2010/main" val="0"/>
               </a:ext>
             </a:extLst>
           </a:blip>
@@ -13593,14 +13595,14 @@
           <a:effectLst/>
           <a:extLst>
             <a:ext uri="{909E8E84-426E-40DD-AFC4-6F175D3DCCD1}">
-              <a14:hiddenFill xmlns:a14="http://schemas.microsoft.com/office/drawing/2010/main" xmlns="">
+              <a14:hiddenFill xmlns="" xmlns:a14="http://schemas.microsoft.com/office/drawing/2010/main">
                 <a:solidFill>
                   <a:schemeClr val="accent1"/>
                 </a:solidFill>
               </a14:hiddenFill>
             </a:ext>
             <a:ext uri="{91240B29-F687-4F45-9708-019B960494DF}">
-              <a14:hiddenLine xmlns:a14="http://schemas.microsoft.com/office/drawing/2010/main" xmlns="" w="9525">
+              <a14:hiddenLine xmlns="" xmlns:a14="http://schemas.microsoft.com/office/drawing/2010/main" w="9525">
                 <a:solidFill>
                   <a:schemeClr val="tx1"/>
                 </a:solidFill>
@@ -13610,7 +13612,7 @@
               </a14:hiddenLine>
             </a:ext>
             <a:ext uri="{AF507438-7753-43E0-B8FC-AC1667EBCBE1}">
-              <a14:hiddenEffects xmlns:a14="http://schemas.microsoft.com/office/drawing/2010/main" xmlns="">
+              <a14:hiddenEffects xmlns="" xmlns:a14="http://schemas.microsoft.com/office/drawing/2010/main">
                 <a:effectLst>
                   <a:outerShdw dist="35921" dir="2700000" algn="ctr" rotWithShape="0">
                     <a:schemeClr val="bg2"/>
@@ -13668,7 +13670,7 @@
           <a:blip r:embed="rId5" cstate="print">
             <a:extLst>
               <a:ext uri="{28A0092B-C50C-407E-A947-70E740481C1C}">
-                <a14:useLocalDpi xmlns:a14="http://schemas.microsoft.com/office/drawing/2010/main" xmlns="" val="0"/>
+                <a14:useLocalDpi xmlns="" xmlns:a14="http://schemas.microsoft.com/office/drawing/2010/main" val="0"/>
               </a:ext>
             </a:extLst>
           </a:blip>
@@ -13692,14 +13694,14 @@
           <a:effectLst/>
           <a:extLst>
             <a:ext uri="{909E8E84-426E-40DD-AFC4-6F175D3DCCD1}">
-              <a14:hiddenFill xmlns:a14="http://schemas.microsoft.com/office/drawing/2010/main" xmlns="">
+              <a14:hiddenFill xmlns="" xmlns:a14="http://schemas.microsoft.com/office/drawing/2010/main">
                 <a:solidFill>
                   <a:schemeClr val="accent1"/>
                 </a:solidFill>
               </a14:hiddenFill>
             </a:ext>
             <a:ext uri="{91240B29-F687-4F45-9708-019B960494DF}">
-              <a14:hiddenLine xmlns:a14="http://schemas.microsoft.com/office/drawing/2010/main" xmlns="" w="9525">
+              <a14:hiddenLine xmlns="" xmlns:a14="http://schemas.microsoft.com/office/drawing/2010/main" w="9525">
                 <a:solidFill>
                   <a:schemeClr val="tx1"/>
                 </a:solidFill>
@@ -13709,7 +13711,7 @@
               </a14:hiddenLine>
             </a:ext>
             <a:ext uri="{AF507438-7753-43E0-B8FC-AC1667EBCBE1}">
-              <a14:hiddenEffects xmlns:a14="http://schemas.microsoft.com/office/drawing/2010/main" xmlns="">
+              <a14:hiddenEffects xmlns="" xmlns:a14="http://schemas.microsoft.com/office/drawing/2010/main">
                 <a:effectLst>
                   <a:outerShdw dist="35921" dir="2700000" algn="ctr" rotWithShape="0">
                     <a:schemeClr val="bg2"/>
@@ -13732,7 +13734,7 @@
           <a:blip r:embed="rId6" cstate="print">
             <a:extLst>
               <a:ext uri="{28A0092B-C50C-407E-A947-70E740481C1C}">
-                <a14:useLocalDpi xmlns:a14="http://schemas.microsoft.com/office/drawing/2010/main" xmlns="" val="0"/>
+                <a14:useLocalDpi xmlns="" xmlns:a14="http://schemas.microsoft.com/office/drawing/2010/main" val="0"/>
               </a:ext>
             </a:extLst>
           </a:blip>
@@ -13756,14 +13758,14 @@
           <a:effectLst/>
           <a:extLst>
             <a:ext uri="{909E8E84-426E-40DD-AFC4-6F175D3DCCD1}">
-              <a14:hiddenFill xmlns:a14="http://schemas.microsoft.com/office/drawing/2010/main" xmlns="">
+              <a14:hiddenFill xmlns="" xmlns:a14="http://schemas.microsoft.com/office/drawing/2010/main">
                 <a:solidFill>
                   <a:schemeClr val="accent1"/>
                 </a:solidFill>
               </a14:hiddenFill>
             </a:ext>
             <a:ext uri="{91240B29-F687-4F45-9708-019B960494DF}">
-              <a14:hiddenLine xmlns:a14="http://schemas.microsoft.com/office/drawing/2010/main" xmlns="" w="9525">
+              <a14:hiddenLine xmlns="" xmlns:a14="http://schemas.microsoft.com/office/drawing/2010/main" w="9525">
                 <a:solidFill>
                   <a:schemeClr val="tx1"/>
                 </a:solidFill>
@@ -13773,7 +13775,7 @@
               </a14:hiddenLine>
             </a:ext>
             <a:ext uri="{AF507438-7753-43E0-B8FC-AC1667EBCBE1}">
-              <a14:hiddenEffects xmlns:a14="http://schemas.microsoft.com/office/drawing/2010/main" xmlns="">
+              <a14:hiddenEffects xmlns="" xmlns:a14="http://schemas.microsoft.com/office/drawing/2010/main">
                 <a:effectLst>
                   <a:outerShdw dist="35921" dir="2700000" algn="ctr" rotWithShape="0">
                     <a:schemeClr val="bg2"/>
@@ -13887,7 +13889,7 @@
     </p:spTree>
     <p:extLst>
       <p:ext uri="{BB962C8B-B14F-4D97-AF65-F5344CB8AC3E}">
-        <p14:creationId xmlns:p14="http://schemas.microsoft.com/office/powerpoint/2010/main" xmlns="" val="488382196"/>
+        <p14:creationId xmlns="" xmlns:p14="http://schemas.microsoft.com/office/powerpoint/2010/main" val="488382196"/>
       </p:ext>
     </p:extLst>
   </p:cSld>
@@ -14126,7 +14128,7 @@
     </p:spTree>
     <p:extLst>
       <p:ext uri="{BB962C8B-B14F-4D97-AF65-F5344CB8AC3E}">
-        <p14:creationId xmlns:p14="http://schemas.microsoft.com/office/powerpoint/2010/main" xmlns="" val="4047675823"/>
+        <p14:creationId xmlns="" xmlns:p14="http://schemas.microsoft.com/office/powerpoint/2010/main" val="4047675823"/>
       </p:ext>
     </p:extLst>
   </p:cSld>
@@ -14265,7 +14267,7 @@
           <a:blip r:embed="rId3" cstate="print">
             <a:extLst>
               <a:ext uri="{28A0092B-C50C-407E-A947-70E740481C1C}">
-                <a14:useLocalDpi xmlns:a14="http://schemas.microsoft.com/office/drawing/2010/main" xmlns="" val="0"/>
+                <a14:useLocalDpi xmlns="" xmlns:a14="http://schemas.microsoft.com/office/drawing/2010/main" val="0"/>
               </a:ext>
             </a:extLst>
           </a:blip>
@@ -14289,14 +14291,14 @@
           <a:effectLst/>
           <a:extLst>
             <a:ext uri="{909E8E84-426E-40DD-AFC4-6F175D3DCCD1}">
-              <a14:hiddenFill xmlns:a14="http://schemas.microsoft.com/office/drawing/2010/main" xmlns="">
+              <a14:hiddenFill xmlns="" xmlns:a14="http://schemas.microsoft.com/office/drawing/2010/main">
                 <a:solidFill>
                   <a:schemeClr val="accent1"/>
                 </a:solidFill>
               </a14:hiddenFill>
             </a:ext>
             <a:ext uri="{91240B29-F687-4F45-9708-019B960494DF}">
-              <a14:hiddenLine xmlns:a14="http://schemas.microsoft.com/office/drawing/2010/main" xmlns="" w="9525">
+              <a14:hiddenLine xmlns="" xmlns:a14="http://schemas.microsoft.com/office/drawing/2010/main" w="9525">
                 <a:solidFill>
                   <a:schemeClr val="tx1"/>
                 </a:solidFill>
@@ -14306,7 +14308,7 @@
               </a14:hiddenLine>
             </a:ext>
             <a:ext uri="{AF507438-7753-43E0-B8FC-AC1667EBCBE1}">
-              <a14:hiddenEffects xmlns:a14="http://schemas.microsoft.com/office/drawing/2010/main" xmlns="">
+              <a14:hiddenEffects xmlns="" xmlns:a14="http://schemas.microsoft.com/office/drawing/2010/main">
                 <a:effectLst>
                   <a:outerShdw dist="35921" dir="2700000" algn="ctr" rotWithShape="0">
                     <a:schemeClr val="bg2"/>
@@ -14401,7 +14403,7 @@
           <a:blip r:embed="rId4" cstate="print">
             <a:extLst>
               <a:ext uri="{28A0092B-C50C-407E-A947-70E740481C1C}">
-                <a14:useLocalDpi xmlns:a14="http://schemas.microsoft.com/office/drawing/2010/main" xmlns="" val="0"/>
+                <a14:useLocalDpi xmlns="" xmlns:a14="http://schemas.microsoft.com/office/drawing/2010/main" val="0"/>
               </a:ext>
             </a:extLst>
           </a:blip>
@@ -14425,14 +14427,14 @@
           <a:effectLst/>
           <a:extLst>
             <a:ext uri="{909E8E84-426E-40DD-AFC4-6F175D3DCCD1}">
-              <a14:hiddenFill xmlns:a14="http://schemas.microsoft.com/office/drawing/2010/main" xmlns="">
+              <a14:hiddenFill xmlns="" xmlns:a14="http://schemas.microsoft.com/office/drawing/2010/main">
                 <a:solidFill>
                   <a:schemeClr val="accent1"/>
                 </a:solidFill>
               </a14:hiddenFill>
             </a:ext>
             <a:ext uri="{91240B29-F687-4F45-9708-019B960494DF}">
-              <a14:hiddenLine xmlns:a14="http://schemas.microsoft.com/office/drawing/2010/main" xmlns="" w="9525">
+              <a14:hiddenLine xmlns="" xmlns:a14="http://schemas.microsoft.com/office/drawing/2010/main" w="9525">
                 <a:solidFill>
                   <a:schemeClr val="tx1"/>
                 </a:solidFill>
@@ -14442,7 +14444,7 @@
               </a14:hiddenLine>
             </a:ext>
             <a:ext uri="{AF507438-7753-43E0-B8FC-AC1667EBCBE1}">
-              <a14:hiddenEffects xmlns:a14="http://schemas.microsoft.com/office/drawing/2010/main" xmlns="">
+              <a14:hiddenEffects xmlns="" xmlns:a14="http://schemas.microsoft.com/office/drawing/2010/main">
                 <a:effectLst>
                   <a:outerShdw dist="35921" dir="2700000" algn="ctr" rotWithShape="0">
                     <a:schemeClr val="bg2"/>
@@ -14565,7 +14567,7 @@
           <a:blip r:embed="rId5" cstate="print">
             <a:extLst>
               <a:ext uri="{28A0092B-C50C-407E-A947-70E740481C1C}">
-                <a14:useLocalDpi xmlns:a14="http://schemas.microsoft.com/office/drawing/2010/main" xmlns="" val="0"/>
+                <a14:useLocalDpi xmlns="" xmlns:a14="http://schemas.microsoft.com/office/drawing/2010/main" val="0"/>
               </a:ext>
             </a:extLst>
           </a:blip>
@@ -14589,14 +14591,14 @@
           <a:effectLst/>
           <a:extLst>
             <a:ext uri="{909E8E84-426E-40DD-AFC4-6F175D3DCCD1}">
-              <a14:hiddenFill xmlns:a14="http://schemas.microsoft.com/office/drawing/2010/main" xmlns="">
+              <a14:hiddenFill xmlns="" xmlns:a14="http://schemas.microsoft.com/office/drawing/2010/main">
                 <a:solidFill>
                   <a:schemeClr val="accent1"/>
                 </a:solidFill>
               </a14:hiddenFill>
             </a:ext>
             <a:ext uri="{91240B29-F687-4F45-9708-019B960494DF}">
-              <a14:hiddenLine xmlns:a14="http://schemas.microsoft.com/office/drawing/2010/main" xmlns="" w="9525">
+              <a14:hiddenLine xmlns="" xmlns:a14="http://schemas.microsoft.com/office/drawing/2010/main" w="9525">
                 <a:solidFill>
                   <a:schemeClr val="tx1"/>
                 </a:solidFill>
@@ -14606,7 +14608,7 @@
               </a14:hiddenLine>
             </a:ext>
             <a:ext uri="{AF507438-7753-43E0-B8FC-AC1667EBCBE1}">
-              <a14:hiddenEffects xmlns:a14="http://schemas.microsoft.com/office/drawing/2010/main" xmlns="">
+              <a14:hiddenEffects xmlns="" xmlns:a14="http://schemas.microsoft.com/office/drawing/2010/main">
                 <a:effectLst>
                   <a:outerShdw dist="35921" dir="2700000" algn="ctr" rotWithShape="0">
                     <a:schemeClr val="bg2"/>
@@ -14620,7 +14622,7 @@
     </p:spTree>
     <p:extLst>
       <p:ext uri="{BB962C8B-B14F-4D97-AF65-F5344CB8AC3E}">
-        <p14:creationId xmlns:p14="http://schemas.microsoft.com/office/powerpoint/2010/main" xmlns="" val="1642688797"/>
+        <p14:creationId xmlns="" xmlns:p14="http://schemas.microsoft.com/office/powerpoint/2010/main" val="1642688797"/>
       </p:ext>
     </p:extLst>
   </p:cSld>
@@ -14771,7 +14773,7 @@
           <a:blip r:embed="rId3" cstate="print">
             <a:extLst>
               <a:ext uri="{28A0092B-C50C-407E-A947-70E740481C1C}">
-                <a14:useLocalDpi xmlns:a14="http://schemas.microsoft.com/office/drawing/2010/main" xmlns="" val="0"/>
+                <a14:useLocalDpi xmlns="" xmlns:a14="http://schemas.microsoft.com/office/drawing/2010/main" val="0"/>
               </a:ext>
             </a:extLst>
           </a:blip>
@@ -14795,14 +14797,14 @@
           <a:effectLst/>
           <a:extLst>
             <a:ext uri="{909E8E84-426E-40DD-AFC4-6F175D3DCCD1}">
-              <a14:hiddenFill xmlns:a14="http://schemas.microsoft.com/office/drawing/2010/main" xmlns="">
+              <a14:hiddenFill xmlns="" xmlns:a14="http://schemas.microsoft.com/office/drawing/2010/main">
                 <a:solidFill>
                   <a:schemeClr val="accent1"/>
                 </a:solidFill>
               </a14:hiddenFill>
             </a:ext>
             <a:ext uri="{91240B29-F687-4F45-9708-019B960494DF}">
-              <a14:hiddenLine xmlns:a14="http://schemas.microsoft.com/office/drawing/2010/main" xmlns="" w="9525">
+              <a14:hiddenLine xmlns="" xmlns:a14="http://schemas.microsoft.com/office/drawing/2010/main" w="9525">
                 <a:solidFill>
                   <a:schemeClr val="tx1"/>
                 </a:solidFill>
@@ -14812,7 +14814,7 @@
               </a14:hiddenLine>
             </a:ext>
             <a:ext uri="{AF507438-7753-43E0-B8FC-AC1667EBCBE1}">
-              <a14:hiddenEffects xmlns:a14="http://schemas.microsoft.com/office/drawing/2010/main" xmlns="">
+              <a14:hiddenEffects xmlns="" xmlns:a14="http://schemas.microsoft.com/office/drawing/2010/main">
                 <a:effectLst>
                   <a:outerShdw dist="35921" dir="2700000" algn="ctr" rotWithShape="0">
                     <a:schemeClr val="bg2"/>
@@ -15107,7 +15109,7 @@
     </p:spTree>
     <p:extLst>
       <p:ext uri="{BB962C8B-B14F-4D97-AF65-F5344CB8AC3E}">
-        <p14:creationId xmlns:p14="http://schemas.microsoft.com/office/powerpoint/2010/main" xmlns="" val="4245491950"/>
+        <p14:creationId xmlns="" xmlns:p14="http://schemas.microsoft.com/office/powerpoint/2010/main" val="4245491950"/>
       </p:ext>
     </p:extLst>
   </p:cSld>
@@ -15296,7 +15298,7 @@
     </p:spTree>
     <p:extLst>
       <p:ext uri="{BB962C8B-B14F-4D97-AF65-F5344CB8AC3E}">
-        <p14:creationId xmlns:p14="http://schemas.microsoft.com/office/powerpoint/2010/main" xmlns="" val="2475690033"/>
+        <p14:creationId xmlns="" xmlns:p14="http://schemas.microsoft.com/office/powerpoint/2010/main" val="2475690033"/>
       </p:ext>
     </p:extLst>
   </p:cSld>
@@ -15902,7 +15904,7 @@
     </p:spTree>
     <p:extLst>
       <p:ext uri="{BB962C8B-B14F-4D97-AF65-F5344CB8AC3E}">
-        <p14:creationId xmlns:p14="http://schemas.microsoft.com/office/powerpoint/2010/main" xmlns="" val="2360669807"/>
+        <p14:creationId xmlns="" xmlns:p14="http://schemas.microsoft.com/office/powerpoint/2010/main" val="2360669807"/>
       </p:ext>
     </p:extLst>
   </p:cSld>
@@ -16405,7 +16407,7 @@
     </p:spTree>
     <p:extLst>
       <p:ext uri="{BB962C8B-B14F-4D97-AF65-F5344CB8AC3E}">
-        <p14:creationId xmlns:p14="http://schemas.microsoft.com/office/powerpoint/2010/main" xmlns="" val="110550331"/>
+        <p14:creationId xmlns="" xmlns:p14="http://schemas.microsoft.com/office/powerpoint/2010/main" val="110550331"/>
       </p:ext>
     </p:extLst>
   </p:cSld>
@@ -16770,7 +16772,7 @@
           <a:p>
             <a:pPr algn="l"/>
             <a:r>
-              <a:rPr lang="zh-CN" altLang="en-US" sz="2000" b="1" smtClean="0">
+              <a:rPr lang="zh-CN" altLang="en-US" sz="2000" b="1" dirty="0" smtClean="0">
                 <a:solidFill>
                   <a:srgbClr val="5F5E5C"/>
                 </a:solidFill>
@@ -17014,7 +17016,7 @@
             <a:p>
               <a:pPr algn="l"/>
               <a:r>
-                <a:rPr lang="zh-CN" altLang="en-US" sz="2000" b="1">
+                <a:rPr lang="zh-CN" altLang="en-US" sz="2000" b="1" dirty="0">
                   <a:solidFill>
                     <a:schemeClr val="bg1"/>
                   </a:solidFill>
@@ -17024,7 +17026,7 @@
                 <a:t>新</a:t>
               </a:r>
               <a:r>
-                <a:rPr lang="zh-CN" altLang="en-US" sz="2000" b="1" smtClean="0">
+                <a:rPr lang="zh-CN" altLang="en-US" sz="2000" b="1" dirty="0" smtClean="0">
                   <a:solidFill>
                     <a:schemeClr val="bg1"/>
                   </a:solidFill>
@@ -17259,7 +17261,7 @@
           <a:p>
             <a:pPr algn="l"/>
             <a:r>
-              <a:rPr lang="en-US" altLang="zh-CN" sz="2000" b="1" smtClean="0">
+              <a:rPr lang="en-US" altLang="zh-CN" sz="2000" b="1" dirty="0" smtClean="0">
                 <a:solidFill>
                   <a:schemeClr val="tx1">
                     <a:lumMod val="65000"/>
@@ -17272,7 +17274,7 @@
               <a:t>Lambda</a:t>
             </a:r>
             <a:r>
-              <a:rPr lang="zh-CN" altLang="en-US" sz="2000" b="1" smtClean="0">
+              <a:rPr lang="zh-CN" altLang="en-US" sz="2000" b="1" dirty="0" smtClean="0">
                 <a:solidFill>
                   <a:schemeClr val="tx1">
                     <a:lumMod val="65000"/>
@@ -17371,7 +17373,7 @@
           <a:p>
             <a:pPr algn="l"/>
             <a:r>
-              <a:rPr lang="zh-CN" altLang="en-US" sz="2000" b="1" smtClean="0">
+              <a:rPr lang="zh-CN" altLang="en-US" sz="2000" b="1" dirty="0" smtClean="0">
                 <a:solidFill>
                   <a:schemeClr val="tx1">
                     <a:lumMod val="65000"/>
@@ -17384,7 +17386,7 @@
               <a:t>新时间日期</a:t>
             </a:r>
             <a:r>
-              <a:rPr lang="en-US" altLang="zh-CN" sz="2000" b="1" smtClean="0">
+              <a:rPr lang="en-US" altLang="zh-CN" sz="2000" b="1" dirty="0" smtClean="0">
                 <a:solidFill>
                   <a:schemeClr val="tx1">
                     <a:lumMod val="65000"/>
@@ -17528,14 +17530,26 @@
           <a:lstStyle/>
           <a:p>
             <a:r>
-              <a:rPr lang="en-US" altLang="zh-CN" sz="2000" b="1" smtClean="0"/>
+              <a:rPr lang="en-US" altLang="zh-CN" sz="2000" b="1" dirty="0" smtClean="0">
+                <a:solidFill>
+                  <a:schemeClr val="tx1">
+                    <a:lumMod val="65000"/>
+                    <a:lumOff val="35000"/>
+                  </a:schemeClr>
+                </a:solidFill>
+                <a:latin typeface="专业字体设计服务/WWW.ZTSGC.COM/"/>
+                <a:ea typeface="微软雅黑" pitchFamily="34" charset="-122"/>
+              </a:rPr>
               <a:t>Optional</a:t>
             </a:r>
             <a:endParaRPr lang="zh-CN" altLang="en-US" sz="2000" b="1" dirty="0">
               <a:solidFill>
-                <a:srgbClr val="5F5E5C"/>
+                <a:schemeClr val="tx1">
+                  <a:lumMod val="65000"/>
+                  <a:lumOff val="35000"/>
+                </a:schemeClr>
               </a:solidFill>
-              <a:latin typeface="微软雅黑" pitchFamily="34" charset="-122"/>
+              <a:latin typeface="专业字体设计服务/WWW.ZTSGC.COM/"/>
               <a:ea typeface="微软雅黑" pitchFamily="34" charset="-122"/>
             </a:endParaRPr>
           </a:p>
@@ -17544,7 +17558,7 @@
     </p:spTree>
     <p:extLst>
       <p:ext uri="{BB962C8B-B14F-4D97-AF65-F5344CB8AC3E}">
-        <p14:creationId xmlns:p14="http://schemas.microsoft.com/office/powerpoint/2010/main" xmlns="" val="663676915"/>
+        <p14:creationId xmlns="" xmlns:p14="http://schemas.microsoft.com/office/powerpoint/2010/main" val="663676915"/>
       </p:ext>
     </p:extLst>
   </p:cSld>
@@ -17680,7 +17694,7 @@
         <p:spPr>
           <a:xfrm>
             <a:off x="827584" y="1772816"/>
-            <a:ext cx="7236804" cy="2126864"/>
+            <a:ext cx="7236804" cy="2169825"/>
           </a:xfrm>
           <a:prstGeom prst="rect">
             <a:avLst/>
@@ -17707,15 +17721,7 @@
             </a:r>
             <a:r>
               <a:rPr lang="zh-CN" altLang="en-US" dirty="0" smtClean="0"/>
-              <a:t>表达式中的参数类型都是由编译器推</a:t>
-            </a:r>
-            <a:r>
-              <a:rPr lang="zh-CN" altLang="en-US" dirty="0" smtClean="0"/>
-              <a:t>断得</a:t>
-            </a:r>
-            <a:r>
-              <a:rPr lang="zh-CN" altLang="en-US" dirty="0" smtClean="0"/>
-              <a:t>出的。 </a:t>
+              <a:t>表达式中的参数类型都是由编译器推断得出的。 </a:t>
             </a:r>
             <a:r>
               <a:rPr lang="en-US" altLang="zh-CN" dirty="0" smtClean="0"/>
@@ -17723,15 +17729,7 @@
             </a:r>
             <a:r>
               <a:rPr lang="zh-CN" altLang="en-US" dirty="0" smtClean="0"/>
-              <a:t>表达式中无需指定类型，程序依然</a:t>
-            </a:r>
-            <a:r>
-              <a:rPr lang="zh-CN" altLang="en-US" dirty="0" smtClean="0"/>
-              <a:t>可以</a:t>
-            </a:r>
-            <a:r>
-              <a:rPr lang="zh-CN" altLang="en-US" dirty="0" smtClean="0"/>
-              <a:t>编译，这是因为 </a:t>
+              <a:t>表达式中无需指定类型，程序依然可以编译，这是因为 </a:t>
             </a:r>
             <a:r>
               <a:rPr lang="en-US" altLang="zh-CN" dirty="0" err="1" smtClean="0"/>
@@ -17743,15 +17741,7 @@
             </a:r>
             <a:r>
               <a:rPr lang="zh-CN" altLang="en-US" dirty="0" smtClean="0"/>
-              <a:t>根据程序的上下文，在后</a:t>
-            </a:r>
-            <a:r>
-              <a:rPr lang="zh-CN" altLang="en-US" dirty="0" smtClean="0"/>
-              <a:t>台推</a:t>
-            </a:r>
-            <a:r>
-              <a:rPr lang="zh-CN" altLang="en-US" dirty="0" smtClean="0"/>
-              <a:t>断出了参数的类型。 </a:t>
+              <a:t>根据程序的上下文，在后台推断出了参数的类型。 </a:t>
             </a:r>
             <a:r>
               <a:rPr lang="en-US" altLang="zh-CN" dirty="0" smtClean="0"/>
@@ -17759,23 +17749,15 @@
             </a:r>
             <a:r>
               <a:rPr lang="zh-CN" altLang="en-US" dirty="0" smtClean="0"/>
-              <a:t>表达式的类型依赖于</a:t>
+              <a:t>表达式的类型依赖于上下文环境，是由编译器推断出来的。这就是所谓的“类型推</a:t>
             </a:r>
             <a:r>
               <a:rPr lang="zh-CN" altLang="en-US" dirty="0" smtClean="0"/>
-              <a:t>上下</a:t>
+              <a:t>断”。 </a:t>
             </a:r>
             <a:r>
               <a:rPr lang="zh-CN" altLang="en-US" dirty="0" smtClean="0"/>
-              <a:t>文环境，是由编译器推断出来的。这就是所谓</a:t>
-            </a:r>
-            <a:r>
-              <a:rPr lang="zh-CN" altLang="en-US" dirty="0" smtClean="0"/>
-              <a:t>的“</a:t>
-            </a:r>
-            <a:r>
-              <a:rPr lang="zh-CN" altLang="en-US" dirty="0" smtClean="0"/>
-              <a:t>类型推断 </a:t>
+              <a:t/>
             </a:r>
             <a:br>
               <a:rPr lang="zh-CN" altLang="en-US" dirty="0" smtClean="0"/>
@@ -17787,7 +17769,7 @@
     </p:spTree>
     <p:extLst>
       <p:ext uri="{BB962C8B-B14F-4D97-AF65-F5344CB8AC3E}">
-        <p14:creationId xmlns:p14="http://schemas.microsoft.com/office/powerpoint/2010/main" xmlns="" val="110550331"/>
+        <p14:creationId xmlns="" xmlns:p14="http://schemas.microsoft.com/office/powerpoint/2010/main" val="110550331"/>
       </p:ext>
     </p:extLst>
   </p:cSld>
@@ -18162,7 +18144,7 @@
     </p:spTree>
     <p:extLst>
       <p:ext uri="{BB962C8B-B14F-4D97-AF65-F5344CB8AC3E}">
-        <p14:creationId xmlns:p14="http://schemas.microsoft.com/office/powerpoint/2010/main" xmlns="" val="3991763414"/>
+        <p14:creationId xmlns="" xmlns:p14="http://schemas.microsoft.com/office/powerpoint/2010/main" val="3991763414"/>
       </p:ext>
     </p:extLst>
   </p:cSld>
@@ -19323,7 +19305,7 @@
     </p:spTree>
     <p:extLst>
       <p:ext uri="{BB962C8B-B14F-4D97-AF65-F5344CB8AC3E}">
-        <p14:creationId xmlns:p14="http://schemas.microsoft.com/office/powerpoint/2010/main" xmlns="" val="12143175"/>
+        <p14:creationId xmlns="" xmlns:p14="http://schemas.microsoft.com/office/powerpoint/2010/main" val="12143175"/>
       </p:ext>
     </p:extLst>
   </p:cSld>
@@ -19521,7 +19503,7 @@
           <a:blip r:embed="rId3" cstate="print">
             <a:extLst>
               <a:ext uri="{28A0092B-C50C-407E-A947-70E740481C1C}">
-                <a14:useLocalDpi xmlns:a14="http://schemas.microsoft.com/office/drawing/2010/main" xmlns="" val="0"/>
+                <a14:useLocalDpi xmlns="" xmlns:a14="http://schemas.microsoft.com/office/drawing/2010/main" val="0"/>
               </a:ext>
             </a:extLst>
           </a:blip>
@@ -19545,14 +19527,14 @@
           <a:effectLst/>
           <a:extLst>
             <a:ext uri="{909E8E84-426E-40DD-AFC4-6F175D3DCCD1}">
-              <a14:hiddenFill xmlns:a14="http://schemas.microsoft.com/office/drawing/2010/main" xmlns="">
+              <a14:hiddenFill xmlns="" xmlns:a14="http://schemas.microsoft.com/office/drawing/2010/main">
                 <a:solidFill>
                   <a:schemeClr val="accent1"/>
                 </a:solidFill>
               </a14:hiddenFill>
             </a:ext>
             <a:ext uri="{91240B29-F687-4F45-9708-019B960494DF}">
-              <a14:hiddenLine xmlns:a14="http://schemas.microsoft.com/office/drawing/2010/main" xmlns="" w="9525">
+              <a14:hiddenLine xmlns="" xmlns:a14="http://schemas.microsoft.com/office/drawing/2010/main" w="9525">
                 <a:solidFill>
                   <a:schemeClr val="tx1"/>
                 </a:solidFill>
@@ -19562,7 +19544,7 @@
               </a14:hiddenLine>
             </a:ext>
             <a:ext uri="{AF507438-7753-43E0-B8FC-AC1667EBCBE1}">
-              <a14:hiddenEffects xmlns:a14="http://schemas.microsoft.com/office/drawing/2010/main" xmlns="">
+              <a14:hiddenEffects xmlns="" xmlns:a14="http://schemas.microsoft.com/office/drawing/2010/main">
                 <a:effectLst>
                   <a:outerShdw dist="35921" dir="2700000" algn="ctr" rotWithShape="0">
                     <a:schemeClr val="bg2"/>
@@ -19626,7 +19608,7 @@
     </p:spTree>
     <p:extLst>
       <p:ext uri="{BB962C8B-B14F-4D97-AF65-F5344CB8AC3E}">
-        <p14:creationId xmlns:p14="http://schemas.microsoft.com/office/powerpoint/2010/main" xmlns="" val="815018522"/>
+        <p14:creationId xmlns="" xmlns:p14="http://schemas.microsoft.com/office/powerpoint/2010/main" val="815018522"/>
       </p:ext>
     </p:extLst>
   </p:cSld>
@@ -19673,7 +19655,7 @@
           <a:blip r:embed="rId3" cstate="print">
             <a:extLst>
               <a:ext uri="{28A0092B-C50C-407E-A947-70E740481C1C}">
-                <a14:useLocalDpi xmlns:a14="http://schemas.microsoft.com/office/drawing/2010/main" xmlns="" val="0"/>
+                <a14:useLocalDpi xmlns="" xmlns:a14="http://schemas.microsoft.com/office/drawing/2010/main" val="0"/>
               </a:ext>
             </a:extLst>
           </a:blip>
@@ -19697,14 +19679,14 @@
           <a:effectLst/>
           <a:extLst>
             <a:ext uri="{909E8E84-426E-40DD-AFC4-6F175D3DCCD1}">
-              <a14:hiddenFill xmlns:a14="http://schemas.microsoft.com/office/drawing/2010/main" xmlns="">
+              <a14:hiddenFill xmlns="" xmlns:a14="http://schemas.microsoft.com/office/drawing/2010/main">
                 <a:solidFill>
                   <a:schemeClr val="accent1"/>
                 </a:solidFill>
               </a14:hiddenFill>
             </a:ext>
             <a:ext uri="{91240B29-F687-4F45-9708-019B960494DF}">
-              <a14:hiddenLine xmlns:a14="http://schemas.microsoft.com/office/drawing/2010/main" xmlns="" w="9525">
+              <a14:hiddenLine xmlns="" xmlns:a14="http://schemas.microsoft.com/office/drawing/2010/main" w="9525">
                 <a:solidFill>
                   <a:schemeClr val="tx1"/>
                 </a:solidFill>
@@ -19714,7 +19696,7 @@
               </a14:hiddenLine>
             </a:ext>
             <a:ext uri="{AF507438-7753-43E0-B8FC-AC1667EBCBE1}">
-              <a14:hiddenEffects xmlns:a14="http://schemas.microsoft.com/office/drawing/2010/main" xmlns="">
+              <a14:hiddenEffects xmlns="" xmlns:a14="http://schemas.microsoft.com/office/drawing/2010/main">
                 <a:effectLst>
                   <a:outerShdw dist="35921" dir="2700000" algn="ctr" rotWithShape="0">
                     <a:schemeClr val="bg2"/>
@@ -19922,7 +19904,7 @@
     </p:spTree>
     <p:extLst>
       <p:ext uri="{BB962C8B-B14F-4D97-AF65-F5344CB8AC3E}">
-        <p14:creationId xmlns:p14="http://schemas.microsoft.com/office/powerpoint/2010/main" xmlns="" val="3493213394"/>
+        <p14:creationId xmlns="" xmlns:p14="http://schemas.microsoft.com/office/powerpoint/2010/main" val="3493213394"/>
       </p:ext>
     </p:extLst>
   </p:cSld>
@@ -20032,76 +20014,76 @@
           <a:lstStyle/>
           <a:p>
             <a:r>
-              <a:rPr lang="zh-CN" altLang="en-US"/>
+              <a:rPr lang="zh-CN" altLang="en-US" dirty="0"/>
               <a:t>函数式接口的抽象方法的签名基本上就是</a:t>
             </a:r>
             <a:r>
-              <a:rPr lang="en-US" altLang="zh-CN"/>
+              <a:rPr lang="en-US" altLang="zh-CN" dirty="0"/>
               <a:t>Lambda</a:t>
             </a:r>
             <a:r>
-              <a:rPr lang="zh-CN" altLang="en-US"/>
+              <a:rPr lang="zh-CN" altLang="en-US" dirty="0"/>
               <a:t>表达式的签名。我们将这种抽象方法</a:t>
             </a:r>
             <a:r>
-              <a:rPr lang="zh-CN" altLang="en-US" smtClean="0"/>
+              <a:rPr lang="zh-CN" altLang="en-US" dirty="0" smtClean="0"/>
               <a:t>叫作函数</a:t>
             </a:r>
             <a:r>
-              <a:rPr lang="zh-CN" altLang="en-US"/>
+              <a:rPr lang="zh-CN" altLang="en-US" dirty="0"/>
               <a:t>描述符。例如， </a:t>
             </a:r>
             <a:r>
-              <a:rPr lang="en-US" altLang="zh-CN"/>
+              <a:rPr lang="en-US" altLang="zh-CN" dirty="0" err="1"/>
               <a:t>Runnable</a:t>
             </a:r>
             <a:r>
-              <a:rPr lang="zh-CN" altLang="en-US"/>
+              <a:rPr lang="zh-CN" altLang="en-US" dirty="0"/>
               <a:t>接口可以看作一个什么也不接受什么也不返回（</a:t>
             </a:r>
             <a:r>
-              <a:rPr lang="en-US" altLang="zh-CN"/>
+              <a:rPr lang="en-US" altLang="zh-CN" dirty="0"/>
               <a:t>void</a:t>
             </a:r>
             <a:r>
-              <a:rPr lang="zh-CN" altLang="en-US"/>
+              <a:rPr lang="zh-CN" altLang="en-US" dirty="0"/>
               <a:t>）的函数</a:t>
             </a:r>
             <a:r>
-              <a:rPr lang="zh-CN" altLang="en-US" smtClean="0"/>
+              <a:rPr lang="zh-CN" altLang="en-US" dirty="0" smtClean="0"/>
               <a:t>的签名</a:t>
             </a:r>
             <a:r>
-              <a:rPr lang="zh-CN" altLang="en-US"/>
+              <a:rPr lang="zh-CN" altLang="en-US" dirty="0"/>
               <a:t>，因为它只有一个叫作</a:t>
             </a:r>
             <a:r>
-              <a:rPr lang="en-US" altLang="zh-CN"/>
+              <a:rPr lang="en-US" altLang="zh-CN" dirty="0"/>
               <a:t>run</a:t>
             </a:r>
             <a:r>
-              <a:rPr lang="zh-CN" altLang="en-US"/>
+              <a:rPr lang="zh-CN" altLang="en-US" dirty="0"/>
               <a:t>的抽象方法，这个方法什么也不接受，什么也不返回（</a:t>
             </a:r>
             <a:r>
-              <a:rPr lang="en-US" altLang="zh-CN"/>
+              <a:rPr lang="en-US" altLang="zh-CN" dirty="0"/>
               <a:t>void</a:t>
             </a:r>
             <a:r>
-              <a:rPr lang="zh-CN" altLang="en-US"/>
+              <a:rPr lang="zh-CN" altLang="en-US" dirty="0"/>
               <a:t>）。 </a:t>
             </a:r>
             <a:br>
-              <a:rPr lang="zh-CN" altLang="en-US"/>
+              <a:rPr lang="zh-CN" altLang="en-US" dirty="0"/>
             </a:br>
-            <a:endParaRPr lang="zh-CN" altLang="en-US"/>
+            <a:endParaRPr lang="zh-CN" altLang="en-US" dirty="0"/>
           </a:p>
         </p:txBody>
       </p:sp>
     </p:spTree>
     <p:extLst>
       <p:ext uri="{BB962C8B-B14F-4D97-AF65-F5344CB8AC3E}">
-        <p14:creationId xmlns:p14="http://schemas.microsoft.com/office/powerpoint/2010/main" xmlns="" val="3471962210"/>
+        <p14:creationId xmlns="" xmlns:p14="http://schemas.microsoft.com/office/powerpoint/2010/main" val="3471962210"/>
       </p:ext>
     </p:extLst>
   </p:cSld>
@@ -20221,7 +20203,7 @@
           <a:blip r:embed="rId3" cstate="print">
             <a:extLst>
               <a:ext uri="{28A0092B-C50C-407E-A947-70E740481C1C}">
-                <a14:useLocalDpi xmlns:a14="http://schemas.microsoft.com/office/drawing/2010/main" xmlns="" val="0"/>
+                <a14:useLocalDpi xmlns="" xmlns:a14="http://schemas.microsoft.com/office/drawing/2010/main" val="0"/>
               </a:ext>
             </a:extLst>
           </a:blip>
@@ -20245,14 +20227,14 @@
           <a:effectLst/>
           <a:extLst>
             <a:ext uri="{909E8E84-426E-40DD-AFC4-6F175D3DCCD1}">
-              <a14:hiddenFill xmlns:a14="http://schemas.microsoft.com/office/drawing/2010/main" xmlns="">
+              <a14:hiddenFill xmlns="" xmlns:a14="http://schemas.microsoft.com/office/drawing/2010/main">
                 <a:solidFill>
                   <a:schemeClr val="accent1"/>
                 </a:solidFill>
               </a14:hiddenFill>
             </a:ext>
             <a:ext uri="{91240B29-F687-4F45-9708-019B960494DF}">
-              <a14:hiddenLine xmlns:a14="http://schemas.microsoft.com/office/drawing/2010/main" xmlns="" w="9525">
+              <a14:hiddenLine xmlns="" xmlns:a14="http://schemas.microsoft.com/office/drawing/2010/main" w="9525">
                 <a:solidFill>
                   <a:schemeClr val="tx1"/>
                 </a:solidFill>
@@ -20262,7 +20244,7 @@
               </a14:hiddenLine>
             </a:ext>
             <a:ext uri="{AF507438-7753-43E0-B8FC-AC1667EBCBE1}">
-              <a14:hiddenEffects xmlns:a14="http://schemas.microsoft.com/office/drawing/2010/main" xmlns="">
+              <a14:hiddenEffects xmlns="" xmlns:a14="http://schemas.microsoft.com/office/drawing/2010/main">
                 <a:effectLst>
                   <a:outerShdw dist="35921" dir="2700000" algn="ctr" rotWithShape="0">
                     <a:schemeClr val="bg2"/>
@@ -20285,7 +20267,7 @@
           <a:blip r:embed="rId4" cstate="print">
             <a:extLst>
               <a:ext uri="{28A0092B-C50C-407E-A947-70E740481C1C}">
-                <a14:useLocalDpi xmlns:a14="http://schemas.microsoft.com/office/drawing/2010/main" xmlns="" val="0"/>
+                <a14:useLocalDpi xmlns="" xmlns:a14="http://schemas.microsoft.com/office/drawing/2010/main" val="0"/>
               </a:ext>
             </a:extLst>
           </a:blip>
@@ -20309,14 +20291,14 @@
           <a:effectLst/>
           <a:extLst>
             <a:ext uri="{909E8E84-426E-40DD-AFC4-6F175D3DCCD1}">
-              <a14:hiddenFill xmlns:a14="http://schemas.microsoft.com/office/drawing/2010/main" xmlns="">
+              <a14:hiddenFill xmlns="" xmlns:a14="http://schemas.microsoft.com/office/drawing/2010/main">
                 <a:solidFill>
                   <a:schemeClr val="accent1"/>
                 </a:solidFill>
               </a14:hiddenFill>
             </a:ext>
             <a:ext uri="{91240B29-F687-4F45-9708-019B960494DF}">
-              <a14:hiddenLine xmlns:a14="http://schemas.microsoft.com/office/drawing/2010/main" xmlns="" w="9525">
+              <a14:hiddenLine xmlns="" xmlns:a14="http://schemas.microsoft.com/office/drawing/2010/main" w="9525">
                 <a:solidFill>
                   <a:schemeClr val="tx1"/>
                 </a:solidFill>
@@ -20326,7 +20308,7 @@
               </a14:hiddenLine>
             </a:ext>
             <a:ext uri="{AF507438-7753-43E0-B8FC-AC1667EBCBE1}">
-              <a14:hiddenEffects xmlns:a14="http://schemas.microsoft.com/office/drawing/2010/main" xmlns="">
+              <a14:hiddenEffects xmlns="" xmlns:a14="http://schemas.microsoft.com/office/drawing/2010/main">
                 <a:effectLst>
                   <a:outerShdw dist="35921" dir="2700000" algn="ctr" rotWithShape="0">
                     <a:schemeClr val="bg2"/>
@@ -20472,7 +20454,7 @@
     </p:spTree>
     <p:extLst>
       <p:ext uri="{BB962C8B-B14F-4D97-AF65-F5344CB8AC3E}">
-        <p14:creationId xmlns:p14="http://schemas.microsoft.com/office/powerpoint/2010/main" xmlns="" val="4213543144"/>
+        <p14:creationId xmlns="" xmlns:p14="http://schemas.microsoft.com/office/powerpoint/2010/main" val="4213543144"/>
       </p:ext>
     </p:extLst>
   </p:cSld>
@@ -20725,7 +20707,7 @@
           <a:blip r:embed="rId3" cstate="print">
             <a:extLst>
               <a:ext uri="{28A0092B-C50C-407E-A947-70E740481C1C}">
-                <a14:useLocalDpi xmlns:a14="http://schemas.microsoft.com/office/drawing/2010/main" xmlns="" val="0"/>
+                <a14:useLocalDpi xmlns="" xmlns:a14="http://schemas.microsoft.com/office/drawing/2010/main" val="0"/>
               </a:ext>
             </a:extLst>
           </a:blip>
@@ -20749,14 +20731,14 @@
           <a:effectLst/>
           <a:extLst>
             <a:ext uri="{909E8E84-426E-40DD-AFC4-6F175D3DCCD1}">
-              <a14:hiddenFill xmlns:a14="http://schemas.microsoft.com/office/drawing/2010/main" xmlns="">
+              <a14:hiddenFill xmlns="" xmlns:a14="http://schemas.microsoft.com/office/drawing/2010/main">
                 <a:solidFill>
                   <a:schemeClr val="accent1"/>
                 </a:solidFill>
               </a14:hiddenFill>
             </a:ext>
             <a:ext uri="{91240B29-F687-4F45-9708-019B960494DF}">
-              <a14:hiddenLine xmlns:a14="http://schemas.microsoft.com/office/drawing/2010/main" xmlns="" w="9525">
+              <a14:hiddenLine xmlns="" xmlns:a14="http://schemas.microsoft.com/office/drawing/2010/main" w="9525">
                 <a:solidFill>
                   <a:schemeClr val="tx1"/>
                 </a:solidFill>
@@ -20766,7 +20748,7 @@
               </a14:hiddenLine>
             </a:ext>
             <a:ext uri="{AF507438-7753-43E0-B8FC-AC1667EBCBE1}">
-              <a14:hiddenEffects xmlns:a14="http://schemas.microsoft.com/office/drawing/2010/main" xmlns="">
+              <a14:hiddenEffects xmlns="" xmlns:a14="http://schemas.microsoft.com/office/drawing/2010/main">
                 <a:effectLst>
                   <a:outerShdw dist="35921" dir="2700000" algn="ctr" rotWithShape="0">
                     <a:schemeClr val="bg2"/>
@@ -20780,7 +20762,7 @@
     </p:spTree>
     <p:extLst>
       <p:ext uri="{BB962C8B-B14F-4D97-AF65-F5344CB8AC3E}">
-        <p14:creationId xmlns:p14="http://schemas.microsoft.com/office/powerpoint/2010/main" xmlns="" val="1916483633"/>
+        <p14:creationId xmlns="" xmlns:p14="http://schemas.microsoft.com/office/powerpoint/2010/main" val="1916483633"/>
       </p:ext>
     </p:extLst>
   </p:cSld>
@@ -20906,11 +20888,11 @@
             </a:pPr>
             <a:r>
               <a:rPr lang="zh-CN" altLang="en-US" dirty="0" smtClean="0"/>
-              <a:t>注</a:t>
+              <a:t>用</a:t>
             </a:r>
             <a:r>
               <a:rPr lang="zh-CN" altLang="en-US" dirty="0"/>
-              <a:t>用于表示该接口会设计</a:t>
+              <a:t>于表示该接口会设计</a:t>
             </a:r>
             <a:r>
               <a:rPr lang="zh-CN" altLang="en-US" dirty="0" smtClean="0"/>
@@ -21198,7 +21180,7 @@
     </p:spTree>
     <p:extLst>
       <p:ext uri="{BB962C8B-B14F-4D97-AF65-F5344CB8AC3E}">
-        <p14:creationId xmlns:p14="http://schemas.microsoft.com/office/powerpoint/2010/main" xmlns="" val="3937516769"/>
+        <p14:creationId xmlns="" xmlns:p14="http://schemas.microsoft.com/office/powerpoint/2010/main" val="3937516769"/>
       </p:ext>
     </p:extLst>
   </p:cSld>
@@ -21504,7 +21486,7 @@
           <a:blip r:embed="rId3" cstate="print">
             <a:extLst>
               <a:ext uri="{28A0092B-C50C-407E-A947-70E740481C1C}">
-                <a14:useLocalDpi xmlns:a14="http://schemas.microsoft.com/office/drawing/2010/main" xmlns="" val="0"/>
+                <a14:useLocalDpi xmlns="" xmlns:a14="http://schemas.microsoft.com/office/drawing/2010/main" val="0"/>
               </a:ext>
             </a:extLst>
           </a:blip>
@@ -21528,14 +21510,14 @@
           <a:effectLst/>
           <a:extLst>
             <a:ext uri="{909E8E84-426E-40DD-AFC4-6F175D3DCCD1}">
-              <a14:hiddenFill xmlns:a14="http://schemas.microsoft.com/office/drawing/2010/main" xmlns="">
+              <a14:hiddenFill xmlns="" xmlns:a14="http://schemas.microsoft.com/office/drawing/2010/main">
                 <a:solidFill>
                   <a:schemeClr val="accent1"/>
                 </a:solidFill>
               </a14:hiddenFill>
             </a:ext>
             <a:ext uri="{91240B29-F687-4F45-9708-019B960494DF}">
-              <a14:hiddenLine xmlns:a14="http://schemas.microsoft.com/office/drawing/2010/main" xmlns="" w="9525">
+              <a14:hiddenLine xmlns="" xmlns:a14="http://schemas.microsoft.com/office/drawing/2010/main" w="9525">
                 <a:solidFill>
                   <a:schemeClr val="tx1"/>
                 </a:solidFill>
@@ -21545,7 +21527,7 @@
               </a14:hiddenLine>
             </a:ext>
             <a:ext uri="{AF507438-7753-43E0-B8FC-AC1667EBCBE1}">
-              <a14:hiddenEffects xmlns:a14="http://schemas.microsoft.com/office/drawing/2010/main" xmlns="">
+              <a14:hiddenEffects xmlns="" xmlns:a14="http://schemas.microsoft.com/office/drawing/2010/main">
                 <a:effectLst>
                   <a:outerShdw dist="35921" dir="2700000" algn="ctr" rotWithShape="0">
                     <a:schemeClr val="bg2"/>
@@ -21639,7 +21621,7 @@
     </p:spTree>
     <p:extLst>
       <p:ext uri="{BB962C8B-B14F-4D97-AF65-F5344CB8AC3E}">
-        <p14:creationId xmlns:p14="http://schemas.microsoft.com/office/powerpoint/2010/main" xmlns="" val="1077006564"/>
+        <p14:creationId xmlns="" xmlns:p14="http://schemas.microsoft.com/office/powerpoint/2010/main" val="1077006564"/>
       </p:ext>
     </p:extLst>
   </p:cSld>
@@ -22190,7 +22172,7 @@
           <a:blip r:embed="rId3" cstate="print">
             <a:extLst>
               <a:ext uri="{28A0092B-C50C-407E-A947-70E740481C1C}">
-                <a14:useLocalDpi xmlns:a14="http://schemas.microsoft.com/office/drawing/2010/main" xmlns="" val="0"/>
+                <a14:useLocalDpi xmlns="" xmlns:a14="http://schemas.microsoft.com/office/drawing/2010/main" val="0"/>
               </a:ext>
             </a:extLst>
           </a:blip>
@@ -22214,14 +22196,14 @@
           <a:effectLst/>
           <a:extLst>
             <a:ext uri="{909E8E84-426E-40DD-AFC4-6F175D3DCCD1}">
-              <a14:hiddenFill xmlns:a14="http://schemas.microsoft.com/office/drawing/2010/main" xmlns="">
+              <a14:hiddenFill xmlns="" xmlns:a14="http://schemas.microsoft.com/office/drawing/2010/main">
                 <a:solidFill>
                   <a:schemeClr val="accent1"/>
                 </a:solidFill>
               </a14:hiddenFill>
             </a:ext>
             <a:ext uri="{91240B29-F687-4F45-9708-019B960494DF}">
-              <a14:hiddenLine xmlns:a14="http://schemas.microsoft.com/office/drawing/2010/main" xmlns="" w="9525">
+              <a14:hiddenLine xmlns="" xmlns:a14="http://schemas.microsoft.com/office/drawing/2010/main" w="9525">
                 <a:solidFill>
                   <a:schemeClr val="tx1"/>
                 </a:solidFill>
@@ -22231,7 +22213,7 @@
               </a14:hiddenLine>
             </a:ext>
             <a:ext uri="{AF507438-7753-43E0-B8FC-AC1667EBCBE1}">
-              <a14:hiddenEffects xmlns:a14="http://schemas.microsoft.com/office/drawing/2010/main" xmlns="">
+              <a14:hiddenEffects xmlns="" xmlns:a14="http://schemas.microsoft.com/office/drawing/2010/main">
                 <a:effectLst>
                   <a:outerShdw dist="35921" dir="2700000" algn="ctr" rotWithShape="0">
                     <a:schemeClr val="bg2"/>
@@ -22254,7 +22236,7 @@
           <a:blip r:embed="rId4" cstate="print">
             <a:extLst>
               <a:ext uri="{28A0092B-C50C-407E-A947-70E740481C1C}">
-                <a14:useLocalDpi xmlns:a14="http://schemas.microsoft.com/office/drawing/2010/main" xmlns="" val="0"/>
+                <a14:useLocalDpi xmlns="" xmlns:a14="http://schemas.microsoft.com/office/drawing/2010/main" val="0"/>
               </a:ext>
             </a:extLst>
           </a:blip>
@@ -22278,14 +22260,14 @@
           <a:effectLst/>
           <a:extLst>
             <a:ext uri="{909E8E84-426E-40DD-AFC4-6F175D3DCCD1}">
-              <a14:hiddenFill xmlns:a14="http://schemas.microsoft.com/office/drawing/2010/main" xmlns="">
+              <a14:hiddenFill xmlns="" xmlns:a14="http://schemas.microsoft.com/office/drawing/2010/main">
                 <a:solidFill>
                   <a:schemeClr val="accent1"/>
                 </a:solidFill>
               </a14:hiddenFill>
             </a:ext>
             <a:ext uri="{91240B29-F687-4F45-9708-019B960494DF}">
-              <a14:hiddenLine xmlns:a14="http://schemas.microsoft.com/office/drawing/2010/main" xmlns="" w="9525">
+              <a14:hiddenLine xmlns="" xmlns:a14="http://schemas.microsoft.com/office/drawing/2010/main" w="9525">
                 <a:solidFill>
                   <a:schemeClr val="tx1"/>
                 </a:solidFill>
@@ -22295,7 +22277,7 @@
               </a14:hiddenLine>
             </a:ext>
             <a:ext uri="{AF507438-7753-43E0-B8FC-AC1667EBCBE1}">
-              <a14:hiddenEffects xmlns:a14="http://schemas.microsoft.com/office/drawing/2010/main" xmlns="">
+              <a14:hiddenEffects xmlns="" xmlns:a14="http://schemas.microsoft.com/office/drawing/2010/main">
                 <a:effectLst>
                   <a:outerShdw dist="35921" dir="2700000" algn="ctr" rotWithShape="0">
                     <a:schemeClr val="bg2"/>
@@ -22389,7 +22371,7 @@
     </p:spTree>
     <p:extLst>
       <p:ext uri="{BB962C8B-B14F-4D97-AF65-F5344CB8AC3E}">
-        <p14:creationId xmlns:p14="http://schemas.microsoft.com/office/powerpoint/2010/main" xmlns="" val="2853208989"/>
+        <p14:creationId xmlns="" xmlns:p14="http://schemas.microsoft.com/office/powerpoint/2010/main" val="2853208989"/>
       </p:ext>
     </p:extLst>
   </p:cSld>
@@ -22622,7 +22604,7 @@
           <a:blip r:embed="rId3" cstate="print">
             <a:extLst>
               <a:ext uri="{28A0092B-C50C-407E-A947-70E740481C1C}">
-                <a14:useLocalDpi xmlns:a14="http://schemas.microsoft.com/office/drawing/2010/main" xmlns="" val="0"/>
+                <a14:useLocalDpi xmlns="" xmlns:a14="http://schemas.microsoft.com/office/drawing/2010/main" val="0"/>
               </a:ext>
             </a:extLst>
           </a:blip>
@@ -22646,14 +22628,14 @@
           <a:effectLst/>
           <a:extLst>
             <a:ext uri="{909E8E84-426E-40DD-AFC4-6F175D3DCCD1}">
-              <a14:hiddenFill xmlns:a14="http://schemas.microsoft.com/office/drawing/2010/main" xmlns="">
+              <a14:hiddenFill xmlns="" xmlns:a14="http://schemas.microsoft.com/office/drawing/2010/main">
                 <a:solidFill>
                   <a:schemeClr val="accent1"/>
                 </a:solidFill>
               </a14:hiddenFill>
             </a:ext>
             <a:ext uri="{91240B29-F687-4F45-9708-019B960494DF}">
-              <a14:hiddenLine xmlns:a14="http://schemas.microsoft.com/office/drawing/2010/main" xmlns="" w="9525">
+              <a14:hiddenLine xmlns="" xmlns:a14="http://schemas.microsoft.com/office/drawing/2010/main" w="9525">
                 <a:solidFill>
                   <a:schemeClr val="tx1"/>
                 </a:solidFill>
@@ -22663,7 +22645,7 @@
               </a14:hiddenLine>
             </a:ext>
             <a:ext uri="{AF507438-7753-43E0-B8FC-AC1667EBCBE1}">
-              <a14:hiddenEffects xmlns:a14="http://schemas.microsoft.com/office/drawing/2010/main" xmlns="">
+              <a14:hiddenEffects xmlns="" xmlns:a14="http://schemas.microsoft.com/office/drawing/2010/main">
                 <a:effectLst>
                   <a:outerShdw dist="35921" dir="2700000" algn="ctr" rotWithShape="0">
                     <a:schemeClr val="bg2"/>
@@ -22727,7 +22709,7 @@
     </p:spTree>
     <p:extLst>
       <p:ext uri="{BB962C8B-B14F-4D97-AF65-F5344CB8AC3E}">
-        <p14:creationId xmlns:p14="http://schemas.microsoft.com/office/powerpoint/2010/main" xmlns="" val="1616827905"/>
+        <p14:creationId xmlns="" xmlns:p14="http://schemas.microsoft.com/office/powerpoint/2010/main" val="1616827905"/>
       </p:ext>
     </p:extLst>
   </p:cSld>
@@ -23000,7 +22982,7 @@
           <a:blip r:embed="rId3" cstate="print">
             <a:extLst>
               <a:ext uri="{28A0092B-C50C-407E-A947-70E740481C1C}">
-                <a14:useLocalDpi xmlns:a14="http://schemas.microsoft.com/office/drawing/2010/main" xmlns="" val="0"/>
+                <a14:useLocalDpi xmlns="" xmlns:a14="http://schemas.microsoft.com/office/drawing/2010/main" val="0"/>
               </a:ext>
             </a:extLst>
           </a:blip>
@@ -23024,14 +23006,14 @@
           <a:effectLst/>
           <a:extLst>
             <a:ext uri="{909E8E84-426E-40DD-AFC4-6F175D3DCCD1}">
-              <a14:hiddenFill xmlns:a14="http://schemas.microsoft.com/office/drawing/2010/main" xmlns="">
+              <a14:hiddenFill xmlns="" xmlns:a14="http://schemas.microsoft.com/office/drawing/2010/main">
                 <a:solidFill>
                   <a:schemeClr val="accent1"/>
                 </a:solidFill>
               </a14:hiddenFill>
             </a:ext>
             <a:ext uri="{91240B29-F687-4F45-9708-019B960494DF}">
-              <a14:hiddenLine xmlns:a14="http://schemas.microsoft.com/office/drawing/2010/main" xmlns="" w="9525">
+              <a14:hiddenLine xmlns="" xmlns:a14="http://schemas.microsoft.com/office/drawing/2010/main" w="9525">
                 <a:solidFill>
                   <a:schemeClr val="tx1"/>
                 </a:solidFill>
@@ -23041,7 +23023,7 @@
               </a14:hiddenLine>
             </a:ext>
             <a:ext uri="{AF507438-7753-43E0-B8FC-AC1667EBCBE1}">
-              <a14:hiddenEffects xmlns:a14="http://schemas.microsoft.com/office/drawing/2010/main" xmlns="">
+              <a14:hiddenEffects xmlns="" xmlns:a14="http://schemas.microsoft.com/office/drawing/2010/main">
                 <a:effectLst>
                   <a:outerShdw dist="35921" dir="2700000" algn="ctr" rotWithShape="0">
                     <a:schemeClr val="bg2"/>
@@ -23130,7 +23112,7 @@
           <a:blip r:embed="rId4" cstate="print">
             <a:extLst>
               <a:ext uri="{28A0092B-C50C-407E-A947-70E740481C1C}">
-                <a14:useLocalDpi xmlns:a14="http://schemas.microsoft.com/office/drawing/2010/main" xmlns="" val="0"/>
+                <a14:useLocalDpi xmlns="" xmlns:a14="http://schemas.microsoft.com/office/drawing/2010/main" val="0"/>
               </a:ext>
             </a:extLst>
           </a:blip>
@@ -23154,14 +23136,14 @@
           <a:effectLst/>
           <a:extLst>
             <a:ext uri="{909E8E84-426E-40DD-AFC4-6F175D3DCCD1}">
-              <a14:hiddenFill xmlns:a14="http://schemas.microsoft.com/office/drawing/2010/main" xmlns="">
+              <a14:hiddenFill xmlns="" xmlns:a14="http://schemas.microsoft.com/office/drawing/2010/main">
                 <a:solidFill>
                   <a:schemeClr val="accent1"/>
                 </a:solidFill>
               </a14:hiddenFill>
             </a:ext>
             <a:ext uri="{91240B29-F687-4F45-9708-019B960494DF}">
-              <a14:hiddenLine xmlns:a14="http://schemas.microsoft.com/office/drawing/2010/main" xmlns="" w="9525">
+              <a14:hiddenLine xmlns="" xmlns:a14="http://schemas.microsoft.com/office/drawing/2010/main" w="9525">
                 <a:solidFill>
                   <a:schemeClr val="tx1"/>
                 </a:solidFill>
@@ -23171,7 +23153,7 @@
               </a14:hiddenLine>
             </a:ext>
             <a:ext uri="{AF507438-7753-43E0-B8FC-AC1667EBCBE1}">
-              <a14:hiddenEffects xmlns:a14="http://schemas.microsoft.com/office/drawing/2010/main" xmlns="">
+              <a14:hiddenEffects xmlns="" xmlns:a14="http://schemas.microsoft.com/office/drawing/2010/main">
                 <a:effectLst>
                   <a:outerShdw dist="35921" dir="2700000" algn="ctr" rotWithShape="0">
                     <a:schemeClr val="bg2"/>
@@ -23185,7 +23167,7 @@
     </p:spTree>
     <p:extLst>
       <p:ext uri="{BB962C8B-B14F-4D97-AF65-F5344CB8AC3E}">
-        <p14:creationId xmlns:p14="http://schemas.microsoft.com/office/powerpoint/2010/main" xmlns="" val="3721256566"/>
+        <p14:creationId xmlns="" xmlns:p14="http://schemas.microsoft.com/office/powerpoint/2010/main" val="3721256566"/>
       </p:ext>
     </p:extLst>
   </p:cSld>
@@ -23232,7 +23214,7 @@
           <a:blip r:embed="rId3" cstate="print">
             <a:extLst>
               <a:ext uri="{28A0092B-C50C-407E-A947-70E740481C1C}">
-                <a14:useLocalDpi xmlns:a14="http://schemas.microsoft.com/office/drawing/2010/main" xmlns="" val="0"/>
+                <a14:useLocalDpi xmlns="" xmlns:a14="http://schemas.microsoft.com/office/drawing/2010/main" val="0"/>
               </a:ext>
             </a:extLst>
           </a:blip>
@@ -23256,14 +23238,14 @@
           <a:effectLst/>
           <a:extLst>
             <a:ext uri="{909E8E84-426E-40DD-AFC4-6F175D3DCCD1}">
-              <a14:hiddenFill xmlns:a14="http://schemas.microsoft.com/office/drawing/2010/main" xmlns="">
+              <a14:hiddenFill xmlns="" xmlns:a14="http://schemas.microsoft.com/office/drawing/2010/main">
                 <a:solidFill>
                   <a:schemeClr val="accent1"/>
                 </a:solidFill>
               </a14:hiddenFill>
             </a:ext>
             <a:ext uri="{91240B29-F687-4F45-9708-019B960494DF}">
-              <a14:hiddenLine xmlns:a14="http://schemas.microsoft.com/office/drawing/2010/main" xmlns="" w="9525">
+              <a14:hiddenLine xmlns="" xmlns:a14="http://schemas.microsoft.com/office/drawing/2010/main" w="9525">
                 <a:solidFill>
                   <a:schemeClr val="tx1"/>
                 </a:solidFill>
@@ -23273,7 +23255,7 @@
               </a14:hiddenLine>
             </a:ext>
             <a:ext uri="{AF507438-7753-43E0-B8FC-AC1667EBCBE1}">
-              <a14:hiddenEffects xmlns:a14="http://schemas.microsoft.com/office/drawing/2010/main" xmlns="">
+              <a14:hiddenEffects xmlns="" xmlns:a14="http://schemas.microsoft.com/office/drawing/2010/main">
                 <a:effectLst>
                   <a:outerShdw dist="35921" dir="2700000" algn="ctr" rotWithShape="0">
                     <a:schemeClr val="bg2"/>
@@ -23381,7 +23363,7 @@
           <a:blip r:embed="rId4" cstate="print">
             <a:extLst>
               <a:ext uri="{28A0092B-C50C-407E-A947-70E740481C1C}">
-                <a14:useLocalDpi xmlns:a14="http://schemas.microsoft.com/office/drawing/2010/main" xmlns="" val="0"/>
+                <a14:useLocalDpi xmlns="" xmlns:a14="http://schemas.microsoft.com/office/drawing/2010/main" val="0"/>
               </a:ext>
             </a:extLst>
           </a:blip>
@@ -23405,14 +23387,14 @@
           <a:effectLst/>
           <a:extLst>
             <a:ext uri="{909E8E84-426E-40DD-AFC4-6F175D3DCCD1}">
-              <a14:hiddenFill xmlns:a14="http://schemas.microsoft.com/office/drawing/2010/main" xmlns="">
+              <a14:hiddenFill xmlns="" xmlns:a14="http://schemas.microsoft.com/office/drawing/2010/main">
                 <a:solidFill>
                   <a:schemeClr val="accent1"/>
                 </a:solidFill>
               </a14:hiddenFill>
             </a:ext>
             <a:ext uri="{91240B29-F687-4F45-9708-019B960494DF}">
-              <a14:hiddenLine xmlns:a14="http://schemas.microsoft.com/office/drawing/2010/main" xmlns="" w="9525">
+              <a14:hiddenLine xmlns="" xmlns:a14="http://schemas.microsoft.com/office/drawing/2010/main" w="9525">
                 <a:solidFill>
                   <a:schemeClr val="tx1"/>
                 </a:solidFill>
@@ -23422,7 +23404,7 @@
               </a14:hiddenLine>
             </a:ext>
             <a:ext uri="{AF507438-7753-43E0-B8FC-AC1667EBCBE1}">
-              <a14:hiddenEffects xmlns:a14="http://schemas.microsoft.com/office/drawing/2010/main" xmlns="">
+              <a14:hiddenEffects xmlns="" xmlns:a14="http://schemas.microsoft.com/office/drawing/2010/main">
                 <a:effectLst>
                   <a:outerShdw dist="35921" dir="2700000" algn="ctr" rotWithShape="0">
                     <a:schemeClr val="bg2"/>
@@ -23436,7 +23418,7 @@
     </p:spTree>
     <p:extLst>
       <p:ext uri="{BB962C8B-B14F-4D97-AF65-F5344CB8AC3E}">
-        <p14:creationId xmlns:p14="http://schemas.microsoft.com/office/powerpoint/2010/main" xmlns="" val="2704295931"/>
+        <p14:creationId xmlns="" xmlns:p14="http://schemas.microsoft.com/office/powerpoint/2010/main" val="2704295931"/>
       </p:ext>
     </p:extLst>
   </p:cSld>
@@ -23742,7 +23724,7 @@
           <a:blip r:embed="rId2" cstate="print">
             <a:extLst>
               <a:ext uri="{28A0092B-C50C-407E-A947-70E740481C1C}">
-                <a14:useLocalDpi xmlns:a14="http://schemas.microsoft.com/office/drawing/2010/main" xmlns="" val="0"/>
+                <a14:useLocalDpi xmlns="" xmlns:a14="http://schemas.microsoft.com/office/drawing/2010/main" val="0"/>
               </a:ext>
             </a:extLst>
           </a:blip>
@@ -23766,14 +23748,14 @@
           <a:effectLst/>
           <a:extLst>
             <a:ext uri="{909E8E84-426E-40DD-AFC4-6F175D3DCCD1}">
-              <a14:hiddenFill xmlns:a14="http://schemas.microsoft.com/office/drawing/2010/main" xmlns="">
+              <a14:hiddenFill xmlns="" xmlns:a14="http://schemas.microsoft.com/office/drawing/2010/main">
                 <a:solidFill>
                   <a:schemeClr val="accent1"/>
                 </a:solidFill>
               </a14:hiddenFill>
             </a:ext>
             <a:ext uri="{91240B29-F687-4F45-9708-019B960494DF}">
-              <a14:hiddenLine xmlns:a14="http://schemas.microsoft.com/office/drawing/2010/main" xmlns="" w="9525">
+              <a14:hiddenLine xmlns="" xmlns:a14="http://schemas.microsoft.com/office/drawing/2010/main" w="9525">
                 <a:solidFill>
                   <a:schemeClr val="tx1"/>
                 </a:solidFill>
@@ -23783,7 +23765,7 @@
               </a14:hiddenLine>
             </a:ext>
             <a:ext uri="{AF507438-7753-43E0-B8FC-AC1667EBCBE1}">
-              <a14:hiddenEffects xmlns:a14="http://schemas.microsoft.com/office/drawing/2010/main" xmlns="">
+              <a14:hiddenEffects xmlns="" xmlns:a14="http://schemas.microsoft.com/office/drawing/2010/main">
                 <a:effectLst>
                   <a:outerShdw dist="35921" dir="2700000" algn="ctr" rotWithShape="0">
                     <a:schemeClr val="bg2"/>
@@ -23797,7 +23779,7 @@
     </p:spTree>
     <p:extLst>
       <p:ext uri="{BB962C8B-B14F-4D97-AF65-F5344CB8AC3E}">
-        <p14:creationId xmlns:p14="http://schemas.microsoft.com/office/powerpoint/2010/main" xmlns="" val="2934519426"/>
+        <p14:creationId xmlns="" xmlns:p14="http://schemas.microsoft.com/office/powerpoint/2010/main" val="2934519426"/>
       </p:ext>
     </p:extLst>
   </p:cSld>
@@ -25017,7 +24999,7 @@
     </p:spTree>
     <p:extLst>
       <p:ext uri="{BB962C8B-B14F-4D97-AF65-F5344CB8AC3E}">
-        <p14:creationId xmlns:p14="http://schemas.microsoft.com/office/powerpoint/2010/main" xmlns="" val="837284965"/>
+        <p14:creationId xmlns="" xmlns:p14="http://schemas.microsoft.com/office/powerpoint/2010/main" val="837284965"/>
       </p:ext>
     </p:extLst>
   </p:cSld>
@@ -25133,7 +25115,7 @@
           <a:blip r:embed="rId3" cstate="print">
             <a:extLst>
               <a:ext uri="{28A0092B-C50C-407E-A947-70E740481C1C}">
-                <a14:useLocalDpi xmlns:a14="http://schemas.microsoft.com/office/drawing/2010/main" xmlns="" val="0"/>
+                <a14:useLocalDpi xmlns="" xmlns:a14="http://schemas.microsoft.com/office/drawing/2010/main" val="0"/>
               </a:ext>
             </a:extLst>
           </a:blip>
@@ -25157,14 +25139,14 @@
           <a:effectLst/>
           <a:extLst>
             <a:ext uri="{909E8E84-426E-40DD-AFC4-6F175D3DCCD1}">
-              <a14:hiddenFill xmlns:a14="http://schemas.microsoft.com/office/drawing/2010/main" xmlns="">
+              <a14:hiddenFill xmlns="" xmlns:a14="http://schemas.microsoft.com/office/drawing/2010/main">
                 <a:solidFill>
                   <a:schemeClr val="accent1"/>
                 </a:solidFill>
               </a14:hiddenFill>
             </a:ext>
             <a:ext uri="{91240B29-F687-4F45-9708-019B960494DF}">
-              <a14:hiddenLine xmlns:a14="http://schemas.microsoft.com/office/drawing/2010/main" xmlns="" w="9525">
+              <a14:hiddenLine xmlns="" xmlns:a14="http://schemas.microsoft.com/office/drawing/2010/main" w="9525">
                 <a:solidFill>
                   <a:schemeClr val="tx1"/>
                 </a:solidFill>
@@ -25174,7 +25156,7 @@
               </a14:hiddenLine>
             </a:ext>
             <a:ext uri="{AF507438-7753-43E0-B8FC-AC1667EBCBE1}">
-              <a14:hiddenEffects xmlns:a14="http://schemas.microsoft.com/office/drawing/2010/main" xmlns="">
+              <a14:hiddenEffects xmlns="" xmlns:a14="http://schemas.microsoft.com/office/drawing/2010/main">
                 <a:effectLst>
                   <a:outerShdw dist="35921" dir="2700000" algn="ctr" rotWithShape="0">
                     <a:schemeClr val="bg2"/>
@@ -25197,7 +25179,7 @@
           <a:blip r:embed="rId4" cstate="print">
             <a:extLst>
               <a:ext uri="{28A0092B-C50C-407E-A947-70E740481C1C}">
-                <a14:useLocalDpi xmlns:a14="http://schemas.microsoft.com/office/drawing/2010/main" xmlns="" val="0"/>
+                <a14:useLocalDpi xmlns="" xmlns:a14="http://schemas.microsoft.com/office/drawing/2010/main" val="0"/>
               </a:ext>
             </a:extLst>
           </a:blip>
@@ -25221,14 +25203,14 @@
           <a:effectLst/>
           <a:extLst>
             <a:ext uri="{909E8E84-426E-40DD-AFC4-6F175D3DCCD1}">
-              <a14:hiddenFill xmlns:a14="http://schemas.microsoft.com/office/drawing/2010/main" xmlns="">
+              <a14:hiddenFill xmlns="" xmlns:a14="http://schemas.microsoft.com/office/drawing/2010/main">
                 <a:solidFill>
                   <a:schemeClr val="accent1"/>
                 </a:solidFill>
               </a14:hiddenFill>
             </a:ext>
             <a:ext uri="{91240B29-F687-4F45-9708-019B960494DF}">
-              <a14:hiddenLine xmlns:a14="http://schemas.microsoft.com/office/drawing/2010/main" xmlns="" w="9525">
+              <a14:hiddenLine xmlns="" xmlns:a14="http://schemas.microsoft.com/office/drawing/2010/main" w="9525">
                 <a:solidFill>
                   <a:schemeClr val="tx1"/>
                 </a:solidFill>
@@ -25238,7 +25220,7 @@
               </a14:hiddenLine>
             </a:ext>
             <a:ext uri="{AF507438-7753-43E0-B8FC-AC1667EBCBE1}">
-              <a14:hiddenEffects xmlns:a14="http://schemas.microsoft.com/office/drawing/2010/main" xmlns="">
+              <a14:hiddenEffects xmlns="" xmlns:a14="http://schemas.microsoft.com/office/drawing/2010/main">
                 <a:effectLst>
                   <a:outerShdw dist="35921" dir="2700000" algn="ctr" rotWithShape="0">
                     <a:schemeClr val="bg2"/>
@@ -25529,7 +25511,7 @@
           <a:blip r:embed="rId5" cstate="print">
             <a:extLst>
               <a:ext uri="{28A0092B-C50C-407E-A947-70E740481C1C}">
-                <a14:useLocalDpi xmlns:a14="http://schemas.microsoft.com/office/drawing/2010/main" xmlns="" val="0"/>
+                <a14:useLocalDpi xmlns="" xmlns:a14="http://schemas.microsoft.com/office/drawing/2010/main" val="0"/>
               </a:ext>
             </a:extLst>
           </a:blip>
@@ -25553,14 +25535,14 @@
           <a:effectLst/>
           <a:extLst>
             <a:ext uri="{909E8E84-426E-40DD-AFC4-6F175D3DCCD1}">
-              <a14:hiddenFill xmlns:a14="http://schemas.microsoft.com/office/drawing/2010/main" xmlns="">
+              <a14:hiddenFill xmlns="" xmlns:a14="http://schemas.microsoft.com/office/drawing/2010/main">
                 <a:solidFill>
                   <a:schemeClr val="accent1"/>
                 </a:solidFill>
               </a14:hiddenFill>
             </a:ext>
             <a:ext uri="{91240B29-F687-4F45-9708-019B960494DF}">
-              <a14:hiddenLine xmlns:a14="http://schemas.microsoft.com/office/drawing/2010/main" xmlns="" w="9525">
+              <a14:hiddenLine xmlns="" xmlns:a14="http://schemas.microsoft.com/office/drawing/2010/main" w="9525">
                 <a:solidFill>
                   <a:schemeClr val="tx1"/>
                 </a:solidFill>
@@ -25570,7 +25552,7 @@
               </a14:hiddenLine>
             </a:ext>
             <a:ext uri="{AF507438-7753-43E0-B8FC-AC1667EBCBE1}">
-              <a14:hiddenEffects xmlns:a14="http://schemas.microsoft.com/office/drawing/2010/main" xmlns="">
+              <a14:hiddenEffects xmlns="" xmlns:a14="http://schemas.microsoft.com/office/drawing/2010/main">
                 <a:effectLst>
                   <a:outerShdw dist="35921" dir="2700000" algn="ctr" rotWithShape="0">
                     <a:schemeClr val="bg2"/>
@@ -25710,7 +25692,7 @@
     </p:spTree>
     <p:extLst>
       <p:ext uri="{BB962C8B-B14F-4D97-AF65-F5344CB8AC3E}">
-        <p14:creationId xmlns:p14="http://schemas.microsoft.com/office/powerpoint/2010/main" xmlns="" val="931934880"/>
+        <p14:creationId xmlns="" xmlns:p14="http://schemas.microsoft.com/office/powerpoint/2010/main" val="931934880"/>
       </p:ext>
     </p:extLst>
   </p:cSld>
@@ -26098,7 +26080,7 @@
     </p:spTree>
     <p:extLst>
       <p:ext uri="{BB962C8B-B14F-4D97-AF65-F5344CB8AC3E}">
-        <p14:creationId xmlns:p14="http://schemas.microsoft.com/office/powerpoint/2010/main" xmlns="" val="1570026849"/>
+        <p14:creationId xmlns="" xmlns:p14="http://schemas.microsoft.com/office/powerpoint/2010/main" val="1570026849"/>
       </p:ext>
     </p:extLst>
   </p:cSld>
@@ -26170,7 +26152,7 @@
           <a:blip r:embed="rId3" cstate="print">
             <a:extLst>
               <a:ext uri="{28A0092B-C50C-407E-A947-70E740481C1C}">
-                <a14:useLocalDpi xmlns:a14="http://schemas.microsoft.com/office/drawing/2010/main" xmlns="" val="0"/>
+                <a14:useLocalDpi xmlns="" xmlns:a14="http://schemas.microsoft.com/office/drawing/2010/main" val="0"/>
               </a:ext>
             </a:extLst>
           </a:blip>
@@ -26194,14 +26176,14 @@
           <a:effectLst/>
           <a:extLst>
             <a:ext uri="{909E8E84-426E-40DD-AFC4-6F175D3DCCD1}">
-              <a14:hiddenFill xmlns:a14="http://schemas.microsoft.com/office/drawing/2010/main" xmlns="">
+              <a14:hiddenFill xmlns="" xmlns:a14="http://schemas.microsoft.com/office/drawing/2010/main">
                 <a:solidFill>
                   <a:schemeClr val="accent1"/>
                 </a:solidFill>
               </a14:hiddenFill>
             </a:ext>
             <a:ext uri="{91240B29-F687-4F45-9708-019B960494DF}">
-              <a14:hiddenLine xmlns:a14="http://schemas.microsoft.com/office/drawing/2010/main" xmlns="" w="9525">
+              <a14:hiddenLine xmlns="" xmlns:a14="http://schemas.microsoft.com/office/drawing/2010/main" w="9525">
                 <a:solidFill>
                   <a:schemeClr val="tx1"/>
                 </a:solidFill>
@@ -26211,7 +26193,7 @@
               </a14:hiddenLine>
             </a:ext>
             <a:ext uri="{AF507438-7753-43E0-B8FC-AC1667EBCBE1}">
-              <a14:hiddenEffects xmlns:a14="http://schemas.microsoft.com/office/drawing/2010/main" xmlns="">
+              <a14:hiddenEffects xmlns="" xmlns:a14="http://schemas.microsoft.com/office/drawing/2010/main">
                 <a:effectLst>
                   <a:outerShdw dist="35921" dir="2700000" algn="ctr" rotWithShape="0">
                     <a:schemeClr val="bg2"/>
@@ -26303,7 +26285,7 @@
           <a:blip r:embed="rId4" cstate="print">
             <a:extLst>
               <a:ext uri="{28A0092B-C50C-407E-A947-70E740481C1C}">
-                <a14:useLocalDpi xmlns:a14="http://schemas.microsoft.com/office/drawing/2010/main" xmlns="" val="0"/>
+                <a14:useLocalDpi xmlns="" xmlns:a14="http://schemas.microsoft.com/office/drawing/2010/main" val="0"/>
               </a:ext>
             </a:extLst>
           </a:blip>
@@ -26327,14 +26309,14 @@
           <a:effectLst/>
           <a:extLst>
             <a:ext uri="{909E8E84-426E-40DD-AFC4-6F175D3DCCD1}">
-              <a14:hiddenFill xmlns:a14="http://schemas.microsoft.com/office/drawing/2010/main" xmlns="">
+              <a14:hiddenFill xmlns="" xmlns:a14="http://schemas.microsoft.com/office/drawing/2010/main">
                 <a:solidFill>
                   <a:schemeClr val="accent1"/>
                 </a:solidFill>
               </a14:hiddenFill>
             </a:ext>
             <a:ext uri="{91240B29-F687-4F45-9708-019B960494DF}">
-              <a14:hiddenLine xmlns:a14="http://schemas.microsoft.com/office/drawing/2010/main" xmlns="" w="9525">
+              <a14:hiddenLine xmlns="" xmlns:a14="http://schemas.microsoft.com/office/drawing/2010/main" w="9525">
                 <a:solidFill>
                   <a:schemeClr val="tx1"/>
                 </a:solidFill>
@@ -26344,7 +26326,7 @@
               </a14:hiddenLine>
             </a:ext>
             <a:ext uri="{AF507438-7753-43E0-B8FC-AC1667EBCBE1}">
-              <a14:hiddenEffects xmlns:a14="http://schemas.microsoft.com/office/drawing/2010/main" xmlns="">
+              <a14:hiddenEffects xmlns="" xmlns:a14="http://schemas.microsoft.com/office/drawing/2010/main">
                 <a:effectLst>
                   <a:outerShdw dist="35921" dir="2700000" algn="ctr" rotWithShape="0">
                     <a:schemeClr val="bg2"/>
@@ -26358,7 +26340,7 @@
     </p:spTree>
     <p:extLst>
       <p:ext uri="{BB962C8B-B14F-4D97-AF65-F5344CB8AC3E}">
-        <p14:creationId xmlns:p14="http://schemas.microsoft.com/office/powerpoint/2010/main" xmlns="" val="1570026849"/>
+        <p14:creationId xmlns="" xmlns:p14="http://schemas.microsoft.com/office/powerpoint/2010/main" val="1570026849"/>
       </p:ext>
     </p:extLst>
   </p:cSld>
@@ -26720,14 +26702,14 @@
           <a:effectLst/>
           <a:extLst>
             <a:ext uri="{909E8E84-426E-40DD-AFC4-6F175D3DCCD1}">
-              <a14:hiddenFill xmlns:a14="http://schemas.microsoft.com/office/drawing/2010/main" xmlns="">
+              <a14:hiddenFill xmlns="" xmlns:a14="http://schemas.microsoft.com/office/drawing/2010/main">
                 <a:solidFill>
                   <a:schemeClr val="accent1"/>
                 </a:solidFill>
               </a14:hiddenFill>
             </a:ext>
             <a:ext uri="{91240B29-F687-4F45-9708-019B960494DF}">
-              <a14:hiddenLine xmlns:a14="http://schemas.microsoft.com/office/drawing/2010/main" xmlns="" w="9525">
+              <a14:hiddenLine xmlns="" xmlns:a14="http://schemas.microsoft.com/office/drawing/2010/main" w="9525">
                 <a:solidFill>
                   <a:schemeClr val="tx1"/>
                 </a:solidFill>
@@ -26737,7 +26719,7 @@
               </a14:hiddenLine>
             </a:ext>
             <a:ext uri="{AF507438-7753-43E0-B8FC-AC1667EBCBE1}">
-              <a14:hiddenEffects xmlns:a14="http://schemas.microsoft.com/office/drawing/2010/main" xmlns="">
+              <a14:hiddenEffects xmlns="" xmlns:a14="http://schemas.microsoft.com/office/drawing/2010/main">
                 <a:effectLst>
                   <a:outerShdw dist="35921" dir="2700000" algn="ctr" rotWithShape="0">
                     <a:schemeClr val="bg2"/>
@@ -27188,7 +27170,7 @@
     </p:spTree>
     <p:extLst>
       <p:ext uri="{BB962C8B-B14F-4D97-AF65-F5344CB8AC3E}">
-        <p14:creationId xmlns:p14="http://schemas.microsoft.com/office/powerpoint/2010/main" xmlns="" val="20662526"/>
+        <p14:creationId xmlns="" xmlns:p14="http://schemas.microsoft.com/office/powerpoint/2010/main" val="20662526"/>
       </p:ext>
     </p:extLst>
   </p:cSld>
@@ -28053,7 +28035,7 @@
           <a:p>
             <a:pPr algn="l"/>
             <a:r>
-              <a:rPr lang="zh-CN" altLang="en-US" sz="2000" b="1" smtClean="0">
+              <a:rPr lang="zh-CN" altLang="en-US" sz="2000" b="1" dirty="0" smtClean="0">
                 <a:solidFill>
                   <a:schemeClr val="tx1">
                     <a:lumMod val="65000"/>
@@ -28066,7 +28048,7 @@
               <a:t>新时间日期</a:t>
             </a:r>
             <a:r>
-              <a:rPr lang="en-US" altLang="zh-CN" sz="2000" b="1" smtClean="0">
+              <a:rPr lang="en-US" altLang="zh-CN" sz="2000" b="1" dirty="0" smtClean="0">
                 <a:solidFill>
                   <a:schemeClr val="tx1">
                     <a:lumMod val="65000"/>
@@ -28318,14 +28300,26 @@
           <a:lstStyle/>
           <a:p>
             <a:r>
-              <a:rPr lang="en-US" altLang="zh-CN" sz="2000" b="1" smtClean="0"/>
+              <a:rPr lang="en-US" altLang="zh-CN" sz="2000" b="1" dirty="0" smtClean="0">
+                <a:solidFill>
+                  <a:schemeClr val="tx1">
+                    <a:lumMod val="65000"/>
+                    <a:lumOff val="35000"/>
+                  </a:schemeClr>
+                </a:solidFill>
+                <a:latin typeface="专业字体设计服务/WWW.ZTSGC.COM/"/>
+                <a:ea typeface="微软雅黑" pitchFamily="34" charset="-122"/>
+              </a:rPr>
               <a:t>Optional</a:t>
             </a:r>
             <a:endParaRPr lang="zh-CN" altLang="en-US" sz="2000" b="1" dirty="0">
               <a:solidFill>
-                <a:srgbClr val="5F5E5C"/>
+                <a:schemeClr val="tx1">
+                  <a:lumMod val="65000"/>
+                  <a:lumOff val="35000"/>
+                </a:schemeClr>
               </a:solidFill>
-              <a:latin typeface="微软雅黑" pitchFamily="34" charset="-122"/>
+              <a:latin typeface="专业字体设计服务/WWW.ZTSGC.COM/"/>
               <a:ea typeface="微软雅黑" pitchFamily="34" charset="-122"/>
             </a:endParaRPr>
           </a:p>
@@ -28334,7 +28328,7 @@
     </p:spTree>
     <p:extLst>
       <p:ext uri="{BB962C8B-B14F-4D97-AF65-F5344CB8AC3E}">
-        <p14:creationId xmlns:p14="http://schemas.microsoft.com/office/powerpoint/2010/main" xmlns="" val="2939935955"/>
+        <p14:creationId xmlns="" xmlns:p14="http://schemas.microsoft.com/office/powerpoint/2010/main" val="2939935955"/>
       </p:ext>
     </p:extLst>
   </p:cSld>
@@ -28569,14 +28563,14 @@
           <a:effectLst/>
           <a:extLst>
             <a:ext uri="{909E8E84-426E-40DD-AFC4-6F175D3DCCD1}">
-              <a14:hiddenFill xmlns:a14="http://schemas.microsoft.com/office/drawing/2010/main" xmlns="">
+              <a14:hiddenFill xmlns="" xmlns:a14="http://schemas.microsoft.com/office/drawing/2010/main">
                 <a:solidFill>
                   <a:schemeClr val="accent1"/>
                 </a:solidFill>
               </a14:hiddenFill>
             </a:ext>
             <a:ext uri="{91240B29-F687-4F45-9708-019B960494DF}">
-              <a14:hiddenLine xmlns:a14="http://schemas.microsoft.com/office/drawing/2010/main" xmlns="" w="9525">
+              <a14:hiddenLine xmlns="" xmlns:a14="http://schemas.microsoft.com/office/drawing/2010/main" w="9525">
                 <a:solidFill>
                   <a:schemeClr val="tx1"/>
                 </a:solidFill>
@@ -28586,7 +28580,7 @@
               </a14:hiddenLine>
             </a:ext>
             <a:ext uri="{AF507438-7753-43E0-B8FC-AC1667EBCBE1}">
-              <a14:hiddenEffects xmlns:a14="http://schemas.microsoft.com/office/drawing/2010/main" xmlns="">
+              <a14:hiddenEffects xmlns="" xmlns:a14="http://schemas.microsoft.com/office/drawing/2010/main">
                 <a:effectLst>
                   <a:outerShdw dist="35921" dir="2700000" algn="ctr" rotWithShape="0">
                     <a:schemeClr val="bg2"/>
@@ -29088,7 +29082,7 @@
     </p:spTree>
     <p:extLst>
       <p:ext uri="{BB962C8B-B14F-4D97-AF65-F5344CB8AC3E}">
-        <p14:creationId xmlns:p14="http://schemas.microsoft.com/office/powerpoint/2010/main" xmlns="" val="3242364641"/>
+        <p14:creationId xmlns="" xmlns:p14="http://schemas.microsoft.com/office/powerpoint/2010/main" val="3242364641"/>
       </p:ext>
     </p:extLst>
   </p:cSld>
@@ -29301,14 +29295,14 @@
           <a:effectLst/>
           <a:extLst>
             <a:ext uri="{909E8E84-426E-40DD-AFC4-6F175D3DCCD1}">
-              <a14:hiddenFill xmlns:a14="http://schemas.microsoft.com/office/drawing/2010/main" xmlns="">
+              <a14:hiddenFill xmlns="" xmlns:a14="http://schemas.microsoft.com/office/drawing/2010/main">
                 <a:solidFill>
                   <a:schemeClr val="accent1"/>
                 </a:solidFill>
               </a14:hiddenFill>
             </a:ext>
             <a:ext uri="{91240B29-F687-4F45-9708-019B960494DF}">
-              <a14:hiddenLine xmlns:a14="http://schemas.microsoft.com/office/drawing/2010/main" xmlns="" w="9525">
+              <a14:hiddenLine xmlns="" xmlns:a14="http://schemas.microsoft.com/office/drawing/2010/main" w="9525">
                 <a:solidFill>
                   <a:schemeClr val="tx1"/>
                 </a:solidFill>
@@ -29318,7 +29312,7 @@
               </a14:hiddenLine>
             </a:ext>
             <a:ext uri="{AF507438-7753-43E0-B8FC-AC1667EBCBE1}">
-              <a14:hiddenEffects xmlns:a14="http://schemas.microsoft.com/office/drawing/2010/main" xmlns="">
+              <a14:hiddenEffects xmlns="" xmlns:a14="http://schemas.microsoft.com/office/drawing/2010/main">
                 <a:effectLst>
                   <a:outerShdw dist="35921" dir="2700000" algn="ctr" rotWithShape="0">
                     <a:schemeClr val="bg2"/>
@@ -30038,7 +30032,7 @@
     </p:spTree>
     <p:extLst>
       <p:ext uri="{BB962C8B-B14F-4D97-AF65-F5344CB8AC3E}">
-        <p14:creationId xmlns:p14="http://schemas.microsoft.com/office/powerpoint/2010/main" xmlns="" val="1727131712"/>
+        <p14:creationId xmlns="" xmlns:p14="http://schemas.microsoft.com/office/powerpoint/2010/main" val="1727131712"/>
       </p:ext>
     </p:extLst>
   </p:cSld>
@@ -31342,7 +31336,7 @@
     </p:spTree>
     <p:extLst>
       <p:ext uri="{BB962C8B-B14F-4D97-AF65-F5344CB8AC3E}">
-        <p14:creationId xmlns:p14="http://schemas.microsoft.com/office/powerpoint/2010/main" xmlns="" val="3200368520"/>
+        <p14:creationId xmlns="" xmlns:p14="http://schemas.microsoft.com/office/powerpoint/2010/main" val="3200368520"/>
       </p:ext>
     </p:extLst>
   </p:cSld>
@@ -31535,14 +31529,14 @@
           <a:effectLst/>
           <a:extLst>
             <a:ext uri="{909E8E84-426E-40DD-AFC4-6F175D3DCCD1}">
-              <a14:hiddenFill xmlns:a14="http://schemas.microsoft.com/office/drawing/2010/main" xmlns="">
+              <a14:hiddenFill xmlns="" xmlns:a14="http://schemas.microsoft.com/office/drawing/2010/main">
                 <a:solidFill>
                   <a:schemeClr val="accent1"/>
                 </a:solidFill>
               </a14:hiddenFill>
             </a:ext>
             <a:ext uri="{91240B29-F687-4F45-9708-019B960494DF}">
-              <a14:hiddenLine xmlns:a14="http://schemas.microsoft.com/office/drawing/2010/main" xmlns="" w="9525">
+              <a14:hiddenLine xmlns="" xmlns:a14="http://schemas.microsoft.com/office/drawing/2010/main" w="9525">
                 <a:solidFill>
                   <a:schemeClr val="tx1"/>
                 </a:solidFill>
@@ -31552,7 +31546,7 @@
               </a14:hiddenLine>
             </a:ext>
             <a:ext uri="{AF507438-7753-43E0-B8FC-AC1667EBCBE1}">
-              <a14:hiddenEffects xmlns:a14="http://schemas.microsoft.com/office/drawing/2010/main" xmlns="">
+              <a14:hiddenEffects xmlns="" xmlns:a14="http://schemas.microsoft.com/office/drawing/2010/main">
                 <a:effectLst>
                   <a:outerShdw dist="35921" dir="2700000" algn="ctr" rotWithShape="0">
                     <a:schemeClr val="bg2"/>
@@ -31848,7 +31842,7 @@
     </p:spTree>
     <p:extLst>
       <p:ext uri="{BB962C8B-B14F-4D97-AF65-F5344CB8AC3E}">
-        <p14:creationId xmlns:p14="http://schemas.microsoft.com/office/powerpoint/2010/main" xmlns="" val="1581990517"/>
+        <p14:creationId xmlns="" xmlns:p14="http://schemas.microsoft.com/office/powerpoint/2010/main" val="1581990517"/>
       </p:ext>
     </p:extLst>
   </p:cSld>
@@ -32049,14 +32043,14 @@
           <a:effectLst/>
           <a:extLst>
             <a:ext uri="{909E8E84-426E-40DD-AFC4-6F175D3DCCD1}">
-              <a14:hiddenFill xmlns:a14="http://schemas.microsoft.com/office/drawing/2010/main" xmlns="">
+              <a14:hiddenFill xmlns="" xmlns:a14="http://schemas.microsoft.com/office/drawing/2010/main">
                 <a:solidFill>
                   <a:schemeClr val="accent1"/>
                 </a:solidFill>
               </a14:hiddenFill>
             </a:ext>
             <a:ext uri="{91240B29-F687-4F45-9708-019B960494DF}">
-              <a14:hiddenLine xmlns:a14="http://schemas.microsoft.com/office/drawing/2010/main" xmlns="" w="9525">
+              <a14:hiddenLine xmlns="" xmlns:a14="http://schemas.microsoft.com/office/drawing/2010/main" w="9525">
                 <a:solidFill>
                   <a:schemeClr val="tx1"/>
                 </a:solidFill>
@@ -32066,7 +32060,7 @@
               </a14:hiddenLine>
             </a:ext>
             <a:ext uri="{AF507438-7753-43E0-B8FC-AC1667EBCBE1}">
-              <a14:hiddenEffects xmlns:a14="http://schemas.microsoft.com/office/drawing/2010/main" xmlns="">
+              <a14:hiddenEffects xmlns="" xmlns:a14="http://schemas.microsoft.com/office/drawing/2010/main">
                 <a:effectLst>
                   <a:outerShdw dist="35921" dir="2700000" algn="ctr" rotWithShape="0">
                     <a:schemeClr val="bg2"/>
@@ -32462,7 +32456,7 @@
     </p:spTree>
     <p:extLst>
       <p:ext uri="{BB962C8B-B14F-4D97-AF65-F5344CB8AC3E}">
-        <p14:creationId xmlns:p14="http://schemas.microsoft.com/office/powerpoint/2010/main" xmlns="" val="322396969"/>
+        <p14:creationId xmlns="" xmlns:p14="http://schemas.microsoft.com/office/powerpoint/2010/main" val="322396969"/>
       </p:ext>
     </p:extLst>
   </p:cSld>
@@ -32509,7 +32503,7 @@
           <a:blip r:embed="rId3" cstate="print">
             <a:extLst>
               <a:ext uri="{28A0092B-C50C-407E-A947-70E740481C1C}">
-                <a14:useLocalDpi xmlns:a14="http://schemas.microsoft.com/office/drawing/2010/main" xmlns="" val="0"/>
+                <a14:useLocalDpi xmlns="" xmlns:a14="http://schemas.microsoft.com/office/drawing/2010/main" val="0"/>
               </a:ext>
             </a:extLst>
           </a:blip>
@@ -32533,14 +32527,14 @@
           <a:effectLst/>
           <a:extLst>
             <a:ext uri="{909E8E84-426E-40DD-AFC4-6F175D3DCCD1}">
-              <a14:hiddenFill xmlns:a14="http://schemas.microsoft.com/office/drawing/2010/main" xmlns="">
+              <a14:hiddenFill xmlns="" xmlns:a14="http://schemas.microsoft.com/office/drawing/2010/main">
                 <a:solidFill>
                   <a:schemeClr val="accent1"/>
                 </a:solidFill>
               </a14:hiddenFill>
             </a:ext>
             <a:ext uri="{91240B29-F687-4F45-9708-019B960494DF}">
-              <a14:hiddenLine xmlns:a14="http://schemas.microsoft.com/office/drawing/2010/main" xmlns="" w="9525">
+              <a14:hiddenLine xmlns="" xmlns:a14="http://schemas.microsoft.com/office/drawing/2010/main" w="9525">
                 <a:solidFill>
                   <a:schemeClr val="tx1"/>
                 </a:solidFill>
@@ -32550,7 +32544,7 @@
               </a14:hiddenLine>
             </a:ext>
             <a:ext uri="{AF507438-7753-43E0-B8FC-AC1667EBCBE1}">
-              <a14:hiddenEffects xmlns:a14="http://schemas.microsoft.com/office/drawing/2010/main" xmlns="">
+              <a14:hiddenEffects xmlns="" xmlns:a14="http://schemas.microsoft.com/office/drawing/2010/main">
                 <a:effectLst>
                   <a:outerShdw dist="35921" dir="2700000" algn="ctr" rotWithShape="0">
                     <a:schemeClr val="bg2"/>
@@ -32671,7 +32665,7 @@
           <a:blip r:embed="rId4" cstate="print">
             <a:extLst>
               <a:ext uri="{28A0092B-C50C-407E-A947-70E740481C1C}">
-                <a14:useLocalDpi xmlns:a14="http://schemas.microsoft.com/office/drawing/2010/main" xmlns="" val="0"/>
+                <a14:useLocalDpi xmlns="" xmlns:a14="http://schemas.microsoft.com/office/drawing/2010/main" val="0"/>
               </a:ext>
             </a:extLst>
           </a:blip>
@@ -32695,14 +32689,14 @@
           <a:effectLst/>
           <a:extLst>
             <a:ext uri="{909E8E84-426E-40DD-AFC4-6F175D3DCCD1}">
-              <a14:hiddenFill xmlns:a14="http://schemas.microsoft.com/office/drawing/2010/main" xmlns="">
+              <a14:hiddenFill xmlns="" xmlns:a14="http://schemas.microsoft.com/office/drawing/2010/main">
                 <a:solidFill>
                   <a:schemeClr val="accent1"/>
                 </a:solidFill>
               </a14:hiddenFill>
             </a:ext>
             <a:ext uri="{91240B29-F687-4F45-9708-019B960494DF}">
-              <a14:hiddenLine xmlns:a14="http://schemas.microsoft.com/office/drawing/2010/main" xmlns="" w="9525">
+              <a14:hiddenLine xmlns="" xmlns:a14="http://schemas.microsoft.com/office/drawing/2010/main" w="9525">
                 <a:solidFill>
                   <a:schemeClr val="tx1"/>
                 </a:solidFill>
@@ -32712,7 +32706,7 @@
               </a14:hiddenLine>
             </a:ext>
             <a:ext uri="{AF507438-7753-43E0-B8FC-AC1667EBCBE1}">
-              <a14:hiddenEffects xmlns:a14="http://schemas.microsoft.com/office/drawing/2010/main" xmlns="">
+              <a14:hiddenEffects xmlns="" xmlns:a14="http://schemas.microsoft.com/office/drawing/2010/main">
                 <a:effectLst>
                   <a:outerShdw dist="35921" dir="2700000" algn="ctr" rotWithShape="0">
                     <a:schemeClr val="bg2"/>
@@ -32735,7 +32729,7 @@
           <a:blip r:embed="rId5" cstate="print">
             <a:extLst>
               <a:ext uri="{28A0092B-C50C-407E-A947-70E740481C1C}">
-                <a14:useLocalDpi xmlns:a14="http://schemas.microsoft.com/office/drawing/2010/main" xmlns="" val="0"/>
+                <a14:useLocalDpi xmlns="" xmlns:a14="http://schemas.microsoft.com/office/drawing/2010/main" val="0"/>
               </a:ext>
             </a:extLst>
           </a:blip>
@@ -32759,14 +32753,14 @@
           <a:effectLst/>
           <a:extLst>
             <a:ext uri="{909E8E84-426E-40DD-AFC4-6F175D3DCCD1}">
-              <a14:hiddenFill xmlns:a14="http://schemas.microsoft.com/office/drawing/2010/main" xmlns="">
+              <a14:hiddenFill xmlns="" xmlns:a14="http://schemas.microsoft.com/office/drawing/2010/main">
                 <a:solidFill>
                   <a:schemeClr val="accent1"/>
                 </a:solidFill>
               </a14:hiddenFill>
             </a:ext>
             <a:ext uri="{91240B29-F687-4F45-9708-019B960494DF}">
-              <a14:hiddenLine xmlns:a14="http://schemas.microsoft.com/office/drawing/2010/main" xmlns="" w="9525">
+              <a14:hiddenLine xmlns="" xmlns:a14="http://schemas.microsoft.com/office/drawing/2010/main" w="9525">
                 <a:solidFill>
                   <a:schemeClr val="tx1"/>
                 </a:solidFill>
@@ -32776,7 +32770,7 @@
               </a14:hiddenLine>
             </a:ext>
             <a:ext uri="{AF507438-7753-43E0-B8FC-AC1667EBCBE1}">
-              <a14:hiddenEffects xmlns:a14="http://schemas.microsoft.com/office/drawing/2010/main" xmlns="">
+              <a14:hiddenEffects xmlns="" xmlns:a14="http://schemas.microsoft.com/office/drawing/2010/main">
                 <a:effectLst>
                   <a:outerShdw dist="35921" dir="2700000" algn="ctr" rotWithShape="0">
                     <a:schemeClr val="bg2"/>
@@ -32957,7 +32951,7 @@
     </p:spTree>
     <p:extLst>
       <p:ext uri="{BB962C8B-B14F-4D97-AF65-F5344CB8AC3E}">
-        <p14:creationId xmlns:p14="http://schemas.microsoft.com/office/powerpoint/2010/main" xmlns="" val="1581990517"/>
+        <p14:creationId xmlns="" xmlns:p14="http://schemas.microsoft.com/office/powerpoint/2010/main" val="1581990517"/>
       </p:ext>
     </p:extLst>
   </p:cSld>
@@ -33091,7 +33085,7 @@
           <a:blip r:embed="rId3" cstate="print">
             <a:extLst>
               <a:ext uri="{28A0092B-C50C-407E-A947-70E740481C1C}">
-                <a14:useLocalDpi xmlns:a14="http://schemas.microsoft.com/office/drawing/2010/main" xmlns="" val="0"/>
+                <a14:useLocalDpi xmlns="" xmlns:a14="http://schemas.microsoft.com/office/drawing/2010/main" val="0"/>
               </a:ext>
             </a:extLst>
           </a:blip>
@@ -33115,14 +33109,14 @@
           <a:effectLst/>
           <a:extLst>
             <a:ext uri="{909E8E84-426E-40DD-AFC4-6F175D3DCCD1}">
-              <a14:hiddenFill xmlns:a14="http://schemas.microsoft.com/office/drawing/2010/main" xmlns="">
+              <a14:hiddenFill xmlns="" xmlns:a14="http://schemas.microsoft.com/office/drawing/2010/main">
                 <a:solidFill>
                   <a:schemeClr val="accent1"/>
                 </a:solidFill>
               </a14:hiddenFill>
             </a:ext>
             <a:ext uri="{91240B29-F687-4F45-9708-019B960494DF}">
-              <a14:hiddenLine xmlns:a14="http://schemas.microsoft.com/office/drawing/2010/main" xmlns="" w="9525">
+              <a14:hiddenLine xmlns="" xmlns:a14="http://schemas.microsoft.com/office/drawing/2010/main" w="9525">
                 <a:solidFill>
                   <a:schemeClr val="tx1"/>
                 </a:solidFill>
@@ -33132,7 +33126,7 @@
               </a14:hiddenLine>
             </a:ext>
             <a:ext uri="{AF507438-7753-43E0-B8FC-AC1667EBCBE1}">
-              <a14:hiddenEffects xmlns:a14="http://schemas.microsoft.com/office/drawing/2010/main" xmlns="">
+              <a14:hiddenEffects xmlns="" xmlns:a14="http://schemas.microsoft.com/office/drawing/2010/main">
                 <a:effectLst>
                   <a:outerShdw dist="35921" dir="2700000" algn="ctr" rotWithShape="0">
                     <a:schemeClr val="bg2"/>
@@ -33155,7 +33149,7 @@
           <a:blip r:embed="rId4" cstate="print">
             <a:extLst>
               <a:ext uri="{28A0092B-C50C-407E-A947-70E740481C1C}">
-                <a14:useLocalDpi xmlns:a14="http://schemas.microsoft.com/office/drawing/2010/main" xmlns="" val="0"/>
+                <a14:useLocalDpi xmlns="" xmlns:a14="http://schemas.microsoft.com/office/drawing/2010/main" val="0"/>
               </a:ext>
             </a:extLst>
           </a:blip>
@@ -33182,14 +33176,14 @@
           <a:effectLst/>
           <a:extLst>
             <a:ext uri="{909E8E84-426E-40DD-AFC4-6F175D3DCCD1}">
-              <a14:hiddenFill xmlns:a14="http://schemas.microsoft.com/office/drawing/2010/main" xmlns="">
+              <a14:hiddenFill xmlns="" xmlns:a14="http://schemas.microsoft.com/office/drawing/2010/main">
                 <a:solidFill>
                   <a:schemeClr val="accent1"/>
                 </a:solidFill>
               </a14:hiddenFill>
             </a:ext>
             <a:ext uri="{AF507438-7753-43E0-B8FC-AC1667EBCBE1}">
-              <a14:hiddenEffects xmlns:a14="http://schemas.microsoft.com/office/drawing/2010/main" xmlns="">
+              <a14:hiddenEffects xmlns="" xmlns:a14="http://schemas.microsoft.com/office/drawing/2010/main">
                 <a:effectLst>
                   <a:outerShdw dist="35921" dir="2700000" algn="ctr" rotWithShape="0">
                     <a:schemeClr val="bg2"/>
@@ -33212,7 +33206,7 @@
           <a:blip r:embed="rId5" cstate="print">
             <a:extLst>
               <a:ext uri="{28A0092B-C50C-407E-A947-70E740481C1C}">
-                <a14:useLocalDpi xmlns:a14="http://schemas.microsoft.com/office/drawing/2010/main" xmlns="" val="0"/>
+                <a14:useLocalDpi xmlns="" xmlns:a14="http://schemas.microsoft.com/office/drawing/2010/main" val="0"/>
               </a:ext>
             </a:extLst>
           </a:blip>
@@ -33236,14 +33230,14 @@
           <a:effectLst/>
           <a:extLst>
             <a:ext uri="{909E8E84-426E-40DD-AFC4-6F175D3DCCD1}">
-              <a14:hiddenFill xmlns:a14="http://schemas.microsoft.com/office/drawing/2010/main" xmlns="">
+              <a14:hiddenFill xmlns="" xmlns:a14="http://schemas.microsoft.com/office/drawing/2010/main">
                 <a:solidFill>
                   <a:schemeClr val="accent1"/>
                 </a:solidFill>
               </a14:hiddenFill>
             </a:ext>
             <a:ext uri="{91240B29-F687-4F45-9708-019B960494DF}">
-              <a14:hiddenLine xmlns:a14="http://schemas.microsoft.com/office/drawing/2010/main" xmlns="" w="9525">
+              <a14:hiddenLine xmlns="" xmlns:a14="http://schemas.microsoft.com/office/drawing/2010/main" w="9525">
                 <a:solidFill>
                   <a:schemeClr val="tx1"/>
                 </a:solidFill>
@@ -33253,7 +33247,7 @@
               </a14:hiddenLine>
             </a:ext>
             <a:ext uri="{AF507438-7753-43E0-B8FC-AC1667EBCBE1}">
-              <a14:hiddenEffects xmlns:a14="http://schemas.microsoft.com/office/drawing/2010/main" xmlns="">
+              <a14:hiddenEffects xmlns="" xmlns:a14="http://schemas.microsoft.com/office/drawing/2010/main">
                 <a:effectLst>
                   <a:outerShdw dist="35921" dir="2700000" algn="ctr" rotWithShape="0">
                     <a:schemeClr val="bg2"/>
@@ -33276,7 +33270,7 @@
           <a:blip r:embed="rId6" cstate="print">
             <a:extLst>
               <a:ext uri="{28A0092B-C50C-407E-A947-70E740481C1C}">
-                <a14:useLocalDpi xmlns:a14="http://schemas.microsoft.com/office/drawing/2010/main" xmlns="" val="0"/>
+                <a14:useLocalDpi xmlns="" xmlns:a14="http://schemas.microsoft.com/office/drawing/2010/main" val="0"/>
               </a:ext>
             </a:extLst>
           </a:blip>
@@ -33300,14 +33294,14 @@
           <a:effectLst/>
           <a:extLst>
             <a:ext uri="{909E8E84-426E-40DD-AFC4-6F175D3DCCD1}">
-              <a14:hiddenFill xmlns:a14="http://schemas.microsoft.com/office/drawing/2010/main" xmlns="">
+              <a14:hiddenFill xmlns="" xmlns:a14="http://schemas.microsoft.com/office/drawing/2010/main">
                 <a:solidFill>
                   <a:schemeClr val="accent1"/>
                 </a:solidFill>
               </a14:hiddenFill>
             </a:ext>
             <a:ext uri="{91240B29-F687-4F45-9708-019B960494DF}">
-              <a14:hiddenLine xmlns:a14="http://schemas.microsoft.com/office/drawing/2010/main" xmlns="" w="9525">
+              <a14:hiddenLine xmlns="" xmlns:a14="http://schemas.microsoft.com/office/drawing/2010/main" w="9525">
                 <a:solidFill>
                   <a:schemeClr val="tx1"/>
                 </a:solidFill>
@@ -33317,7 +33311,7 @@
               </a14:hiddenLine>
             </a:ext>
             <a:ext uri="{AF507438-7753-43E0-B8FC-AC1667EBCBE1}">
-              <a14:hiddenEffects xmlns:a14="http://schemas.microsoft.com/office/drawing/2010/main" xmlns="">
+              <a14:hiddenEffects xmlns="" xmlns:a14="http://schemas.microsoft.com/office/drawing/2010/main">
                 <a:effectLst>
                   <a:outerShdw dist="35921" dir="2700000" algn="ctr" rotWithShape="0">
                     <a:schemeClr val="bg2"/>
@@ -33687,7 +33681,7 @@
     </p:spTree>
     <p:extLst>
       <p:ext uri="{BB962C8B-B14F-4D97-AF65-F5344CB8AC3E}">
-        <p14:creationId xmlns:p14="http://schemas.microsoft.com/office/powerpoint/2010/main" xmlns="" val="2243308940"/>
+        <p14:creationId xmlns="" xmlns:p14="http://schemas.microsoft.com/office/powerpoint/2010/main" val="2243308940"/>
       </p:ext>
     </p:extLst>
   </p:cSld>
@@ -33836,23 +33830,7 @@
             </a:r>
             <a:r>
               <a:rPr lang="zh-CN" altLang="en-US" dirty="0" smtClean="0"/>
-              <a:t>操作</a:t>
-            </a:r>
-            <a:r>
-              <a:rPr lang="zh-CN" altLang="en-US" dirty="0" smtClean="0"/>
-              <a:t>的</a:t>
-            </a:r>
-            <a:r>
-              <a:rPr lang="zh-CN" altLang="en-US" dirty="0" smtClean="0"/>
-              <a:t>三</a:t>
-            </a:r>
-            <a:r>
-              <a:rPr lang="zh-CN" altLang="en-US" dirty="0" smtClean="0"/>
-              <a:t>个步</a:t>
-            </a:r>
-            <a:r>
-              <a:rPr lang="zh-CN" altLang="en-US" dirty="0" smtClean="0"/>
-              <a:t>骤</a:t>
+              <a:t>操作的三个步骤</a:t>
             </a:r>
             <a:endParaRPr lang="zh-CN" altLang="en-US" dirty="0"/>
           </a:p>
@@ -33919,15 +33897,7 @@
             </a:r>
             <a:r>
               <a:rPr lang="zh-CN" altLang="en-US" dirty="0" smtClean="0"/>
-              <a:t>一</a:t>
-            </a:r>
-            <a:r>
-              <a:rPr lang="zh-CN" altLang="en-US" dirty="0" smtClean="0"/>
-              <a:t>个数据源（如： 集合、数组）， 获取一个</a:t>
-            </a:r>
-            <a:r>
-              <a:rPr lang="zh-CN" altLang="en-US" dirty="0" smtClean="0"/>
-              <a:t>流</a:t>
+              <a:t>一个数据源（如： 集合、数组）， 获取一个流</a:t>
             </a:r>
             <a:endParaRPr lang="en-US" altLang="zh-CN" dirty="0" smtClean="0"/>
           </a:p>
@@ -33945,23 +33915,7 @@
                   <a:srgbClr val="FF0000"/>
                 </a:solidFill>
               </a:rPr>
-              <a:t>中</a:t>
-            </a:r>
-            <a:r>
-              <a:rPr lang="zh-CN" altLang="en-US" b="1" dirty="0" smtClean="0">
-                <a:solidFill>
-                  <a:srgbClr val="FF0000"/>
-                </a:solidFill>
-              </a:rPr>
-              <a:t>间操</a:t>
-            </a:r>
-            <a:r>
-              <a:rPr lang="zh-CN" altLang="en-US" b="1" dirty="0" smtClean="0">
-                <a:solidFill>
-                  <a:srgbClr val="FF0000"/>
-                </a:solidFill>
-              </a:rPr>
-              <a:t>作</a:t>
+              <a:t>中间操作</a:t>
             </a:r>
             <a:endParaRPr lang="en-US" altLang="zh-CN" b="1" dirty="0" smtClean="0">
               <a:solidFill>
@@ -33981,15 +33935,7 @@
             </a:r>
             <a:r>
               <a:rPr lang="zh-CN" altLang="en-US" dirty="0" smtClean="0"/>
-              <a:t>一</a:t>
-            </a:r>
-            <a:r>
-              <a:rPr lang="zh-CN" altLang="en-US" dirty="0" smtClean="0"/>
-              <a:t>个中间操作链，对数据源的数据进行处</a:t>
-            </a:r>
-            <a:r>
-              <a:rPr lang="zh-CN" altLang="en-US" dirty="0" smtClean="0"/>
-              <a:t>理</a:t>
+              <a:t>一个中间操作链，对数据源的数据进行处理</a:t>
             </a:r>
             <a:endParaRPr lang="en-US" altLang="zh-CN" dirty="0" smtClean="0"/>
           </a:p>
@@ -34007,15 +33953,7 @@
                   <a:srgbClr val="FF0000"/>
                 </a:solidFill>
               </a:rPr>
-              <a:t>终</a:t>
-            </a:r>
-            <a:r>
-              <a:rPr lang="zh-CN" altLang="en-US" b="1" dirty="0" smtClean="0">
-                <a:solidFill>
-                  <a:srgbClr val="FF0000"/>
-                </a:solidFill>
-              </a:rPr>
-              <a:t>止操作</a:t>
+              <a:t>终止操作</a:t>
             </a:r>
             <a:r>
               <a:rPr lang="en-US" altLang="zh-CN" b="1" dirty="0" smtClean="0">
@@ -34050,23 +33988,11 @@
             </a:pPr>
             <a:r>
               <a:rPr lang="en-US" altLang="zh-CN" dirty="0" smtClean="0"/>
-              <a:t> </a:t>
-            </a:r>
-            <a:r>
-              <a:rPr lang="en-US" altLang="zh-CN" dirty="0" smtClean="0"/>
-              <a:t>       </a:t>
+              <a:t>        </a:t>
             </a:r>
             <a:r>
               <a:rPr lang="zh-CN" altLang="en-US" dirty="0" smtClean="0"/>
-              <a:t>一</a:t>
-            </a:r>
-            <a:r>
-              <a:rPr lang="zh-CN" altLang="en-US" dirty="0" smtClean="0"/>
-              <a:t>个终止操作，执行中间操作链，并产生结</a:t>
-            </a:r>
-            <a:r>
-              <a:rPr lang="zh-CN" altLang="en-US" dirty="0" smtClean="0"/>
-              <a:t>果</a:t>
+              <a:t>一个终止操作，执行中间操作链，并产生结果</a:t>
             </a:r>
             <a:endParaRPr lang="zh-CN" altLang="en-US" dirty="0"/>
           </a:p>
@@ -34107,7 +34033,7 @@
     </p:spTree>
     <p:extLst>
       <p:ext uri="{BB962C8B-B14F-4D97-AF65-F5344CB8AC3E}">
-        <p14:creationId xmlns:p14="http://schemas.microsoft.com/office/powerpoint/2010/main" xmlns="" val="3484129626"/>
+        <p14:creationId xmlns="" xmlns:p14="http://schemas.microsoft.com/office/powerpoint/2010/main" val="3484129626"/>
       </p:ext>
     </p:extLst>
   </p:cSld>
@@ -34241,7 +34167,7 @@
           <a:blip r:embed="rId3" cstate="print">
             <a:extLst>
               <a:ext uri="{28A0092B-C50C-407E-A947-70E740481C1C}">
-                <a14:useLocalDpi xmlns:a14="http://schemas.microsoft.com/office/drawing/2010/main" xmlns="" val="0"/>
+                <a14:useLocalDpi xmlns="" xmlns:a14="http://schemas.microsoft.com/office/drawing/2010/main" val="0"/>
               </a:ext>
             </a:extLst>
           </a:blip>
@@ -34265,14 +34191,14 @@
           <a:effectLst/>
           <a:extLst>
             <a:ext uri="{909E8E84-426E-40DD-AFC4-6F175D3DCCD1}">
-              <a14:hiddenFill xmlns:a14="http://schemas.microsoft.com/office/drawing/2010/main" xmlns="">
+              <a14:hiddenFill xmlns="" xmlns:a14="http://schemas.microsoft.com/office/drawing/2010/main">
                 <a:solidFill>
                   <a:schemeClr val="accent1"/>
                 </a:solidFill>
               </a14:hiddenFill>
             </a:ext>
             <a:ext uri="{91240B29-F687-4F45-9708-019B960494DF}">
-              <a14:hiddenLine xmlns:a14="http://schemas.microsoft.com/office/drawing/2010/main" xmlns="" w="9525">
+              <a14:hiddenLine xmlns="" xmlns:a14="http://schemas.microsoft.com/office/drawing/2010/main" w="9525">
                 <a:solidFill>
                   <a:schemeClr val="tx1"/>
                 </a:solidFill>
@@ -34282,7 +34208,7 @@
               </a14:hiddenLine>
             </a:ext>
             <a:ext uri="{AF507438-7753-43E0-B8FC-AC1667EBCBE1}">
-              <a14:hiddenEffects xmlns:a14="http://schemas.microsoft.com/office/drawing/2010/main" xmlns="">
+              <a14:hiddenEffects xmlns="" xmlns:a14="http://schemas.microsoft.com/office/drawing/2010/main">
                 <a:effectLst>
                   <a:outerShdw dist="35921" dir="2700000" algn="ctr" rotWithShape="0">
                     <a:schemeClr val="bg2"/>
@@ -34365,7 +34291,7 @@
           <a:blip r:embed="rId4" cstate="print">
             <a:extLst>
               <a:ext uri="{28A0092B-C50C-407E-A947-70E740481C1C}">
-                <a14:useLocalDpi xmlns:a14="http://schemas.microsoft.com/office/drawing/2010/main" xmlns="" val="0"/>
+                <a14:useLocalDpi xmlns="" xmlns:a14="http://schemas.microsoft.com/office/drawing/2010/main" val="0"/>
               </a:ext>
             </a:extLst>
           </a:blip>
@@ -34389,14 +34315,14 @@
           <a:effectLst/>
           <a:extLst>
             <a:ext uri="{909E8E84-426E-40DD-AFC4-6F175D3DCCD1}">
-              <a14:hiddenFill xmlns:a14="http://schemas.microsoft.com/office/drawing/2010/main" xmlns="">
+              <a14:hiddenFill xmlns="" xmlns:a14="http://schemas.microsoft.com/office/drawing/2010/main">
                 <a:solidFill>
                   <a:schemeClr val="accent1"/>
                 </a:solidFill>
               </a14:hiddenFill>
             </a:ext>
             <a:ext uri="{91240B29-F687-4F45-9708-019B960494DF}">
-              <a14:hiddenLine xmlns:a14="http://schemas.microsoft.com/office/drawing/2010/main" xmlns="" w="9525">
+              <a14:hiddenLine xmlns="" xmlns:a14="http://schemas.microsoft.com/office/drawing/2010/main" w="9525">
                 <a:solidFill>
                   <a:schemeClr val="tx1"/>
                 </a:solidFill>
@@ -34406,7 +34332,7 @@
               </a14:hiddenLine>
             </a:ext>
             <a:ext uri="{AF507438-7753-43E0-B8FC-AC1667EBCBE1}">
-              <a14:hiddenEffects xmlns:a14="http://schemas.microsoft.com/office/drawing/2010/main" xmlns="">
+              <a14:hiddenEffects xmlns="" xmlns:a14="http://schemas.microsoft.com/office/drawing/2010/main">
                 <a:effectLst>
                   <a:outerShdw dist="35921" dir="2700000" algn="ctr" rotWithShape="0">
                     <a:schemeClr val="bg2"/>
@@ -34420,7 +34346,7 @@
     </p:spTree>
     <p:extLst>
       <p:ext uri="{BB962C8B-B14F-4D97-AF65-F5344CB8AC3E}">
-        <p14:creationId xmlns:p14="http://schemas.microsoft.com/office/powerpoint/2010/main" xmlns="" val="3484129626"/>
+        <p14:creationId xmlns="" xmlns:p14="http://schemas.microsoft.com/office/powerpoint/2010/main" val="3484129626"/>
       </p:ext>
     </p:extLst>
   </p:cSld>
@@ -34726,7 +34652,7 @@
           <a:blip r:embed="rId3" cstate="print">
             <a:extLst>
               <a:ext uri="{28A0092B-C50C-407E-A947-70E740481C1C}">
-                <a14:useLocalDpi xmlns:a14="http://schemas.microsoft.com/office/drawing/2010/main" xmlns="" val="0"/>
+                <a14:useLocalDpi xmlns="" xmlns:a14="http://schemas.microsoft.com/office/drawing/2010/main" val="0"/>
               </a:ext>
             </a:extLst>
           </a:blip>
@@ -34750,14 +34676,14 @@
           <a:effectLst/>
           <a:extLst>
             <a:ext uri="{909E8E84-426E-40DD-AFC4-6F175D3DCCD1}">
-              <a14:hiddenFill xmlns:a14="http://schemas.microsoft.com/office/drawing/2010/main" xmlns="">
+              <a14:hiddenFill xmlns="" xmlns:a14="http://schemas.microsoft.com/office/drawing/2010/main">
                 <a:solidFill>
                   <a:schemeClr val="accent1"/>
                 </a:solidFill>
               </a14:hiddenFill>
             </a:ext>
             <a:ext uri="{91240B29-F687-4F45-9708-019B960494DF}">
-              <a14:hiddenLine xmlns:a14="http://schemas.microsoft.com/office/drawing/2010/main" xmlns="" w="9525">
+              <a14:hiddenLine xmlns="" xmlns:a14="http://schemas.microsoft.com/office/drawing/2010/main" w="9525">
                 <a:solidFill>
                   <a:schemeClr val="tx1"/>
                 </a:solidFill>
@@ -34767,7 +34693,7 @@
               </a14:hiddenLine>
             </a:ext>
             <a:ext uri="{AF507438-7753-43E0-B8FC-AC1667EBCBE1}">
-              <a14:hiddenEffects xmlns:a14="http://schemas.microsoft.com/office/drawing/2010/main" xmlns="">
+              <a14:hiddenEffects xmlns="" xmlns:a14="http://schemas.microsoft.com/office/drawing/2010/main">
                 <a:effectLst>
                   <a:outerShdw dist="35921" dir="2700000" algn="ctr" rotWithShape="0">
                     <a:schemeClr val="bg2"/>
@@ -34790,7 +34716,7 @@
           <a:blip r:embed="rId4" cstate="print">
             <a:extLst>
               <a:ext uri="{28A0092B-C50C-407E-A947-70E740481C1C}">
-                <a14:useLocalDpi xmlns:a14="http://schemas.microsoft.com/office/drawing/2010/main" xmlns="" val="0"/>
+                <a14:useLocalDpi xmlns="" xmlns:a14="http://schemas.microsoft.com/office/drawing/2010/main" val="0"/>
               </a:ext>
             </a:extLst>
           </a:blip>
@@ -34814,14 +34740,14 @@
           <a:effectLst/>
           <a:extLst>
             <a:ext uri="{909E8E84-426E-40DD-AFC4-6F175D3DCCD1}">
-              <a14:hiddenFill xmlns:a14="http://schemas.microsoft.com/office/drawing/2010/main" xmlns="">
+              <a14:hiddenFill xmlns="" xmlns:a14="http://schemas.microsoft.com/office/drawing/2010/main">
                 <a:solidFill>
                   <a:schemeClr val="accent1"/>
                 </a:solidFill>
               </a14:hiddenFill>
             </a:ext>
             <a:ext uri="{91240B29-F687-4F45-9708-019B960494DF}">
-              <a14:hiddenLine xmlns:a14="http://schemas.microsoft.com/office/drawing/2010/main" xmlns="" w="9525">
+              <a14:hiddenLine xmlns="" xmlns:a14="http://schemas.microsoft.com/office/drawing/2010/main" w="9525">
                 <a:solidFill>
                   <a:schemeClr val="tx1"/>
                 </a:solidFill>
@@ -34831,7 +34757,7 @@
               </a14:hiddenLine>
             </a:ext>
             <a:ext uri="{AF507438-7753-43E0-B8FC-AC1667EBCBE1}">
-              <a14:hiddenEffects xmlns:a14="http://schemas.microsoft.com/office/drawing/2010/main" xmlns="">
+              <a14:hiddenEffects xmlns="" xmlns:a14="http://schemas.microsoft.com/office/drawing/2010/main">
                 <a:effectLst>
                   <a:outerShdw dist="35921" dir="2700000" algn="ctr" rotWithShape="0">
                     <a:schemeClr val="bg2"/>
@@ -34845,7 +34771,7 @@
     </p:spTree>
     <p:extLst>
       <p:ext uri="{BB962C8B-B14F-4D97-AF65-F5344CB8AC3E}">
-        <p14:creationId xmlns:p14="http://schemas.microsoft.com/office/powerpoint/2010/main" xmlns="" val="1717931945"/>
+        <p14:creationId xmlns="" xmlns:p14="http://schemas.microsoft.com/office/powerpoint/2010/main" val="1717931945"/>
       </p:ext>
     </p:extLst>
   </p:cSld>
@@ -34992,7 +34918,7 @@
           <a:blip r:embed="rId3" cstate="print">
             <a:extLst>
               <a:ext uri="{28A0092B-C50C-407E-A947-70E740481C1C}">
-                <a14:useLocalDpi xmlns:a14="http://schemas.microsoft.com/office/drawing/2010/main" xmlns="" val="0"/>
+                <a14:useLocalDpi xmlns="" xmlns:a14="http://schemas.microsoft.com/office/drawing/2010/main" val="0"/>
               </a:ext>
             </a:extLst>
           </a:blip>
@@ -35016,14 +34942,14 @@
           <a:effectLst/>
           <a:extLst>
             <a:ext uri="{909E8E84-426E-40DD-AFC4-6F175D3DCCD1}">
-              <a14:hiddenFill xmlns:a14="http://schemas.microsoft.com/office/drawing/2010/main" xmlns="">
+              <a14:hiddenFill xmlns="" xmlns:a14="http://schemas.microsoft.com/office/drawing/2010/main">
                 <a:solidFill>
                   <a:schemeClr val="accent1"/>
                 </a:solidFill>
               </a14:hiddenFill>
             </a:ext>
             <a:ext uri="{91240B29-F687-4F45-9708-019B960494DF}">
-              <a14:hiddenLine xmlns:a14="http://schemas.microsoft.com/office/drawing/2010/main" xmlns="" w="9525">
+              <a14:hiddenLine xmlns="" xmlns:a14="http://schemas.microsoft.com/office/drawing/2010/main" w="9525">
                 <a:solidFill>
                   <a:schemeClr val="tx1"/>
                 </a:solidFill>
@@ -35033,7 +34959,7 @@
               </a14:hiddenLine>
             </a:ext>
             <a:ext uri="{AF507438-7753-43E0-B8FC-AC1667EBCBE1}">
-              <a14:hiddenEffects xmlns:a14="http://schemas.microsoft.com/office/drawing/2010/main" xmlns="">
+              <a14:hiddenEffects xmlns="" xmlns:a14="http://schemas.microsoft.com/office/drawing/2010/main">
                 <a:effectLst>
                   <a:outerShdw dist="35921" dir="2700000" algn="ctr" rotWithShape="0">
                     <a:schemeClr val="bg2"/>
@@ -35097,7 +35023,7 @@
     </p:spTree>
     <p:extLst>
       <p:ext uri="{BB962C8B-B14F-4D97-AF65-F5344CB8AC3E}">
-        <p14:creationId xmlns:p14="http://schemas.microsoft.com/office/powerpoint/2010/main" xmlns="" val="3259908840"/>
+        <p14:creationId xmlns="" xmlns:p14="http://schemas.microsoft.com/office/powerpoint/2010/main" val="3259908840"/>
       </p:ext>
     </p:extLst>
   </p:cSld>
@@ -35266,7 +35192,7 @@
           <a:blip r:embed="rId3" cstate="print">
             <a:extLst>
               <a:ext uri="{28A0092B-C50C-407E-A947-70E740481C1C}">
-                <a14:useLocalDpi xmlns:a14="http://schemas.microsoft.com/office/drawing/2010/main" xmlns="" val="0"/>
+                <a14:useLocalDpi xmlns="" xmlns:a14="http://schemas.microsoft.com/office/drawing/2010/main" val="0"/>
               </a:ext>
             </a:extLst>
           </a:blip>
@@ -35290,14 +35216,14 @@
           <a:effectLst/>
           <a:extLst>
             <a:ext uri="{909E8E84-426E-40DD-AFC4-6F175D3DCCD1}">
-              <a14:hiddenFill xmlns:a14="http://schemas.microsoft.com/office/drawing/2010/main" xmlns="">
+              <a14:hiddenFill xmlns="" xmlns:a14="http://schemas.microsoft.com/office/drawing/2010/main">
                 <a:solidFill>
                   <a:schemeClr val="accent1"/>
                 </a:solidFill>
               </a14:hiddenFill>
             </a:ext>
             <a:ext uri="{91240B29-F687-4F45-9708-019B960494DF}">
-              <a14:hiddenLine xmlns:a14="http://schemas.microsoft.com/office/drawing/2010/main" xmlns="" w="9525">
+              <a14:hiddenLine xmlns="" xmlns:a14="http://schemas.microsoft.com/office/drawing/2010/main" w="9525">
                 <a:solidFill>
                   <a:schemeClr val="tx1"/>
                 </a:solidFill>
@@ -35307,7 +35233,7 @@
               </a14:hiddenLine>
             </a:ext>
             <a:ext uri="{AF507438-7753-43E0-B8FC-AC1667EBCBE1}">
-              <a14:hiddenEffects xmlns:a14="http://schemas.microsoft.com/office/drawing/2010/main" xmlns="">
+              <a14:hiddenEffects xmlns="" xmlns:a14="http://schemas.microsoft.com/office/drawing/2010/main">
                 <a:effectLst>
                   <a:outerShdw dist="35921" dir="2700000" algn="ctr" rotWithShape="0">
                     <a:schemeClr val="bg2"/>
@@ -35330,7 +35256,7 @@
           <a:blip r:embed="rId4" cstate="print">
             <a:extLst>
               <a:ext uri="{28A0092B-C50C-407E-A947-70E740481C1C}">
-                <a14:useLocalDpi xmlns:a14="http://schemas.microsoft.com/office/drawing/2010/main" xmlns="" val="0"/>
+                <a14:useLocalDpi xmlns="" xmlns:a14="http://schemas.microsoft.com/office/drawing/2010/main" val="0"/>
               </a:ext>
             </a:extLst>
           </a:blip>
@@ -35354,14 +35280,14 @@
           <a:effectLst/>
           <a:extLst>
             <a:ext uri="{909E8E84-426E-40DD-AFC4-6F175D3DCCD1}">
-              <a14:hiddenFill xmlns:a14="http://schemas.microsoft.com/office/drawing/2010/main" xmlns="">
+              <a14:hiddenFill xmlns="" xmlns:a14="http://schemas.microsoft.com/office/drawing/2010/main">
                 <a:solidFill>
                   <a:schemeClr val="accent1"/>
                 </a:solidFill>
               </a14:hiddenFill>
             </a:ext>
             <a:ext uri="{91240B29-F687-4F45-9708-019B960494DF}">
-              <a14:hiddenLine xmlns:a14="http://schemas.microsoft.com/office/drawing/2010/main" xmlns="" w="9525">
+              <a14:hiddenLine xmlns="" xmlns:a14="http://schemas.microsoft.com/office/drawing/2010/main" w="9525">
                 <a:solidFill>
                   <a:schemeClr val="tx1"/>
                 </a:solidFill>
@@ -35371,7 +35297,7 @@
               </a14:hiddenLine>
             </a:ext>
             <a:ext uri="{AF507438-7753-43E0-B8FC-AC1667EBCBE1}">
-              <a14:hiddenEffects xmlns:a14="http://schemas.microsoft.com/office/drawing/2010/main" xmlns="">
+              <a14:hiddenEffects xmlns="" xmlns:a14="http://schemas.microsoft.com/office/drawing/2010/main">
                 <a:effectLst>
                   <a:outerShdw dist="35921" dir="2700000" algn="ctr" rotWithShape="0">
                     <a:schemeClr val="bg2"/>
@@ -35492,7 +35418,7 @@
     </p:spTree>
     <p:extLst>
       <p:ext uri="{BB962C8B-B14F-4D97-AF65-F5344CB8AC3E}">
-        <p14:creationId xmlns:p14="http://schemas.microsoft.com/office/powerpoint/2010/main" xmlns="" val="1503587460"/>
+        <p14:creationId xmlns="" xmlns:p14="http://schemas.microsoft.com/office/powerpoint/2010/main" val="1503587460"/>
       </p:ext>
     </p:extLst>
   </p:cSld>
@@ -35674,7 +35600,7 @@
           <a:blip r:embed="rId3" cstate="print">
             <a:extLst>
               <a:ext uri="{28A0092B-C50C-407E-A947-70E740481C1C}">
-                <a14:useLocalDpi xmlns:a14="http://schemas.microsoft.com/office/drawing/2010/main" xmlns="" val="0"/>
+                <a14:useLocalDpi xmlns="" xmlns:a14="http://schemas.microsoft.com/office/drawing/2010/main" val="0"/>
               </a:ext>
             </a:extLst>
           </a:blip>
@@ -35698,14 +35624,14 @@
           <a:effectLst/>
           <a:extLst>
             <a:ext uri="{909E8E84-426E-40DD-AFC4-6F175D3DCCD1}">
-              <a14:hiddenFill xmlns:a14="http://schemas.microsoft.com/office/drawing/2010/main" xmlns="">
+              <a14:hiddenFill xmlns="" xmlns:a14="http://schemas.microsoft.com/office/drawing/2010/main">
                 <a:solidFill>
                   <a:schemeClr val="accent1"/>
                 </a:solidFill>
               </a14:hiddenFill>
             </a:ext>
             <a:ext uri="{91240B29-F687-4F45-9708-019B960494DF}">
-              <a14:hiddenLine xmlns:a14="http://schemas.microsoft.com/office/drawing/2010/main" xmlns="" w="9525">
+              <a14:hiddenLine xmlns="" xmlns:a14="http://schemas.microsoft.com/office/drawing/2010/main" w="9525">
                 <a:solidFill>
                   <a:schemeClr val="tx1"/>
                 </a:solidFill>
@@ -35715,7 +35641,7 @@
               </a14:hiddenLine>
             </a:ext>
             <a:ext uri="{AF507438-7753-43E0-B8FC-AC1667EBCBE1}">
-              <a14:hiddenEffects xmlns:a14="http://schemas.microsoft.com/office/drawing/2010/main" xmlns="">
+              <a14:hiddenEffects xmlns="" xmlns:a14="http://schemas.microsoft.com/office/drawing/2010/main">
                 <a:effectLst>
                   <a:outerShdw dist="35921" dir="2700000" algn="ctr" rotWithShape="0">
                     <a:schemeClr val="bg2"/>
@@ -35812,7 +35738,7 @@
           <a:blip r:embed="rId4" cstate="print">
             <a:extLst>
               <a:ext uri="{28A0092B-C50C-407E-A947-70E740481C1C}">
-                <a14:useLocalDpi xmlns:a14="http://schemas.microsoft.com/office/drawing/2010/main" xmlns="" val="0"/>
+                <a14:useLocalDpi xmlns="" xmlns:a14="http://schemas.microsoft.com/office/drawing/2010/main" val="0"/>
               </a:ext>
             </a:extLst>
           </a:blip>
@@ -35836,14 +35762,14 @@
           <a:effectLst/>
           <a:extLst>
             <a:ext uri="{909E8E84-426E-40DD-AFC4-6F175D3DCCD1}">
-              <a14:hiddenFill xmlns:a14="http://schemas.microsoft.com/office/drawing/2010/main" xmlns="">
+              <a14:hiddenFill xmlns="" xmlns:a14="http://schemas.microsoft.com/office/drawing/2010/main">
                 <a:solidFill>
                   <a:schemeClr val="accent1"/>
                 </a:solidFill>
               </a14:hiddenFill>
             </a:ext>
             <a:ext uri="{91240B29-F687-4F45-9708-019B960494DF}">
-              <a14:hiddenLine xmlns:a14="http://schemas.microsoft.com/office/drawing/2010/main" xmlns="" w="9525">
+              <a14:hiddenLine xmlns="" xmlns:a14="http://schemas.microsoft.com/office/drawing/2010/main" w="9525">
                 <a:solidFill>
                   <a:schemeClr val="tx1"/>
                 </a:solidFill>
@@ -35853,7 +35779,7 @@
               </a14:hiddenLine>
             </a:ext>
             <a:ext uri="{AF507438-7753-43E0-B8FC-AC1667EBCBE1}">
-              <a14:hiddenEffects xmlns:a14="http://schemas.microsoft.com/office/drawing/2010/main" xmlns="">
+              <a14:hiddenEffects xmlns="" xmlns:a14="http://schemas.microsoft.com/office/drawing/2010/main">
                 <a:effectLst>
                   <a:outerShdw dist="35921" dir="2700000" algn="ctr" rotWithShape="0">
                     <a:schemeClr val="bg2"/>
@@ -35974,7 +35900,7 @@
     </p:spTree>
     <p:extLst>
       <p:ext uri="{BB962C8B-B14F-4D97-AF65-F5344CB8AC3E}">
-        <p14:creationId xmlns:p14="http://schemas.microsoft.com/office/powerpoint/2010/main" xmlns="" val="3773903198"/>
+        <p14:creationId xmlns="" xmlns:p14="http://schemas.microsoft.com/office/powerpoint/2010/main" val="3773903198"/>
       </p:ext>
     </p:extLst>
   </p:cSld>
@@ -36174,7 +36100,7 @@
           <a:blip r:embed="rId3" cstate="print">
             <a:extLst>
               <a:ext uri="{28A0092B-C50C-407E-A947-70E740481C1C}">
-                <a14:useLocalDpi xmlns:a14="http://schemas.microsoft.com/office/drawing/2010/main" xmlns="" val="0"/>
+                <a14:useLocalDpi xmlns="" xmlns:a14="http://schemas.microsoft.com/office/drawing/2010/main" val="0"/>
               </a:ext>
             </a:extLst>
           </a:blip>
@@ -36198,14 +36124,14 @@
           <a:effectLst/>
           <a:extLst>
             <a:ext uri="{909E8E84-426E-40DD-AFC4-6F175D3DCCD1}">
-              <a14:hiddenFill xmlns:a14="http://schemas.microsoft.com/office/drawing/2010/main" xmlns="">
+              <a14:hiddenFill xmlns="" xmlns:a14="http://schemas.microsoft.com/office/drawing/2010/main">
                 <a:solidFill>
                   <a:schemeClr val="accent1"/>
                 </a:solidFill>
               </a14:hiddenFill>
             </a:ext>
             <a:ext uri="{91240B29-F687-4F45-9708-019B960494DF}">
-              <a14:hiddenLine xmlns:a14="http://schemas.microsoft.com/office/drawing/2010/main" xmlns="" w="9525">
+              <a14:hiddenLine xmlns="" xmlns:a14="http://schemas.microsoft.com/office/drawing/2010/main" w="9525">
                 <a:solidFill>
                   <a:schemeClr val="tx1"/>
                 </a:solidFill>
@@ -36215,7 +36141,7 @@
               </a14:hiddenLine>
             </a:ext>
             <a:ext uri="{AF507438-7753-43E0-B8FC-AC1667EBCBE1}">
-              <a14:hiddenEffects xmlns:a14="http://schemas.microsoft.com/office/drawing/2010/main" xmlns="">
+              <a14:hiddenEffects xmlns="" xmlns:a14="http://schemas.microsoft.com/office/drawing/2010/main">
                 <a:effectLst>
                   <a:outerShdw dist="35921" dir="2700000" algn="ctr" rotWithShape="0">
                     <a:schemeClr val="bg2"/>
@@ -36386,7 +36312,7 @@
     </p:spTree>
     <p:extLst>
       <p:ext uri="{BB962C8B-B14F-4D97-AF65-F5344CB8AC3E}">
-        <p14:creationId xmlns:p14="http://schemas.microsoft.com/office/powerpoint/2010/main" xmlns="" val="2728952617"/>
+        <p14:creationId xmlns="" xmlns:p14="http://schemas.microsoft.com/office/powerpoint/2010/main" val="2728952617"/>
       </p:ext>
     </p:extLst>
   </p:cSld>
@@ -36433,7 +36359,7 @@
           <a:blip r:embed="rId3" cstate="print">
             <a:extLst>
               <a:ext uri="{28A0092B-C50C-407E-A947-70E740481C1C}">
-                <a14:useLocalDpi xmlns:a14="http://schemas.microsoft.com/office/drawing/2010/main" xmlns="" val="0"/>
+                <a14:useLocalDpi xmlns="" xmlns:a14="http://schemas.microsoft.com/office/drawing/2010/main" val="0"/>
               </a:ext>
             </a:extLst>
           </a:blip>
@@ -36457,14 +36383,14 @@
           <a:effectLst/>
           <a:extLst>
             <a:ext uri="{909E8E84-426E-40DD-AFC4-6F175D3DCCD1}">
-              <a14:hiddenFill xmlns:a14="http://schemas.microsoft.com/office/drawing/2010/main" xmlns="">
+              <a14:hiddenFill xmlns="" xmlns:a14="http://schemas.microsoft.com/office/drawing/2010/main">
                 <a:solidFill>
                   <a:schemeClr val="accent1"/>
                 </a:solidFill>
               </a14:hiddenFill>
             </a:ext>
             <a:ext uri="{91240B29-F687-4F45-9708-019B960494DF}">
-              <a14:hiddenLine xmlns:a14="http://schemas.microsoft.com/office/drawing/2010/main" xmlns="" w="9525">
+              <a14:hiddenLine xmlns="" xmlns:a14="http://schemas.microsoft.com/office/drawing/2010/main" w="9525">
                 <a:solidFill>
                   <a:schemeClr val="tx1"/>
                 </a:solidFill>
@@ -36474,7 +36400,7 @@
               </a14:hiddenLine>
             </a:ext>
             <a:ext uri="{AF507438-7753-43E0-B8FC-AC1667EBCBE1}">
-              <a14:hiddenEffects xmlns:a14="http://schemas.microsoft.com/office/drawing/2010/main" xmlns="">
+              <a14:hiddenEffects xmlns="" xmlns:a14="http://schemas.microsoft.com/office/drawing/2010/main">
                 <a:effectLst>
                   <a:outerShdw dist="35921" dir="2700000" algn="ctr" rotWithShape="0">
                     <a:schemeClr val="bg2"/>
@@ -36595,7 +36521,7 @@
     </p:spTree>
     <p:extLst>
       <p:ext uri="{BB962C8B-B14F-4D97-AF65-F5344CB8AC3E}">
-        <p14:creationId xmlns:p14="http://schemas.microsoft.com/office/powerpoint/2010/main" xmlns="" val="529070913"/>
+        <p14:creationId xmlns="" xmlns:p14="http://schemas.microsoft.com/office/powerpoint/2010/main" val="529070913"/>
       </p:ext>
     </p:extLst>
   </p:cSld>
@@ -36737,7 +36663,7 @@
           <a:blip r:embed="rId3" cstate="print">
             <a:extLst>
               <a:ext uri="{28A0092B-C50C-407E-A947-70E740481C1C}">
-                <a14:useLocalDpi xmlns:a14="http://schemas.microsoft.com/office/drawing/2010/main" xmlns="" val="0"/>
+                <a14:useLocalDpi xmlns="" xmlns:a14="http://schemas.microsoft.com/office/drawing/2010/main" val="0"/>
               </a:ext>
             </a:extLst>
           </a:blip>
@@ -36761,14 +36687,14 @@
           <a:effectLst/>
           <a:extLst>
             <a:ext uri="{909E8E84-426E-40DD-AFC4-6F175D3DCCD1}">
-              <a14:hiddenFill xmlns:a14="http://schemas.microsoft.com/office/drawing/2010/main" xmlns="">
+              <a14:hiddenFill xmlns="" xmlns:a14="http://schemas.microsoft.com/office/drawing/2010/main">
                 <a:solidFill>
                   <a:schemeClr val="accent1"/>
                 </a:solidFill>
               </a14:hiddenFill>
             </a:ext>
             <a:ext uri="{91240B29-F687-4F45-9708-019B960494DF}">
-              <a14:hiddenLine xmlns:a14="http://schemas.microsoft.com/office/drawing/2010/main" xmlns="" w="9525">
+              <a14:hiddenLine xmlns="" xmlns:a14="http://schemas.microsoft.com/office/drawing/2010/main" w="9525">
                 <a:solidFill>
                   <a:schemeClr val="tx1"/>
                 </a:solidFill>
@@ -36778,7 +36704,7 @@
               </a14:hiddenLine>
             </a:ext>
             <a:ext uri="{AF507438-7753-43E0-B8FC-AC1667EBCBE1}">
-              <a14:hiddenEffects xmlns:a14="http://schemas.microsoft.com/office/drawing/2010/main" xmlns="">
+              <a14:hiddenEffects xmlns="" xmlns:a14="http://schemas.microsoft.com/office/drawing/2010/main">
                 <a:effectLst>
                   <a:outerShdw dist="35921" dir="2700000" algn="ctr" rotWithShape="0">
                     <a:schemeClr val="bg2"/>
@@ -36801,7 +36727,7 @@
           <a:blip r:embed="rId4" cstate="print">
             <a:extLst>
               <a:ext uri="{28A0092B-C50C-407E-A947-70E740481C1C}">
-                <a14:useLocalDpi xmlns:a14="http://schemas.microsoft.com/office/drawing/2010/main" xmlns="" val="0"/>
+                <a14:useLocalDpi xmlns="" xmlns:a14="http://schemas.microsoft.com/office/drawing/2010/main" val="0"/>
               </a:ext>
             </a:extLst>
           </a:blip>
@@ -36825,14 +36751,14 @@
           <a:effectLst/>
           <a:extLst>
             <a:ext uri="{909E8E84-426E-40DD-AFC4-6F175D3DCCD1}">
-              <a14:hiddenFill xmlns:a14="http://schemas.microsoft.com/office/drawing/2010/main" xmlns="">
+              <a14:hiddenFill xmlns="" xmlns:a14="http://schemas.microsoft.com/office/drawing/2010/main">
                 <a:solidFill>
                   <a:schemeClr val="accent1"/>
                 </a:solidFill>
               </a14:hiddenFill>
             </a:ext>
             <a:ext uri="{91240B29-F687-4F45-9708-019B960494DF}">
-              <a14:hiddenLine xmlns:a14="http://schemas.microsoft.com/office/drawing/2010/main" xmlns="" w="9525">
+              <a14:hiddenLine xmlns="" xmlns:a14="http://schemas.microsoft.com/office/drawing/2010/main" w="9525">
                 <a:solidFill>
                   <a:schemeClr val="tx1"/>
                 </a:solidFill>
@@ -36842,7 +36768,7 @@
               </a14:hiddenLine>
             </a:ext>
             <a:ext uri="{AF507438-7753-43E0-B8FC-AC1667EBCBE1}">
-              <a14:hiddenEffects xmlns:a14="http://schemas.microsoft.com/office/drawing/2010/main" xmlns="">
+              <a14:hiddenEffects xmlns="" xmlns:a14="http://schemas.microsoft.com/office/drawing/2010/main">
                 <a:effectLst>
                   <a:outerShdw dist="35921" dir="2700000" algn="ctr" rotWithShape="0">
                     <a:schemeClr val="bg2"/>
@@ -37107,7 +37033,7 @@
     </p:spTree>
     <p:extLst>
       <p:ext uri="{BB962C8B-B14F-4D97-AF65-F5344CB8AC3E}">
-        <p14:creationId xmlns:p14="http://schemas.microsoft.com/office/powerpoint/2010/main" xmlns="" val="339849837"/>
+        <p14:creationId xmlns="" xmlns:p14="http://schemas.microsoft.com/office/powerpoint/2010/main" val="339849837"/>
       </p:ext>
     </p:extLst>
   </p:cSld>
@@ -37154,7 +37080,7 @@
           <a:blip r:embed="rId3" cstate="print">
             <a:extLst>
               <a:ext uri="{28A0092B-C50C-407E-A947-70E740481C1C}">
-                <a14:useLocalDpi xmlns:a14="http://schemas.microsoft.com/office/drawing/2010/main" xmlns="" val="0"/>
+                <a14:useLocalDpi xmlns="" xmlns:a14="http://schemas.microsoft.com/office/drawing/2010/main" val="0"/>
               </a:ext>
             </a:extLst>
           </a:blip>
@@ -37178,14 +37104,14 @@
           <a:effectLst/>
           <a:extLst>
             <a:ext uri="{909E8E84-426E-40DD-AFC4-6F175D3DCCD1}">
-              <a14:hiddenFill xmlns:a14="http://schemas.microsoft.com/office/drawing/2010/main" xmlns="">
+              <a14:hiddenFill xmlns="" xmlns:a14="http://schemas.microsoft.com/office/drawing/2010/main">
                 <a:solidFill>
                   <a:schemeClr val="accent1"/>
                 </a:solidFill>
               </a14:hiddenFill>
             </a:ext>
             <a:ext uri="{91240B29-F687-4F45-9708-019B960494DF}">
-              <a14:hiddenLine xmlns:a14="http://schemas.microsoft.com/office/drawing/2010/main" xmlns="" w="9525">
+              <a14:hiddenLine xmlns="" xmlns:a14="http://schemas.microsoft.com/office/drawing/2010/main" w="9525">
                 <a:solidFill>
                   <a:schemeClr val="tx1"/>
                 </a:solidFill>
@@ -37195,7 +37121,7 @@
               </a14:hiddenLine>
             </a:ext>
             <a:ext uri="{AF507438-7753-43E0-B8FC-AC1667EBCBE1}">
-              <a14:hiddenEffects xmlns:a14="http://schemas.microsoft.com/office/drawing/2010/main" xmlns="">
+              <a14:hiddenEffects xmlns="" xmlns:a14="http://schemas.microsoft.com/office/drawing/2010/main">
                 <a:effectLst>
                   <a:outerShdw dist="35921" dir="2700000" algn="ctr" rotWithShape="0">
                     <a:schemeClr val="bg2"/>
@@ -37379,7 +37305,7 @@
     </p:spTree>
     <p:extLst>
       <p:ext uri="{BB962C8B-B14F-4D97-AF65-F5344CB8AC3E}">
-        <p14:creationId xmlns:p14="http://schemas.microsoft.com/office/powerpoint/2010/main" xmlns="" val="3783640972"/>
+        <p14:creationId xmlns="" xmlns:p14="http://schemas.microsoft.com/office/powerpoint/2010/main" val="3783640972"/>
       </p:ext>
     </p:extLst>
   </p:cSld>
@@ -37610,7 +37536,7 @@
           <a:blip r:embed="rId3" cstate="print">
             <a:extLst>
               <a:ext uri="{28A0092B-C50C-407E-A947-70E740481C1C}">
-                <a14:useLocalDpi xmlns:a14="http://schemas.microsoft.com/office/drawing/2010/main" xmlns="" val="0"/>
+                <a14:useLocalDpi xmlns="" xmlns:a14="http://schemas.microsoft.com/office/drawing/2010/main" val="0"/>
               </a:ext>
             </a:extLst>
           </a:blip>
@@ -37634,14 +37560,14 @@
           <a:effectLst/>
           <a:extLst>
             <a:ext uri="{909E8E84-426E-40DD-AFC4-6F175D3DCCD1}">
-              <a14:hiddenFill xmlns:a14="http://schemas.microsoft.com/office/drawing/2010/main" xmlns="">
+              <a14:hiddenFill xmlns="" xmlns:a14="http://schemas.microsoft.com/office/drawing/2010/main">
                 <a:solidFill>
                   <a:schemeClr val="accent1"/>
                 </a:solidFill>
               </a14:hiddenFill>
             </a:ext>
             <a:ext uri="{91240B29-F687-4F45-9708-019B960494DF}">
-              <a14:hiddenLine xmlns:a14="http://schemas.microsoft.com/office/drawing/2010/main" xmlns="" w="9525">
+              <a14:hiddenLine xmlns="" xmlns:a14="http://schemas.microsoft.com/office/drawing/2010/main" w="9525">
                 <a:solidFill>
                   <a:schemeClr val="tx1"/>
                 </a:solidFill>
@@ -37651,7 +37577,7 @@
               </a14:hiddenLine>
             </a:ext>
             <a:ext uri="{AF507438-7753-43E0-B8FC-AC1667EBCBE1}">
-              <a14:hiddenEffects xmlns:a14="http://schemas.microsoft.com/office/drawing/2010/main" xmlns="">
+              <a14:hiddenEffects xmlns="" xmlns:a14="http://schemas.microsoft.com/office/drawing/2010/main">
                 <a:effectLst>
                   <a:outerShdw dist="35921" dir="2700000" algn="ctr" rotWithShape="0">
                     <a:schemeClr val="bg2"/>
@@ -37697,11 +37623,7 @@
             </a:r>
             <a:r>
               <a:rPr lang="zh-CN" altLang="en-US" dirty="0" smtClean="0"/>
-              <a:t>元</a:t>
-            </a:r>
-            <a:r>
-              <a:rPr lang="zh-CN" altLang="en-US" dirty="0" smtClean="0"/>
-              <a:t>素</a:t>
+              <a:t>元素</a:t>
             </a:r>
             <a:r>
               <a:rPr lang="en-US" altLang="zh-CN" dirty="0" err="1" smtClean="0">
@@ -37731,7 +37653,7 @@
           <a:blip r:embed="rId4" cstate="print">
             <a:extLst>
               <a:ext uri="{28A0092B-C50C-407E-A947-70E740481C1C}">
-                <a14:useLocalDpi xmlns:a14="http://schemas.microsoft.com/office/drawing/2010/main" xmlns="" val="0"/>
+                <a14:useLocalDpi xmlns="" xmlns:a14="http://schemas.microsoft.com/office/drawing/2010/main" val="0"/>
               </a:ext>
             </a:extLst>
           </a:blip>
@@ -37755,14 +37677,14 @@
           <a:effectLst/>
           <a:extLst>
             <a:ext uri="{909E8E84-426E-40DD-AFC4-6F175D3DCCD1}">
-              <a14:hiddenFill xmlns:a14="http://schemas.microsoft.com/office/drawing/2010/main" xmlns="">
+              <a14:hiddenFill xmlns="" xmlns:a14="http://schemas.microsoft.com/office/drawing/2010/main">
                 <a:solidFill>
                   <a:schemeClr val="accent1"/>
                 </a:solidFill>
               </a14:hiddenFill>
             </a:ext>
             <a:ext uri="{91240B29-F687-4F45-9708-019B960494DF}">
-              <a14:hiddenLine xmlns:a14="http://schemas.microsoft.com/office/drawing/2010/main" xmlns="" w="9525">
+              <a14:hiddenLine xmlns="" xmlns:a14="http://schemas.microsoft.com/office/drawing/2010/main" w="9525">
                 <a:solidFill>
                   <a:schemeClr val="tx1"/>
                 </a:solidFill>
@@ -37772,7 +37694,7 @@
               </a14:hiddenLine>
             </a:ext>
             <a:ext uri="{AF507438-7753-43E0-B8FC-AC1667EBCBE1}">
-              <a14:hiddenEffects xmlns:a14="http://schemas.microsoft.com/office/drawing/2010/main" xmlns="">
+              <a14:hiddenEffects xmlns="" xmlns:a14="http://schemas.microsoft.com/office/drawing/2010/main">
                 <a:effectLst>
                   <a:outerShdw dist="35921" dir="2700000" algn="ctr" rotWithShape="0">
                     <a:schemeClr val="bg2"/>
@@ -37814,11 +37736,7 @@
             </a:r>
             <a:r>
               <a:rPr lang="zh-CN" altLang="en-US" dirty="0" smtClean="0"/>
-              <a:t>匹</a:t>
-            </a:r>
-            <a:r>
-              <a:rPr lang="zh-CN" altLang="en-US" dirty="0" smtClean="0"/>
-              <a:t>配</a:t>
+              <a:t>匹配</a:t>
             </a:r>
             <a:r>
               <a:rPr lang="en-US" altLang="zh-CN" dirty="0" err="1" smtClean="0">
@@ -37848,7 +37766,7 @@
           <a:blip r:embed="rId5" cstate="print">
             <a:extLst>
               <a:ext uri="{28A0092B-C50C-407E-A947-70E740481C1C}">
-                <a14:useLocalDpi xmlns:a14="http://schemas.microsoft.com/office/drawing/2010/main" xmlns="" val="0"/>
+                <a14:useLocalDpi xmlns="" xmlns:a14="http://schemas.microsoft.com/office/drawing/2010/main" val="0"/>
               </a:ext>
             </a:extLst>
           </a:blip>
@@ -37872,14 +37790,14 @@
           <a:effectLst/>
           <a:extLst>
             <a:ext uri="{909E8E84-426E-40DD-AFC4-6F175D3DCCD1}">
-              <a14:hiddenFill xmlns:a14="http://schemas.microsoft.com/office/drawing/2010/main" xmlns="">
+              <a14:hiddenFill xmlns="" xmlns:a14="http://schemas.microsoft.com/office/drawing/2010/main">
                 <a:solidFill>
                   <a:schemeClr val="accent1"/>
                 </a:solidFill>
               </a14:hiddenFill>
             </a:ext>
             <a:ext uri="{91240B29-F687-4F45-9708-019B960494DF}">
-              <a14:hiddenLine xmlns:a14="http://schemas.microsoft.com/office/drawing/2010/main" xmlns="" w="9525">
+              <a14:hiddenLine xmlns="" xmlns:a14="http://schemas.microsoft.com/office/drawing/2010/main" w="9525">
                 <a:solidFill>
                   <a:schemeClr val="tx1"/>
                 </a:solidFill>
@@ -37889,7 +37807,7 @@
               </a14:hiddenLine>
             </a:ext>
             <a:ext uri="{AF507438-7753-43E0-B8FC-AC1667EBCBE1}">
-              <a14:hiddenEffects xmlns:a14="http://schemas.microsoft.com/office/drawing/2010/main" xmlns="">
+              <a14:hiddenEffects xmlns="" xmlns:a14="http://schemas.microsoft.com/office/drawing/2010/main">
                 <a:effectLst>
                   <a:outerShdw dist="35921" dir="2700000" algn="ctr" rotWithShape="0">
                     <a:schemeClr val="bg2"/>
@@ -38189,7 +38107,7 @@
     </p:spTree>
     <p:extLst>
       <p:ext uri="{BB962C8B-B14F-4D97-AF65-F5344CB8AC3E}">
-        <p14:creationId xmlns:p14="http://schemas.microsoft.com/office/powerpoint/2010/main" xmlns="" val="1728338345"/>
+        <p14:creationId xmlns="" xmlns:p14="http://schemas.microsoft.com/office/powerpoint/2010/main" val="1728338345"/>
       </p:ext>
     </p:extLst>
   </p:cSld>
@@ -38264,7 +38182,7 @@
           <a:blip r:embed="rId3" cstate="print">
             <a:extLst>
               <a:ext uri="{28A0092B-C50C-407E-A947-70E740481C1C}">
-                <a14:useLocalDpi xmlns:a14="http://schemas.microsoft.com/office/drawing/2010/main" xmlns="" val="0"/>
+                <a14:useLocalDpi xmlns="" xmlns:a14="http://schemas.microsoft.com/office/drawing/2010/main" val="0"/>
               </a:ext>
             </a:extLst>
           </a:blip>
@@ -38288,14 +38206,14 @@
           <a:effectLst/>
           <a:extLst>
             <a:ext uri="{909E8E84-426E-40DD-AFC4-6F175D3DCCD1}">
-              <a14:hiddenFill xmlns:a14="http://schemas.microsoft.com/office/drawing/2010/main" xmlns="">
+              <a14:hiddenFill xmlns="" xmlns:a14="http://schemas.microsoft.com/office/drawing/2010/main">
                 <a:solidFill>
                   <a:schemeClr val="accent1"/>
                 </a:solidFill>
               </a14:hiddenFill>
             </a:ext>
             <a:ext uri="{91240B29-F687-4F45-9708-019B960494DF}">
-              <a14:hiddenLine xmlns:a14="http://schemas.microsoft.com/office/drawing/2010/main" xmlns="" w="9525">
+              <a14:hiddenLine xmlns="" xmlns:a14="http://schemas.microsoft.com/office/drawing/2010/main" w="9525">
                 <a:solidFill>
                   <a:schemeClr val="tx1"/>
                 </a:solidFill>
@@ -38305,7 +38223,7 @@
               </a14:hiddenLine>
             </a:ext>
             <a:ext uri="{AF507438-7753-43E0-B8FC-AC1667EBCBE1}">
-              <a14:hiddenEffects xmlns:a14="http://schemas.microsoft.com/office/drawing/2010/main" xmlns="">
+              <a14:hiddenEffects xmlns="" xmlns:a14="http://schemas.microsoft.com/office/drawing/2010/main">
                 <a:effectLst>
                   <a:outerShdw dist="35921" dir="2700000" algn="ctr" rotWithShape="0">
                     <a:schemeClr val="bg2"/>
@@ -38702,7 +38620,7 @@
     </p:spTree>
     <p:extLst>
       <p:ext uri="{BB962C8B-B14F-4D97-AF65-F5344CB8AC3E}">
-        <p14:creationId xmlns:p14="http://schemas.microsoft.com/office/powerpoint/2010/main" xmlns="" val="1967984645"/>
+        <p14:creationId xmlns="" xmlns:p14="http://schemas.microsoft.com/office/powerpoint/2010/main" val="1967984645"/>
       </p:ext>
     </p:extLst>
   </p:cSld>
@@ -38794,33 +38712,15 @@
                 <a:latin typeface="微软雅黑" pitchFamily="34" charset="-122"/>
                 <a:ea typeface="微软雅黑" pitchFamily="34" charset="-122"/>
               </a:rPr>
-              <a:t>操</a:t>
-            </a:r>
-            <a:r>
-              <a:rPr lang="zh-CN" altLang="en-US" sz="1800" dirty="0" smtClean="0">
+              <a:t>操作 </a:t>
+            </a:r>
+            <a:r>
+              <a:rPr lang="zh-CN" altLang="en-US" sz="1400" b="1" dirty="0" smtClean="0">
                 <a:solidFill>
                   <a:schemeClr val="bg1"/>
                 </a:solidFill>
-                <a:latin typeface="微软雅黑" pitchFamily="34" charset="-122"/>
-                <a:ea typeface="微软雅黑" pitchFamily="34" charset="-122"/>
-              </a:rPr>
-              <a:t>作 </a:t>
-            </a:r>
-            <a:r>
-              <a:rPr lang="zh-CN" altLang="en-US" sz="1400" b="1" dirty="0" smtClean="0">
-                <a:solidFill>
-                  <a:schemeClr val="bg1"/>
-                </a:solidFill>
-              </a:rPr>
-              <a:t>归</a:t>
-            </a:r>
-            <a:r>
-              <a:rPr lang="zh-CN" altLang="en-US" sz="1400" b="1" dirty="0" smtClean="0">
-                <a:solidFill>
-                  <a:schemeClr val="bg1"/>
-                </a:solidFill>
-              </a:rPr>
-              <a:t>约和汇总</a:t>
+              </a:rPr>
+              <a:t>归约和汇总</a:t>
             </a:r>
             <a:r>
               <a:rPr lang="zh-CN" altLang="en-US" sz="1800" dirty="0" smtClean="0"/>
@@ -38873,7 +38773,7 @@
         <p:spPr>
           <a:xfrm>
             <a:off x="323528" y="980728"/>
-            <a:ext cx="8604448" cy="1291379"/>
+            <a:ext cx="8604448" cy="1338828"/>
           </a:xfrm>
           <a:prstGeom prst="rect">
             <a:avLst/>
@@ -38924,11 +38824,15 @@
             </a:r>
             <a:r>
               <a:rPr lang="zh-CN" altLang="en-US" dirty="0" smtClean="0"/>
-              <a:t>的作用就是将</a:t>
+              <a:t>的作用就是将流转换为其他形</a:t>
             </a:r>
             <a:r>
               <a:rPr lang="zh-CN" altLang="en-US" dirty="0" smtClean="0"/>
-              <a:t>流转换为其他形式。接收一个 </a:t>
+              <a:t>式，接</a:t>
+            </a:r>
+            <a:r>
+              <a:rPr lang="zh-CN" altLang="en-US" dirty="0" smtClean="0"/>
+              <a:t>收一个 </a:t>
             </a:r>
             <a:r>
               <a:rPr lang="en-US" altLang="zh-CN" dirty="0" smtClean="0"/>
@@ -38936,15 +38840,7 @@
             </a:r>
             <a:r>
               <a:rPr lang="zh-CN" altLang="en-US" dirty="0" smtClean="0"/>
-              <a:t>接口</a:t>
-            </a:r>
-            <a:r>
-              <a:rPr lang="zh-CN" altLang="en-US" dirty="0" smtClean="0"/>
-              <a:t>的实</a:t>
-            </a:r>
-            <a:r>
-              <a:rPr lang="zh-CN" altLang="en-US" dirty="0" smtClean="0"/>
-              <a:t>现，用于给</a:t>
+              <a:t>接口的实现，用于给</a:t>
             </a:r>
             <a:r>
               <a:rPr lang="en-US" altLang="zh-CN" dirty="0" smtClean="0"/>
@@ -38952,11 +38848,11 @@
             </a:r>
             <a:r>
               <a:rPr lang="zh-CN" altLang="en-US" dirty="0" smtClean="0"/>
-              <a:t>中元素做汇总的方</a:t>
+              <a:t>中元素做汇</a:t>
             </a:r>
             <a:r>
               <a:rPr lang="zh-CN" altLang="en-US" dirty="0" smtClean="0"/>
-              <a:t>法。</a:t>
+              <a:t>总。</a:t>
             </a:r>
             <a:endParaRPr lang="zh-CN" altLang="en-US" dirty="0"/>
           </a:p>
@@ -39830,7 +39726,7 @@
     </p:spTree>
     <p:extLst>
       <p:ext uri="{BB962C8B-B14F-4D97-AF65-F5344CB8AC3E}">
-        <p14:creationId xmlns:p14="http://schemas.microsoft.com/office/powerpoint/2010/main" xmlns="" val="1967984645"/>
+        <p14:creationId xmlns="" xmlns:p14="http://schemas.microsoft.com/office/powerpoint/2010/main" val="1967984645"/>
       </p:ext>
     </p:extLst>
   </p:cSld>
@@ -39922,33 +39818,15 @@
                 <a:latin typeface="微软雅黑" pitchFamily="34" charset="-122"/>
                 <a:ea typeface="微软雅黑" pitchFamily="34" charset="-122"/>
               </a:rPr>
-              <a:t>操</a:t>
-            </a:r>
-            <a:r>
-              <a:rPr lang="zh-CN" altLang="en-US" sz="1800" dirty="0" smtClean="0">
+              <a:t>操作 </a:t>
+            </a:r>
+            <a:r>
+              <a:rPr lang="zh-CN" altLang="en-US" sz="1400" b="1" dirty="0" smtClean="0">
                 <a:solidFill>
                   <a:schemeClr val="bg1"/>
                 </a:solidFill>
-                <a:latin typeface="微软雅黑" pitchFamily="34" charset="-122"/>
-                <a:ea typeface="微软雅黑" pitchFamily="34" charset="-122"/>
-              </a:rPr>
-              <a:t>作 </a:t>
-            </a:r>
-            <a:r>
-              <a:rPr lang="zh-CN" altLang="en-US" sz="1400" b="1" dirty="0" smtClean="0">
-                <a:solidFill>
-                  <a:schemeClr val="bg1"/>
-                </a:solidFill>
-              </a:rPr>
-              <a:t>归</a:t>
-            </a:r>
-            <a:r>
-              <a:rPr lang="zh-CN" altLang="en-US" sz="1400" b="1" dirty="0" smtClean="0">
-                <a:solidFill>
-                  <a:schemeClr val="bg1"/>
-                </a:solidFill>
-              </a:rPr>
-              <a:t>约和汇总</a:t>
+              </a:rPr>
+              <a:t>归约和汇总</a:t>
             </a:r>
             <a:r>
               <a:rPr lang="zh-CN" altLang="en-US" sz="1800" dirty="0" smtClean="0"/>
@@ -40383,7 +40261,7 @@
                         <a:t>计算流中项目 </a:t>
                       </a:r>
                       <a:r>
-                        <a:rPr lang="en-US" sz="1800" b="0" i="0" kern="1200" dirty="0">
+                        <a:rPr lang="en-US" altLang="en-US" sz="1800" b="0" i="0" kern="1200" dirty="0">
                           <a:solidFill>
                             <a:srgbClr val="000000"/>
                           </a:solidFill>
@@ -40631,7 +40509,7 @@
                         <a:t>一个包裹了流中按照给定比较器选出的最大元素的 </a:t>
                       </a:r>
                       <a:r>
-                        <a:rPr lang="en-US" sz="1800" b="0" i="0" kern="1200" dirty="0">
+                        <a:rPr lang="en-US" altLang="en-US" sz="1800" b="0" i="0" kern="1200" dirty="0">
                           <a:solidFill>
                             <a:srgbClr val="000000"/>
                           </a:solidFill>
@@ -40642,7 +40520,7 @@
                         <a:t>Optional</a:t>
                       </a:r>
                       <a:r>
-                        <a:rPr lang="en-US" sz="1800" b="0" i="0" kern="1200" dirty="0" smtClean="0">
+                        <a:rPr lang="en-US" altLang="en-US" sz="1800" b="0" i="0" kern="1200" dirty="0" smtClean="0">
                           <a:solidFill>
                             <a:srgbClr val="000000"/>
                           </a:solidFill>
@@ -40686,7 +40564,7 @@
                         <a:t>o</a:t>
                       </a:r>
                       <a:r>
-                        <a:rPr lang="en-US" sz="1800" b="0" i="0" kern="1200" dirty="0" err="1" smtClean="0">
+                        <a:rPr lang="en-US" altLang="en-US" sz="1800" b="0" i="0" kern="1200" dirty="0" err="1" smtClean="0">
                           <a:solidFill>
                             <a:srgbClr val="000000"/>
                           </a:solidFill>
@@ -40697,7 +40575,7 @@
                         <a:t>ptional.empty</a:t>
                       </a:r>
                       <a:r>
-                        <a:rPr lang="en-US" sz="1800" b="0" i="0" kern="1200" dirty="0">
+                        <a:rPr lang="en-US" altLang="en-US" sz="1800" b="0" i="0" kern="1200" dirty="0">
                           <a:solidFill>
                             <a:srgbClr val="000000"/>
                           </a:solidFill>
@@ -40933,7 +40811,7 @@
                         <a:t>从一个作为累加器的初始值开始，利用 </a:t>
                       </a:r>
                       <a:r>
-                        <a:rPr lang="en-US" sz="1800" b="0" i="0" kern="1200" dirty="0" err="1" smtClean="0">
+                        <a:rPr lang="en-US" altLang="en-US" sz="1800" b="0" i="0" kern="1200" dirty="0" err="1" smtClean="0">
                           <a:solidFill>
                             <a:srgbClr val="000000"/>
                           </a:solidFill>
@@ -40944,7 +40822,7 @@
                         <a:t>BinaryOperator</a:t>
                       </a:r>
                       <a:r>
-                        <a:rPr lang="en-US" sz="1800" b="0" i="0" kern="1200" dirty="0" smtClean="0">
+                        <a:rPr lang="en-US" altLang="en-US" sz="1800" b="0" i="0" kern="1200" dirty="0" smtClean="0">
                           <a:solidFill>
                             <a:srgbClr val="000000"/>
                           </a:solidFill>
@@ -41160,7 +41038,7 @@
     </p:spTree>
     <p:extLst>
       <p:ext uri="{BB962C8B-B14F-4D97-AF65-F5344CB8AC3E}">
-        <p14:creationId xmlns:p14="http://schemas.microsoft.com/office/powerpoint/2010/main" xmlns="" val="1967984645"/>
+        <p14:creationId xmlns="" xmlns:p14="http://schemas.microsoft.com/office/powerpoint/2010/main" val="1967984645"/>
       </p:ext>
     </p:extLst>
   </p:cSld>
@@ -41311,7 +41189,7 @@
           <a:blip r:embed="rId3" cstate="print">
             <a:extLst>
               <a:ext uri="{28A0092B-C50C-407E-A947-70E740481C1C}">
-                <a14:useLocalDpi xmlns:a14="http://schemas.microsoft.com/office/drawing/2010/main" xmlns="" val="0"/>
+                <a14:useLocalDpi xmlns="" xmlns:a14="http://schemas.microsoft.com/office/drawing/2010/main" val="0"/>
               </a:ext>
             </a:extLst>
           </a:blip>
@@ -41335,14 +41213,14 @@
           <a:effectLst/>
           <a:extLst>
             <a:ext uri="{909E8E84-426E-40DD-AFC4-6F175D3DCCD1}">
-              <a14:hiddenFill xmlns:a14="http://schemas.microsoft.com/office/drawing/2010/main" xmlns="">
+              <a14:hiddenFill xmlns="" xmlns:a14="http://schemas.microsoft.com/office/drawing/2010/main">
                 <a:solidFill>
                   <a:schemeClr val="accent1"/>
                 </a:solidFill>
               </a14:hiddenFill>
             </a:ext>
             <a:ext uri="{91240B29-F687-4F45-9708-019B960494DF}">
-              <a14:hiddenLine xmlns:a14="http://schemas.microsoft.com/office/drawing/2010/main" xmlns="" w="9525">
+              <a14:hiddenLine xmlns="" xmlns:a14="http://schemas.microsoft.com/office/drawing/2010/main" w="9525">
                 <a:solidFill>
                   <a:schemeClr val="tx1"/>
                 </a:solidFill>
@@ -41352,7 +41230,7 @@
               </a14:hiddenLine>
             </a:ext>
             <a:ext uri="{AF507438-7753-43E0-B8FC-AC1667EBCBE1}">
-              <a14:hiddenEffects xmlns:a14="http://schemas.microsoft.com/office/drawing/2010/main" xmlns="">
+              <a14:hiddenEffects xmlns="" xmlns:a14="http://schemas.microsoft.com/office/drawing/2010/main">
                 <a:effectLst>
                   <a:outerShdw dist="35921" dir="2700000" algn="ctr" rotWithShape="0">
                     <a:schemeClr val="bg2"/>
@@ -41375,7 +41253,7 @@
           <a:blip r:embed="rId4" cstate="print">
             <a:extLst>
               <a:ext uri="{28A0092B-C50C-407E-A947-70E740481C1C}">
-                <a14:useLocalDpi xmlns:a14="http://schemas.microsoft.com/office/drawing/2010/main" xmlns="" val="0"/>
+                <a14:useLocalDpi xmlns="" xmlns:a14="http://schemas.microsoft.com/office/drawing/2010/main" val="0"/>
               </a:ext>
             </a:extLst>
           </a:blip>
@@ -41399,14 +41277,14 @@
           <a:effectLst/>
           <a:extLst>
             <a:ext uri="{909E8E84-426E-40DD-AFC4-6F175D3DCCD1}">
-              <a14:hiddenFill xmlns:a14="http://schemas.microsoft.com/office/drawing/2010/main" xmlns="">
+              <a14:hiddenFill xmlns="" xmlns:a14="http://schemas.microsoft.com/office/drawing/2010/main">
                 <a:solidFill>
                   <a:schemeClr val="accent1"/>
                 </a:solidFill>
               </a14:hiddenFill>
             </a:ext>
             <a:ext uri="{91240B29-F687-4F45-9708-019B960494DF}">
-              <a14:hiddenLine xmlns:a14="http://schemas.microsoft.com/office/drawing/2010/main" xmlns="" w="9525">
+              <a14:hiddenLine xmlns="" xmlns:a14="http://schemas.microsoft.com/office/drawing/2010/main" w="9525">
                 <a:solidFill>
                   <a:schemeClr val="tx1"/>
                 </a:solidFill>
@@ -41416,7 +41294,7 @@
               </a14:hiddenLine>
             </a:ext>
             <a:ext uri="{AF507438-7753-43E0-B8FC-AC1667EBCBE1}">
-              <a14:hiddenEffects xmlns:a14="http://schemas.microsoft.com/office/drawing/2010/main" xmlns="">
+              <a14:hiddenEffects xmlns="" xmlns:a14="http://schemas.microsoft.com/office/drawing/2010/main">
                 <a:effectLst>
                   <a:outerShdw dist="35921" dir="2700000" algn="ctr" rotWithShape="0">
                     <a:schemeClr val="bg2"/>
@@ -41530,7 +41408,7 @@
     </p:spTree>
     <p:extLst>
       <p:ext uri="{BB962C8B-B14F-4D97-AF65-F5344CB8AC3E}">
-        <p14:creationId xmlns:p14="http://schemas.microsoft.com/office/powerpoint/2010/main" xmlns="" val="3629873335"/>
+        <p14:creationId xmlns="" xmlns:p14="http://schemas.microsoft.com/office/powerpoint/2010/main" val="3629873335"/>
       </p:ext>
     </p:extLst>
   </p:cSld>
@@ -41622,17 +41500,7 @@
                 <a:latin typeface="微软雅黑" pitchFamily="34" charset="-122"/>
                 <a:ea typeface="微软雅黑" pitchFamily="34" charset="-122"/>
               </a:rPr>
-              <a:t>操</a:t>
-            </a:r>
-            <a:r>
-              <a:rPr lang="zh-CN" altLang="en-US" sz="1800" dirty="0" smtClean="0">
-                <a:solidFill>
-                  <a:schemeClr val="bg1"/>
-                </a:solidFill>
-                <a:latin typeface="微软雅黑" pitchFamily="34" charset="-122"/>
-                <a:ea typeface="微软雅黑" pitchFamily="34" charset="-122"/>
-              </a:rPr>
-              <a:t>作 </a:t>
+              <a:t>操作 </a:t>
             </a:r>
             <a:r>
               <a:rPr lang="zh-CN" altLang="en-US" sz="1400" b="1" dirty="0" smtClean="0">
@@ -41709,23 +41577,7 @@
           <a:p>
             <a:r>
               <a:rPr lang="zh-CN" altLang="en-US" dirty="0" smtClean="0"/>
-              <a:t>一个常见的数据库操作是根据一个或多个属性对集合中的项目进行分</a:t>
-            </a:r>
-            <a:r>
-              <a:rPr lang="zh-CN" altLang="en-US" dirty="0" smtClean="0"/>
-              <a:t>组，假</a:t>
-            </a:r>
-            <a:r>
-              <a:rPr lang="zh-CN" altLang="en-US" dirty="0" smtClean="0"/>
-              <a:t>设你要把菜单中的菜按照类型进行分类</a:t>
-            </a:r>
-            <a:r>
-              <a:rPr lang="zh-CN" altLang="en-US" dirty="0" smtClean="0"/>
-              <a:t>，有</a:t>
-            </a:r>
-            <a:r>
-              <a:rPr lang="zh-CN" altLang="en-US" dirty="0" smtClean="0"/>
-              <a:t>肉的放一组，有鱼的放一组，其他的都放另一组 </a:t>
+              <a:t>一个常见的数据库操作是根据一个或多个属性对集合中的项目进行分组，假设你要把菜单中的菜按照类型进行分类，有肉的放一组，有鱼的放一组，其他的都放另一组 </a:t>
             </a:r>
             <a:endParaRPr lang="zh-CN" altLang="en-US" dirty="0"/>
           </a:p>
@@ -41775,15 +41627,7 @@
             </a:r>
             <a:r>
               <a:rPr lang="zh-CN" altLang="en-US" dirty="0" smtClean="0"/>
-              <a:t>（以方法引用的形式），它提取了流中</a:t>
-            </a:r>
-            <a:r>
-              <a:rPr lang="zh-CN" altLang="en-US" dirty="0" smtClean="0"/>
-              <a:t>每一</a:t>
-            </a:r>
-            <a:r>
-              <a:rPr lang="zh-CN" altLang="en-US" dirty="0" smtClean="0"/>
-              <a:t>道</a:t>
+              <a:t>（以方法引用的形式），它提取了流中每一道</a:t>
             </a:r>
             <a:r>
               <a:rPr lang="en-US" altLang="zh-CN" dirty="0" smtClean="0"/>
@@ -41799,11 +41643,7 @@
             </a:r>
             <a:r>
               <a:rPr lang="zh-CN" altLang="en-US" dirty="0" smtClean="0"/>
-              <a:t>。</a:t>
-            </a:r>
-            <a:r>
-              <a:rPr lang="zh-CN" altLang="en-US" dirty="0" smtClean="0"/>
-              <a:t>分组操作的结果是一个</a:t>
+              <a:t>。分组操作的结果是一个</a:t>
             </a:r>
             <a:r>
               <a:rPr lang="en-US" altLang="zh-CN" dirty="0" smtClean="0"/>
@@ -41811,27 +41651,7 @@
             </a:r>
             <a:r>
               <a:rPr lang="zh-CN" altLang="en-US" dirty="0" smtClean="0"/>
-              <a:t>，把分组函数返回的值作为映射的键，把流</a:t>
-            </a:r>
-            <a:r>
-              <a:rPr lang="zh-CN" altLang="en-US" dirty="0" smtClean="0"/>
-              <a:t>中所</a:t>
-            </a:r>
-            <a:r>
-              <a:rPr lang="zh-CN" altLang="en-US" dirty="0" smtClean="0"/>
-              <a:t>有具有这个分类值的项目的列表作为对应的映射值。在菜单分类的例子中，键就是菜的类型</a:t>
-            </a:r>
-            <a:r>
-              <a:rPr lang="zh-CN" altLang="en-US" dirty="0" smtClean="0"/>
-              <a:t>，值</a:t>
-            </a:r>
-            <a:r>
-              <a:rPr lang="zh-CN" altLang="en-US" dirty="0" smtClean="0"/>
-              <a:t>就是包含所有对应类型的菜肴的列表 </a:t>
-            </a:r>
-            <a:r>
-              <a:rPr lang="zh-CN" altLang="en-US" dirty="0" smtClean="0"/>
-              <a:t>。</a:t>
+              <a:t>，把分组函数返回的值作为映射的键，把流中所有具有这个分类值的项目的列表作为对应的映射值。在菜单分类的例子中，键就是菜的类型，值就是包含所有对应类型的菜肴的列表 。</a:t>
             </a:r>
             <a:endParaRPr lang="en-US" altLang="zh-CN" dirty="0" smtClean="0"/>
           </a:p>
@@ -41895,6 +41715,13 @@
     <a:masterClrMapping/>
   </p:clrMapOvr>
   <p:transition/>
+  <p:timing>
+    <p:tnLst>
+      <p:par>
+        <p:cTn id="1" dur="indefinite" restart="never" nodeType="tmRoot"/>
+      </p:par>
+    </p:tnLst>
+  </p:timing>
 </p:sld>
 </file>
 
@@ -42445,7 +42272,7 @@
     </p:spTree>
     <p:extLst>
       <p:ext uri="{BB962C8B-B14F-4D97-AF65-F5344CB8AC3E}">
-        <p14:creationId xmlns:p14="http://schemas.microsoft.com/office/powerpoint/2010/main" xmlns="" val="1967984645"/>
+        <p14:creationId xmlns="" xmlns:p14="http://schemas.microsoft.com/office/powerpoint/2010/main" val="1967984645"/>
       </p:ext>
     </p:extLst>
   </p:cSld>
@@ -43789,7 +43616,7 @@
     </p:spTree>
     <p:extLst>
       <p:ext uri="{BB962C8B-B14F-4D97-AF65-F5344CB8AC3E}">
-        <p14:creationId xmlns:p14="http://schemas.microsoft.com/office/powerpoint/2010/main" xmlns="" val="3519416636"/>
+        <p14:creationId xmlns="" xmlns:p14="http://schemas.microsoft.com/office/powerpoint/2010/main" val="3519416636"/>
       </p:ext>
     </p:extLst>
   </p:cSld>
@@ -43983,7 +43810,7 @@
           <a:blip r:embed="rId3" cstate="print">
             <a:extLst>
               <a:ext uri="{28A0092B-C50C-407E-A947-70E740481C1C}">
-                <a14:useLocalDpi xmlns:a14="http://schemas.microsoft.com/office/drawing/2010/main" xmlns="" val="0"/>
+                <a14:useLocalDpi xmlns="" xmlns:a14="http://schemas.microsoft.com/office/drawing/2010/main" val="0"/>
               </a:ext>
             </a:extLst>
           </a:blip>
@@ -44007,14 +43834,14 @@
           <a:effectLst/>
           <a:extLst>
             <a:ext uri="{909E8E84-426E-40DD-AFC4-6F175D3DCCD1}">
-              <a14:hiddenFill xmlns:a14="http://schemas.microsoft.com/office/drawing/2010/main" xmlns="">
+              <a14:hiddenFill xmlns="" xmlns:a14="http://schemas.microsoft.com/office/drawing/2010/main">
                 <a:solidFill>
                   <a:schemeClr val="accent1"/>
                 </a:solidFill>
               </a14:hiddenFill>
             </a:ext>
             <a:ext uri="{91240B29-F687-4F45-9708-019B960494DF}">
-              <a14:hiddenLine xmlns:a14="http://schemas.microsoft.com/office/drawing/2010/main" xmlns="" w="9525">
+              <a14:hiddenLine xmlns="" xmlns:a14="http://schemas.microsoft.com/office/drawing/2010/main" w="9525">
                 <a:solidFill>
                   <a:schemeClr val="tx1"/>
                 </a:solidFill>
@@ -44024,7 +43851,7 @@
               </a14:hiddenLine>
             </a:ext>
             <a:ext uri="{AF507438-7753-43E0-B8FC-AC1667EBCBE1}">
-              <a14:hiddenEffects xmlns:a14="http://schemas.microsoft.com/office/drawing/2010/main" xmlns="">
+              <a14:hiddenEffects xmlns="" xmlns:a14="http://schemas.microsoft.com/office/drawing/2010/main">
                 <a:effectLst>
                   <a:outerShdw dist="35921" dir="2700000" algn="ctr" rotWithShape="0">
                     <a:schemeClr val="bg2"/>
@@ -44058,14 +43885,14 @@
           <a:effectLst/>
           <a:extLst>
             <a:ext uri="{909E8E84-426E-40DD-AFC4-6F175D3DCCD1}">
-              <a14:hiddenFill xmlns:a14="http://schemas.microsoft.com/office/drawing/2010/main" xmlns="">
+              <a14:hiddenFill xmlns="" xmlns:a14="http://schemas.microsoft.com/office/drawing/2010/main">
                 <a:solidFill>
                   <a:schemeClr val="accent1"/>
                 </a:solidFill>
               </a14:hiddenFill>
             </a:ext>
             <a:ext uri="{91240B29-F687-4F45-9708-019B960494DF}">
-              <a14:hiddenLine xmlns:a14="http://schemas.microsoft.com/office/drawing/2010/main" xmlns="" w="9525">
+              <a14:hiddenLine xmlns="" xmlns:a14="http://schemas.microsoft.com/office/drawing/2010/main" w="9525">
                 <a:solidFill>
                   <a:schemeClr val="tx1"/>
                 </a:solidFill>
@@ -44075,7 +43902,7 @@
               </a14:hiddenLine>
             </a:ext>
             <a:ext uri="{AF507438-7753-43E0-B8FC-AC1667EBCBE1}">
-              <a14:hiddenEffects xmlns:a14="http://schemas.microsoft.com/office/drawing/2010/main" xmlns="">
+              <a14:hiddenEffects xmlns="" xmlns:a14="http://schemas.microsoft.com/office/drawing/2010/main">
                 <a:effectLst>
                   <a:outerShdw dist="35921" dir="2700000" algn="ctr" rotWithShape="0">
                     <a:schemeClr val="bg2"/>
@@ -44284,7 +44111,7 @@
     </p:spTree>
     <p:extLst>
       <p:ext uri="{BB962C8B-B14F-4D97-AF65-F5344CB8AC3E}">
-        <p14:creationId xmlns:p14="http://schemas.microsoft.com/office/powerpoint/2010/main" xmlns="" val="2968460268"/>
+        <p14:creationId xmlns="" xmlns:p14="http://schemas.microsoft.com/office/powerpoint/2010/main" val="2968460268"/>
       </p:ext>
     </p:extLst>
   </p:cSld>
@@ -44447,14 +44274,14 @@
           <a:effectLst/>
           <a:extLst>
             <a:ext uri="{909E8E84-426E-40DD-AFC4-6F175D3DCCD1}">
-              <a14:hiddenFill xmlns:a14="http://schemas.microsoft.com/office/drawing/2010/main" xmlns="">
+              <a14:hiddenFill xmlns="" xmlns:a14="http://schemas.microsoft.com/office/drawing/2010/main">
                 <a:solidFill>
                   <a:schemeClr val="accent1"/>
                 </a:solidFill>
               </a14:hiddenFill>
             </a:ext>
             <a:ext uri="{91240B29-F687-4F45-9708-019B960494DF}">
-              <a14:hiddenLine xmlns:a14="http://schemas.microsoft.com/office/drawing/2010/main" xmlns="" w="9525">
+              <a14:hiddenLine xmlns="" xmlns:a14="http://schemas.microsoft.com/office/drawing/2010/main" w="9525">
                 <a:solidFill>
                   <a:schemeClr val="tx1"/>
                 </a:solidFill>
@@ -44464,7 +44291,7 @@
               </a14:hiddenLine>
             </a:ext>
             <a:ext uri="{AF507438-7753-43E0-B8FC-AC1667EBCBE1}">
-              <a14:hiddenEffects xmlns:a14="http://schemas.microsoft.com/office/drawing/2010/main" xmlns="">
+              <a14:hiddenEffects xmlns="" xmlns:a14="http://schemas.microsoft.com/office/drawing/2010/main">
                 <a:effectLst>
                   <a:outerShdw dist="35921" dir="2700000" algn="ctr" rotWithShape="0">
                     <a:schemeClr val="bg2"/>
@@ -44584,7 +44411,7 @@
           <a:blip r:embed="rId3" cstate="print">
             <a:extLst>
               <a:ext uri="{28A0092B-C50C-407E-A947-70E740481C1C}">
-                <a14:useLocalDpi xmlns:a14="http://schemas.microsoft.com/office/drawing/2010/main" xmlns="" val="0"/>
+                <a14:useLocalDpi xmlns="" xmlns:a14="http://schemas.microsoft.com/office/drawing/2010/main" val="0"/>
               </a:ext>
             </a:extLst>
           </a:blip>
@@ -44608,14 +44435,14 @@
           <a:effectLst/>
           <a:extLst>
             <a:ext uri="{909E8E84-426E-40DD-AFC4-6F175D3DCCD1}">
-              <a14:hiddenFill xmlns:a14="http://schemas.microsoft.com/office/drawing/2010/main" xmlns="">
+              <a14:hiddenFill xmlns="" xmlns:a14="http://schemas.microsoft.com/office/drawing/2010/main">
                 <a:solidFill>
                   <a:schemeClr val="accent1"/>
                 </a:solidFill>
               </a14:hiddenFill>
             </a:ext>
             <a:ext uri="{91240B29-F687-4F45-9708-019B960494DF}">
-              <a14:hiddenLine xmlns:a14="http://schemas.microsoft.com/office/drawing/2010/main" xmlns="" w="9525">
+              <a14:hiddenLine xmlns="" xmlns:a14="http://schemas.microsoft.com/office/drawing/2010/main" w="9525">
                 <a:solidFill>
                   <a:schemeClr val="tx1"/>
                 </a:solidFill>
@@ -44625,7 +44452,7 @@
               </a14:hiddenLine>
             </a:ext>
             <a:ext uri="{AF507438-7753-43E0-B8FC-AC1667EBCBE1}">
-              <a14:hiddenEffects xmlns:a14="http://schemas.microsoft.com/office/drawing/2010/main" xmlns="">
+              <a14:hiddenEffects xmlns="" xmlns:a14="http://schemas.microsoft.com/office/drawing/2010/main">
                 <a:effectLst>
                   <a:outerShdw dist="35921" dir="2700000" algn="ctr" rotWithShape="0">
                     <a:schemeClr val="bg2"/>
@@ -44639,7 +44466,7 @@
     </p:spTree>
     <p:extLst>
       <p:ext uri="{BB962C8B-B14F-4D97-AF65-F5344CB8AC3E}">
-        <p14:creationId xmlns:p14="http://schemas.microsoft.com/office/powerpoint/2010/main" xmlns="" val="2216479644"/>
+        <p14:creationId xmlns="" xmlns:p14="http://schemas.microsoft.com/office/powerpoint/2010/main" val="2216479644"/>
       </p:ext>
     </p:extLst>
   </p:cSld>
@@ -44802,14 +44629,14 @@
           <a:effectLst/>
           <a:extLst>
             <a:ext uri="{909E8E84-426E-40DD-AFC4-6F175D3DCCD1}">
-              <a14:hiddenFill xmlns:a14="http://schemas.microsoft.com/office/drawing/2010/main" xmlns="">
+              <a14:hiddenFill xmlns="" xmlns:a14="http://schemas.microsoft.com/office/drawing/2010/main">
                 <a:solidFill>
                   <a:schemeClr val="accent1"/>
                 </a:solidFill>
               </a14:hiddenFill>
             </a:ext>
             <a:ext uri="{91240B29-F687-4F45-9708-019B960494DF}">
-              <a14:hiddenLine xmlns:a14="http://schemas.microsoft.com/office/drawing/2010/main" xmlns="" w="9525">
+              <a14:hiddenLine xmlns="" xmlns:a14="http://schemas.microsoft.com/office/drawing/2010/main" w="9525">
                 <a:solidFill>
                   <a:schemeClr val="tx1"/>
                 </a:solidFill>
@@ -44819,7 +44646,7 @@
               </a14:hiddenLine>
             </a:ext>
             <a:ext uri="{AF507438-7753-43E0-B8FC-AC1667EBCBE1}">
-              <a14:hiddenEffects xmlns:a14="http://schemas.microsoft.com/office/drawing/2010/main" xmlns="">
+              <a14:hiddenEffects xmlns="" xmlns:a14="http://schemas.microsoft.com/office/drawing/2010/main">
                 <a:effectLst>
                   <a:outerShdw dist="35921" dir="2700000" algn="ctr" rotWithShape="0">
                     <a:schemeClr val="bg2"/>
@@ -44939,7 +44766,7 @@
           <a:blip r:embed="rId3" cstate="print">
             <a:extLst>
               <a:ext uri="{28A0092B-C50C-407E-A947-70E740481C1C}">
-                <a14:useLocalDpi xmlns:a14="http://schemas.microsoft.com/office/drawing/2010/main" xmlns="" val="0"/>
+                <a14:useLocalDpi xmlns="" xmlns:a14="http://schemas.microsoft.com/office/drawing/2010/main" val="0"/>
               </a:ext>
             </a:extLst>
           </a:blip>
@@ -44963,14 +44790,14 @@
           <a:effectLst/>
           <a:extLst>
             <a:ext uri="{909E8E84-426E-40DD-AFC4-6F175D3DCCD1}">
-              <a14:hiddenFill xmlns:a14="http://schemas.microsoft.com/office/drawing/2010/main" xmlns="">
+              <a14:hiddenFill xmlns="" xmlns:a14="http://schemas.microsoft.com/office/drawing/2010/main">
                 <a:solidFill>
                   <a:schemeClr val="accent1"/>
                 </a:solidFill>
               </a14:hiddenFill>
             </a:ext>
             <a:ext uri="{91240B29-F687-4F45-9708-019B960494DF}">
-              <a14:hiddenLine xmlns:a14="http://schemas.microsoft.com/office/drawing/2010/main" xmlns="" w="9525">
+              <a14:hiddenLine xmlns="" xmlns:a14="http://schemas.microsoft.com/office/drawing/2010/main" w="9525">
                 <a:solidFill>
                   <a:schemeClr val="tx1"/>
                 </a:solidFill>
@@ -44980,7 +44807,7 @@
               </a14:hiddenLine>
             </a:ext>
             <a:ext uri="{AF507438-7753-43E0-B8FC-AC1667EBCBE1}">
-              <a14:hiddenEffects xmlns:a14="http://schemas.microsoft.com/office/drawing/2010/main" xmlns="">
+              <a14:hiddenEffects xmlns="" xmlns:a14="http://schemas.microsoft.com/office/drawing/2010/main">
                 <a:effectLst>
                   <a:outerShdw dist="35921" dir="2700000" algn="ctr" rotWithShape="0">
                     <a:schemeClr val="bg2"/>
@@ -44994,7 +44821,7 @@
     </p:spTree>
     <p:extLst>
       <p:ext uri="{BB962C8B-B14F-4D97-AF65-F5344CB8AC3E}">
-        <p14:creationId xmlns:p14="http://schemas.microsoft.com/office/powerpoint/2010/main" xmlns="" val="3544474537"/>
+        <p14:creationId xmlns="" xmlns:p14="http://schemas.microsoft.com/office/powerpoint/2010/main" val="3544474537"/>
       </p:ext>
     </p:extLst>
   </p:cSld>
@@ -45157,14 +44984,14 @@
           <a:effectLst/>
           <a:extLst>
             <a:ext uri="{909E8E84-426E-40DD-AFC4-6F175D3DCCD1}">
-              <a14:hiddenFill xmlns:a14="http://schemas.microsoft.com/office/drawing/2010/main" xmlns="">
+              <a14:hiddenFill xmlns="" xmlns:a14="http://schemas.microsoft.com/office/drawing/2010/main">
                 <a:solidFill>
                   <a:schemeClr val="accent1"/>
                 </a:solidFill>
               </a14:hiddenFill>
             </a:ext>
             <a:ext uri="{91240B29-F687-4F45-9708-019B960494DF}">
-              <a14:hiddenLine xmlns:a14="http://schemas.microsoft.com/office/drawing/2010/main" xmlns="" w="9525">
+              <a14:hiddenLine xmlns="" xmlns:a14="http://schemas.microsoft.com/office/drawing/2010/main" w="9525">
                 <a:solidFill>
                   <a:schemeClr val="tx1"/>
                 </a:solidFill>
@@ -45174,7 +45001,7 @@
               </a14:hiddenLine>
             </a:ext>
             <a:ext uri="{AF507438-7753-43E0-B8FC-AC1667EBCBE1}">
-              <a14:hiddenEffects xmlns:a14="http://schemas.microsoft.com/office/drawing/2010/main" xmlns="">
+              <a14:hiddenEffects xmlns="" xmlns:a14="http://schemas.microsoft.com/office/drawing/2010/main">
                 <a:effectLst>
                   <a:outerShdw dist="35921" dir="2700000" algn="ctr" rotWithShape="0">
                     <a:schemeClr val="bg2"/>
@@ -45419,7 +45246,7 @@
     </p:spTree>
     <p:extLst>
       <p:ext uri="{BB962C8B-B14F-4D97-AF65-F5344CB8AC3E}">
-        <p14:creationId xmlns:p14="http://schemas.microsoft.com/office/powerpoint/2010/main" xmlns="" val="1485870699"/>
+        <p14:creationId xmlns="" xmlns:p14="http://schemas.microsoft.com/office/powerpoint/2010/main" val="1485870699"/>
       </p:ext>
     </p:extLst>
   </p:cSld>
@@ -45554,14 +45381,14 @@
           <a:effectLst/>
           <a:extLst>
             <a:ext uri="{909E8E84-426E-40DD-AFC4-6F175D3DCCD1}">
-              <a14:hiddenFill xmlns:a14="http://schemas.microsoft.com/office/drawing/2010/main" xmlns="">
+              <a14:hiddenFill xmlns="" xmlns:a14="http://schemas.microsoft.com/office/drawing/2010/main">
                 <a:solidFill>
                   <a:schemeClr val="accent1"/>
                 </a:solidFill>
               </a14:hiddenFill>
             </a:ext>
             <a:ext uri="{91240B29-F687-4F45-9708-019B960494DF}">
-              <a14:hiddenLine xmlns:a14="http://schemas.microsoft.com/office/drawing/2010/main" xmlns="" w="9525">
+              <a14:hiddenLine xmlns="" xmlns:a14="http://schemas.microsoft.com/office/drawing/2010/main" w="9525">
                 <a:solidFill>
                   <a:schemeClr val="tx1"/>
                 </a:solidFill>
@@ -45571,7 +45398,7 @@
               </a14:hiddenLine>
             </a:ext>
             <a:ext uri="{AF507438-7753-43E0-B8FC-AC1667EBCBE1}">
-              <a14:hiddenEffects xmlns:a14="http://schemas.microsoft.com/office/drawing/2010/main" xmlns="">
+              <a14:hiddenEffects xmlns="" xmlns:a14="http://schemas.microsoft.com/office/drawing/2010/main">
                 <a:effectLst>
                   <a:outerShdw dist="35921" dir="2700000" algn="ctr" rotWithShape="0">
                     <a:schemeClr val="bg2"/>
@@ -45691,7 +45518,7 @@
           <a:blip r:embed="rId3" cstate="print">
             <a:extLst>
               <a:ext uri="{28A0092B-C50C-407E-A947-70E740481C1C}">
-                <a14:useLocalDpi xmlns:a14="http://schemas.microsoft.com/office/drawing/2010/main" xmlns="" val="0"/>
+                <a14:useLocalDpi xmlns="" xmlns:a14="http://schemas.microsoft.com/office/drawing/2010/main" val="0"/>
               </a:ext>
             </a:extLst>
           </a:blip>
@@ -45715,14 +45542,14 @@
           <a:effectLst/>
           <a:extLst>
             <a:ext uri="{909E8E84-426E-40DD-AFC4-6F175D3DCCD1}">
-              <a14:hiddenFill xmlns:a14="http://schemas.microsoft.com/office/drawing/2010/main" xmlns="">
+              <a14:hiddenFill xmlns="" xmlns:a14="http://schemas.microsoft.com/office/drawing/2010/main">
                 <a:solidFill>
                   <a:schemeClr val="accent1"/>
                 </a:solidFill>
               </a14:hiddenFill>
             </a:ext>
             <a:ext uri="{91240B29-F687-4F45-9708-019B960494DF}">
-              <a14:hiddenLine xmlns:a14="http://schemas.microsoft.com/office/drawing/2010/main" xmlns="" w="9525">
+              <a14:hiddenLine xmlns="" xmlns:a14="http://schemas.microsoft.com/office/drawing/2010/main" w="9525">
                 <a:solidFill>
                   <a:schemeClr val="tx1"/>
                 </a:solidFill>
@@ -45732,7 +45559,7 @@
               </a14:hiddenLine>
             </a:ext>
             <a:ext uri="{AF507438-7753-43E0-B8FC-AC1667EBCBE1}">
-              <a14:hiddenEffects xmlns:a14="http://schemas.microsoft.com/office/drawing/2010/main" xmlns="">
+              <a14:hiddenEffects xmlns="" xmlns:a14="http://schemas.microsoft.com/office/drawing/2010/main">
                 <a:effectLst>
                   <a:outerShdw dist="35921" dir="2700000" algn="ctr" rotWithShape="0">
                     <a:schemeClr val="bg2"/>
@@ -45755,7 +45582,7 @@
           <a:blip r:embed="rId4" cstate="print">
             <a:extLst>
               <a:ext uri="{28A0092B-C50C-407E-A947-70E740481C1C}">
-                <a14:useLocalDpi xmlns:a14="http://schemas.microsoft.com/office/drawing/2010/main" xmlns="" val="0"/>
+                <a14:useLocalDpi xmlns="" xmlns:a14="http://schemas.microsoft.com/office/drawing/2010/main" val="0"/>
               </a:ext>
             </a:extLst>
           </a:blip>
@@ -45779,14 +45606,14 @@
           <a:effectLst/>
           <a:extLst>
             <a:ext uri="{909E8E84-426E-40DD-AFC4-6F175D3DCCD1}">
-              <a14:hiddenFill xmlns:a14="http://schemas.microsoft.com/office/drawing/2010/main" xmlns="">
+              <a14:hiddenFill xmlns="" xmlns:a14="http://schemas.microsoft.com/office/drawing/2010/main">
                 <a:solidFill>
                   <a:schemeClr val="accent1"/>
                 </a:solidFill>
               </a14:hiddenFill>
             </a:ext>
             <a:ext uri="{91240B29-F687-4F45-9708-019B960494DF}">
-              <a14:hiddenLine xmlns:a14="http://schemas.microsoft.com/office/drawing/2010/main" xmlns="" w="9525">
+              <a14:hiddenLine xmlns="" xmlns:a14="http://schemas.microsoft.com/office/drawing/2010/main" w="9525">
                 <a:solidFill>
                   <a:schemeClr val="tx1"/>
                 </a:solidFill>
@@ -45796,7 +45623,7 @@
               </a14:hiddenLine>
             </a:ext>
             <a:ext uri="{AF507438-7753-43E0-B8FC-AC1667EBCBE1}">
-              <a14:hiddenEffects xmlns:a14="http://schemas.microsoft.com/office/drawing/2010/main" xmlns="">
+              <a14:hiddenEffects xmlns="" xmlns:a14="http://schemas.microsoft.com/office/drawing/2010/main">
                 <a:effectLst>
                   <a:outerShdw dist="35921" dir="2700000" algn="ctr" rotWithShape="0">
                     <a:schemeClr val="bg2"/>
@@ -45810,7 +45637,7 @@
     </p:spTree>
     <p:extLst>
       <p:ext uri="{BB962C8B-B14F-4D97-AF65-F5344CB8AC3E}">
-        <p14:creationId xmlns:p14="http://schemas.microsoft.com/office/powerpoint/2010/main" xmlns="" val="1967642939"/>
+        <p14:creationId xmlns="" xmlns:p14="http://schemas.microsoft.com/office/powerpoint/2010/main" val="1967642939"/>
       </p:ext>
     </p:extLst>
   </p:cSld>
@@ -45982,14 +45809,14 @@
           <a:effectLst/>
           <a:extLst>
             <a:ext uri="{909E8E84-426E-40DD-AFC4-6F175D3DCCD1}">
-              <a14:hiddenFill xmlns:a14="http://schemas.microsoft.com/office/drawing/2010/main" xmlns="">
+              <a14:hiddenFill xmlns="" xmlns:a14="http://schemas.microsoft.com/office/drawing/2010/main">
                 <a:solidFill>
                   <a:schemeClr val="accent1"/>
                 </a:solidFill>
               </a14:hiddenFill>
             </a:ext>
             <a:ext uri="{91240B29-F687-4F45-9708-019B960494DF}">
-              <a14:hiddenLine xmlns:a14="http://schemas.microsoft.com/office/drawing/2010/main" xmlns="" w="9525">
+              <a14:hiddenLine xmlns="" xmlns:a14="http://schemas.microsoft.com/office/drawing/2010/main" w="9525">
                 <a:solidFill>
                   <a:schemeClr val="tx1"/>
                 </a:solidFill>
@@ -45999,7 +45826,7 @@
               </a14:hiddenLine>
             </a:ext>
             <a:ext uri="{AF507438-7753-43E0-B8FC-AC1667EBCBE1}">
-              <a14:hiddenEffects xmlns:a14="http://schemas.microsoft.com/office/drawing/2010/main" xmlns="">
+              <a14:hiddenEffects xmlns="" xmlns:a14="http://schemas.microsoft.com/office/drawing/2010/main">
                 <a:effectLst>
                   <a:outerShdw dist="35921" dir="2700000" algn="ctr" rotWithShape="0">
                     <a:schemeClr val="bg2"/>
@@ -46119,7 +45946,7 @@
           <a:blip r:embed="rId3" cstate="print">
             <a:extLst>
               <a:ext uri="{28A0092B-C50C-407E-A947-70E740481C1C}">
-                <a14:useLocalDpi xmlns:a14="http://schemas.microsoft.com/office/drawing/2010/main" xmlns="" val="0"/>
+                <a14:useLocalDpi xmlns="" xmlns:a14="http://schemas.microsoft.com/office/drawing/2010/main" val="0"/>
               </a:ext>
             </a:extLst>
           </a:blip>
@@ -46143,14 +45970,14 @@
           <a:effectLst/>
           <a:extLst>
             <a:ext uri="{909E8E84-426E-40DD-AFC4-6F175D3DCCD1}">
-              <a14:hiddenFill xmlns:a14="http://schemas.microsoft.com/office/drawing/2010/main" xmlns="">
+              <a14:hiddenFill xmlns="" xmlns:a14="http://schemas.microsoft.com/office/drawing/2010/main">
                 <a:solidFill>
                   <a:schemeClr val="accent1"/>
                 </a:solidFill>
               </a14:hiddenFill>
             </a:ext>
             <a:ext uri="{91240B29-F687-4F45-9708-019B960494DF}">
-              <a14:hiddenLine xmlns:a14="http://schemas.microsoft.com/office/drawing/2010/main" xmlns="" w="9525">
+              <a14:hiddenLine xmlns="" xmlns:a14="http://schemas.microsoft.com/office/drawing/2010/main" w="9525">
                 <a:solidFill>
                   <a:schemeClr val="tx1"/>
                 </a:solidFill>
@@ -46160,7 +45987,7 @@
               </a14:hiddenLine>
             </a:ext>
             <a:ext uri="{AF507438-7753-43E0-B8FC-AC1667EBCBE1}">
-              <a14:hiddenEffects xmlns:a14="http://schemas.microsoft.com/office/drawing/2010/main" xmlns="">
+              <a14:hiddenEffects xmlns="" xmlns:a14="http://schemas.microsoft.com/office/drawing/2010/main">
                 <a:effectLst>
                   <a:outerShdw dist="35921" dir="2700000" algn="ctr" rotWithShape="0">
                     <a:schemeClr val="bg2"/>
@@ -46174,7 +46001,7 @@
     </p:spTree>
     <p:extLst>
       <p:ext uri="{BB962C8B-B14F-4D97-AF65-F5344CB8AC3E}">
-        <p14:creationId xmlns:p14="http://schemas.microsoft.com/office/powerpoint/2010/main" xmlns="" val="1691107881"/>
+        <p14:creationId xmlns="" xmlns:p14="http://schemas.microsoft.com/office/powerpoint/2010/main" val="1691107881"/>
       </p:ext>
     </p:extLst>
   </p:cSld>
@@ -47561,7 +47388,7 @@
     </p:spTree>
     <p:extLst>
       <p:ext uri="{BB962C8B-B14F-4D97-AF65-F5344CB8AC3E}">
-        <p14:creationId xmlns:p14="http://schemas.microsoft.com/office/powerpoint/2010/main" xmlns="" val="3123077058"/>
+        <p14:creationId xmlns="" xmlns:p14="http://schemas.microsoft.com/office/powerpoint/2010/main" val="3123077058"/>
       </p:ext>
     </p:extLst>
   </p:cSld>
@@ -47712,7 +47539,7 @@
           <a:blip r:embed="rId3" cstate="print">
             <a:extLst>
               <a:ext uri="{28A0092B-C50C-407E-A947-70E740481C1C}">
-                <a14:useLocalDpi xmlns:a14="http://schemas.microsoft.com/office/drawing/2010/main" xmlns="" val="0"/>
+                <a14:useLocalDpi xmlns="" xmlns:a14="http://schemas.microsoft.com/office/drawing/2010/main" val="0"/>
               </a:ext>
             </a:extLst>
           </a:blip>
@@ -47736,14 +47563,14 @@
           <a:effectLst/>
           <a:extLst>
             <a:ext uri="{909E8E84-426E-40DD-AFC4-6F175D3DCCD1}">
-              <a14:hiddenFill xmlns:a14="http://schemas.microsoft.com/office/drawing/2010/main" xmlns="">
+              <a14:hiddenFill xmlns="" xmlns:a14="http://schemas.microsoft.com/office/drawing/2010/main">
                 <a:solidFill>
                   <a:schemeClr val="accent1"/>
                 </a:solidFill>
               </a14:hiddenFill>
             </a:ext>
             <a:ext uri="{91240B29-F687-4F45-9708-019B960494DF}">
-              <a14:hiddenLine xmlns:a14="http://schemas.microsoft.com/office/drawing/2010/main" xmlns="" w="9525">
+              <a14:hiddenLine xmlns="" xmlns:a14="http://schemas.microsoft.com/office/drawing/2010/main" w="9525">
                 <a:solidFill>
                   <a:schemeClr val="tx1"/>
                 </a:solidFill>
@@ -47753,7 +47580,7 @@
               </a14:hiddenLine>
             </a:ext>
             <a:ext uri="{AF507438-7753-43E0-B8FC-AC1667EBCBE1}">
-              <a14:hiddenEffects xmlns:a14="http://schemas.microsoft.com/office/drawing/2010/main" xmlns="">
+              <a14:hiddenEffects xmlns="" xmlns:a14="http://schemas.microsoft.com/office/drawing/2010/main">
                 <a:effectLst>
                   <a:outerShdw dist="35921" dir="2700000" algn="ctr" rotWithShape="0">
                     <a:schemeClr val="bg2"/>
@@ -47867,7 +47694,7 @@
     </p:spTree>
     <p:extLst>
       <p:ext uri="{BB962C8B-B14F-4D97-AF65-F5344CB8AC3E}">
-        <p14:creationId xmlns:p14="http://schemas.microsoft.com/office/powerpoint/2010/main" xmlns="" val="2657600093"/>
+        <p14:creationId xmlns="" xmlns:p14="http://schemas.microsoft.com/office/powerpoint/2010/main" val="2657600093"/>
       </p:ext>
     </p:extLst>
   </p:cSld>
@@ -48077,14 +47904,14 @@
           <a:effectLst/>
           <a:extLst>
             <a:ext uri="{909E8E84-426E-40DD-AFC4-6F175D3DCCD1}">
-              <a14:hiddenFill xmlns:a14="http://schemas.microsoft.com/office/drawing/2010/main" xmlns="">
+              <a14:hiddenFill xmlns="" xmlns:a14="http://schemas.microsoft.com/office/drawing/2010/main">
                 <a:solidFill>
                   <a:schemeClr val="accent1"/>
                 </a:solidFill>
               </a14:hiddenFill>
             </a:ext>
             <a:ext uri="{91240B29-F687-4F45-9708-019B960494DF}">
-              <a14:hiddenLine xmlns:a14="http://schemas.microsoft.com/office/drawing/2010/main" xmlns="" w="9525">
+              <a14:hiddenLine xmlns="" xmlns:a14="http://schemas.microsoft.com/office/drawing/2010/main" w="9525">
                 <a:solidFill>
                   <a:schemeClr val="tx1"/>
                 </a:solidFill>
@@ -48094,7 +47921,7 @@
               </a14:hiddenLine>
             </a:ext>
             <a:ext uri="{AF507438-7753-43E0-B8FC-AC1667EBCBE1}">
-              <a14:hiddenEffects xmlns:a14="http://schemas.microsoft.com/office/drawing/2010/main" xmlns="">
+              <a14:hiddenEffects xmlns="" xmlns:a14="http://schemas.microsoft.com/office/drawing/2010/main">
                 <a:effectLst>
                   <a:outerShdw dist="35921" dir="2700000" algn="ctr" rotWithShape="0">
                     <a:schemeClr val="bg2"/>
@@ -48334,7 +48161,7 @@
           <a:blip r:embed="rId3" cstate="print">
             <a:extLst>
               <a:ext uri="{28A0092B-C50C-407E-A947-70E740481C1C}">
-                <a14:useLocalDpi xmlns:a14="http://schemas.microsoft.com/office/drawing/2010/main" xmlns="" val="0"/>
+                <a14:useLocalDpi xmlns="" xmlns:a14="http://schemas.microsoft.com/office/drawing/2010/main" val="0"/>
               </a:ext>
             </a:extLst>
           </a:blip>
@@ -48358,14 +48185,14 @@
           <a:effectLst/>
           <a:extLst>
             <a:ext uri="{909E8E84-426E-40DD-AFC4-6F175D3DCCD1}">
-              <a14:hiddenFill xmlns:a14="http://schemas.microsoft.com/office/drawing/2010/main" xmlns="">
+              <a14:hiddenFill xmlns="" xmlns:a14="http://schemas.microsoft.com/office/drawing/2010/main">
                 <a:solidFill>
                   <a:schemeClr val="accent1"/>
                 </a:solidFill>
               </a14:hiddenFill>
             </a:ext>
             <a:ext uri="{91240B29-F687-4F45-9708-019B960494DF}">
-              <a14:hiddenLine xmlns:a14="http://schemas.microsoft.com/office/drawing/2010/main" xmlns="" w="9525">
+              <a14:hiddenLine xmlns="" xmlns:a14="http://schemas.microsoft.com/office/drawing/2010/main" w="9525">
                 <a:solidFill>
                   <a:schemeClr val="tx1"/>
                 </a:solidFill>
@@ -48375,7 +48202,7 @@
               </a14:hiddenLine>
             </a:ext>
             <a:ext uri="{AF507438-7753-43E0-B8FC-AC1667EBCBE1}">
-              <a14:hiddenEffects xmlns:a14="http://schemas.microsoft.com/office/drawing/2010/main" xmlns="">
+              <a14:hiddenEffects xmlns="" xmlns:a14="http://schemas.microsoft.com/office/drawing/2010/main">
                 <a:effectLst>
                   <a:outerShdw dist="35921" dir="2700000" algn="ctr" rotWithShape="0">
                     <a:schemeClr val="bg2"/>
@@ -48439,7 +48266,7 @@
     </p:spTree>
     <p:extLst>
       <p:ext uri="{BB962C8B-B14F-4D97-AF65-F5344CB8AC3E}">
-        <p14:creationId xmlns:p14="http://schemas.microsoft.com/office/powerpoint/2010/main" xmlns="" val="1365126445"/>
+        <p14:creationId xmlns="" xmlns:p14="http://schemas.microsoft.com/office/powerpoint/2010/main" val="1365126445"/>
       </p:ext>
     </p:extLst>
   </p:cSld>
@@ -48556,14 +48383,14 @@
           <a:effectLst/>
           <a:extLst>
             <a:ext uri="{909E8E84-426E-40DD-AFC4-6F175D3DCCD1}">
-              <a14:hiddenFill xmlns:a14="http://schemas.microsoft.com/office/drawing/2010/main" xmlns="">
+              <a14:hiddenFill xmlns="" xmlns:a14="http://schemas.microsoft.com/office/drawing/2010/main">
                 <a:solidFill>
                   <a:schemeClr val="accent1"/>
                 </a:solidFill>
               </a14:hiddenFill>
             </a:ext>
             <a:ext uri="{91240B29-F687-4F45-9708-019B960494DF}">
-              <a14:hiddenLine xmlns:a14="http://schemas.microsoft.com/office/drawing/2010/main" xmlns="" w="9525">
+              <a14:hiddenLine xmlns="" xmlns:a14="http://schemas.microsoft.com/office/drawing/2010/main" w="9525">
                 <a:solidFill>
                   <a:schemeClr val="tx1"/>
                 </a:solidFill>
@@ -48573,7 +48400,7 @@
               </a14:hiddenLine>
             </a:ext>
             <a:ext uri="{AF507438-7753-43E0-B8FC-AC1667EBCBE1}">
-              <a14:hiddenEffects xmlns:a14="http://schemas.microsoft.com/office/drawing/2010/main" xmlns="">
+              <a14:hiddenEffects xmlns="" xmlns:a14="http://schemas.microsoft.com/office/drawing/2010/main">
                 <a:effectLst>
                   <a:outerShdw dist="35921" dir="2700000" algn="ctr" rotWithShape="0">
                     <a:schemeClr val="bg2"/>
@@ -48693,7 +48520,7 @@
           <a:blip r:embed="rId3" cstate="print">
             <a:extLst>
               <a:ext uri="{28A0092B-C50C-407E-A947-70E740481C1C}">
-                <a14:useLocalDpi xmlns:a14="http://schemas.microsoft.com/office/drawing/2010/main" xmlns="" val="0"/>
+                <a14:useLocalDpi xmlns="" xmlns:a14="http://schemas.microsoft.com/office/drawing/2010/main" val="0"/>
               </a:ext>
             </a:extLst>
           </a:blip>
@@ -48717,14 +48544,14 @@
           <a:effectLst/>
           <a:extLst>
             <a:ext uri="{909E8E84-426E-40DD-AFC4-6F175D3DCCD1}">
-              <a14:hiddenFill xmlns:a14="http://schemas.microsoft.com/office/drawing/2010/main" xmlns="">
+              <a14:hiddenFill xmlns="" xmlns:a14="http://schemas.microsoft.com/office/drawing/2010/main">
                 <a:solidFill>
                   <a:schemeClr val="accent1"/>
                 </a:solidFill>
               </a14:hiddenFill>
             </a:ext>
             <a:ext uri="{91240B29-F687-4F45-9708-019B960494DF}">
-              <a14:hiddenLine xmlns:a14="http://schemas.microsoft.com/office/drawing/2010/main" xmlns="" w="9525">
+              <a14:hiddenLine xmlns="" xmlns:a14="http://schemas.microsoft.com/office/drawing/2010/main" w="9525">
                 <a:solidFill>
                   <a:schemeClr val="tx1"/>
                 </a:solidFill>
@@ -48734,7 +48561,7 @@
               </a14:hiddenLine>
             </a:ext>
             <a:ext uri="{AF507438-7753-43E0-B8FC-AC1667EBCBE1}">
-              <a14:hiddenEffects xmlns:a14="http://schemas.microsoft.com/office/drawing/2010/main" xmlns="">
+              <a14:hiddenEffects xmlns="" xmlns:a14="http://schemas.microsoft.com/office/drawing/2010/main">
                 <a:effectLst>
                   <a:outerShdw dist="35921" dir="2700000" algn="ctr" rotWithShape="0">
                     <a:schemeClr val="bg2"/>
@@ -48748,7 +48575,7 @@
     </p:spTree>
     <p:extLst>
       <p:ext uri="{BB962C8B-B14F-4D97-AF65-F5344CB8AC3E}">
-        <p14:creationId xmlns:p14="http://schemas.microsoft.com/office/powerpoint/2010/main" xmlns="" val="3750442438"/>
+        <p14:creationId xmlns="" xmlns:p14="http://schemas.microsoft.com/office/powerpoint/2010/main" val="3750442438"/>
       </p:ext>
     </p:extLst>
   </p:cSld>
@@ -48980,14 +48807,14 @@
           <a:effectLst/>
           <a:extLst>
             <a:ext uri="{909E8E84-426E-40DD-AFC4-6F175D3DCCD1}">
-              <a14:hiddenFill xmlns:a14="http://schemas.microsoft.com/office/drawing/2010/main" xmlns="">
+              <a14:hiddenFill xmlns="" xmlns:a14="http://schemas.microsoft.com/office/drawing/2010/main">
                 <a:solidFill>
                   <a:schemeClr val="accent1"/>
                 </a:solidFill>
               </a14:hiddenFill>
             </a:ext>
             <a:ext uri="{91240B29-F687-4F45-9708-019B960494DF}">
-              <a14:hiddenLine xmlns:a14="http://schemas.microsoft.com/office/drawing/2010/main" xmlns="" w="9525">
+              <a14:hiddenLine xmlns="" xmlns:a14="http://schemas.microsoft.com/office/drawing/2010/main" w="9525">
                 <a:solidFill>
                   <a:schemeClr val="tx1"/>
                 </a:solidFill>
@@ -48997,7 +48824,7 @@
               </a14:hiddenLine>
             </a:ext>
             <a:ext uri="{AF507438-7753-43E0-B8FC-AC1667EBCBE1}">
-              <a14:hiddenEffects xmlns:a14="http://schemas.microsoft.com/office/drawing/2010/main" xmlns="">
+              <a14:hiddenEffects xmlns="" xmlns:a14="http://schemas.microsoft.com/office/drawing/2010/main">
                 <a:effectLst>
                   <a:outerShdw dist="35921" dir="2700000" algn="ctr" rotWithShape="0">
                     <a:schemeClr val="bg2"/>
@@ -49117,7 +48944,7 @@
           <a:blip r:embed="rId3" cstate="print">
             <a:extLst>
               <a:ext uri="{28A0092B-C50C-407E-A947-70E740481C1C}">
-                <a14:useLocalDpi xmlns:a14="http://schemas.microsoft.com/office/drawing/2010/main" xmlns="" val="0"/>
+                <a14:useLocalDpi xmlns="" xmlns:a14="http://schemas.microsoft.com/office/drawing/2010/main" val="0"/>
               </a:ext>
             </a:extLst>
           </a:blip>
@@ -49141,14 +48968,14 @@
           <a:effectLst/>
           <a:extLst>
             <a:ext uri="{909E8E84-426E-40DD-AFC4-6F175D3DCCD1}">
-              <a14:hiddenFill xmlns:a14="http://schemas.microsoft.com/office/drawing/2010/main" xmlns="">
+              <a14:hiddenFill xmlns="" xmlns:a14="http://schemas.microsoft.com/office/drawing/2010/main">
                 <a:solidFill>
                   <a:schemeClr val="accent1"/>
                 </a:solidFill>
               </a14:hiddenFill>
             </a:ext>
             <a:ext uri="{91240B29-F687-4F45-9708-019B960494DF}">
-              <a14:hiddenLine xmlns:a14="http://schemas.microsoft.com/office/drawing/2010/main" xmlns="" w="9525">
+              <a14:hiddenLine xmlns="" xmlns:a14="http://schemas.microsoft.com/office/drawing/2010/main" w="9525">
                 <a:solidFill>
                   <a:schemeClr val="tx1"/>
                 </a:solidFill>
@@ -49158,7 +48985,7 @@
               </a14:hiddenLine>
             </a:ext>
             <a:ext uri="{AF507438-7753-43E0-B8FC-AC1667EBCBE1}">
-              <a14:hiddenEffects xmlns:a14="http://schemas.microsoft.com/office/drawing/2010/main" xmlns="">
+              <a14:hiddenEffects xmlns="" xmlns:a14="http://schemas.microsoft.com/office/drawing/2010/main">
                 <a:effectLst>
                   <a:outerShdw dist="35921" dir="2700000" algn="ctr" rotWithShape="0">
                     <a:schemeClr val="bg2"/>
@@ -49222,7 +49049,7 @@
     </p:spTree>
     <p:extLst>
       <p:ext uri="{BB962C8B-B14F-4D97-AF65-F5344CB8AC3E}">
-        <p14:creationId xmlns:p14="http://schemas.microsoft.com/office/powerpoint/2010/main" xmlns="" val="3984448036"/>
+        <p14:creationId xmlns="" xmlns:p14="http://schemas.microsoft.com/office/powerpoint/2010/main" val="3984448036"/>
       </p:ext>
     </p:extLst>
   </p:cSld>
@@ -49505,14 +49332,14 @@
           <a:effectLst/>
           <a:extLst>
             <a:ext uri="{909E8E84-426E-40DD-AFC4-6F175D3DCCD1}">
-              <a14:hiddenFill xmlns:a14="http://schemas.microsoft.com/office/drawing/2010/main" xmlns="">
+              <a14:hiddenFill xmlns="" xmlns:a14="http://schemas.microsoft.com/office/drawing/2010/main">
                 <a:solidFill>
                   <a:schemeClr val="accent1"/>
                 </a:solidFill>
               </a14:hiddenFill>
             </a:ext>
             <a:ext uri="{91240B29-F687-4F45-9708-019B960494DF}">
-              <a14:hiddenLine xmlns:a14="http://schemas.microsoft.com/office/drawing/2010/main" xmlns="" w="9525">
+              <a14:hiddenLine xmlns="" xmlns:a14="http://schemas.microsoft.com/office/drawing/2010/main" w="9525">
                 <a:solidFill>
                   <a:schemeClr val="tx1"/>
                 </a:solidFill>
@@ -49522,7 +49349,7 @@
               </a14:hiddenLine>
             </a:ext>
             <a:ext uri="{AF507438-7753-43E0-B8FC-AC1667EBCBE1}">
-              <a14:hiddenEffects xmlns:a14="http://schemas.microsoft.com/office/drawing/2010/main" xmlns="">
+              <a14:hiddenEffects xmlns="" xmlns:a14="http://schemas.microsoft.com/office/drawing/2010/main">
                 <a:effectLst>
                   <a:outerShdw dist="35921" dir="2700000" algn="ctr" rotWithShape="0">
                     <a:schemeClr val="bg2"/>
@@ -49642,7 +49469,7 @@
           <a:blip r:embed="rId3" cstate="print">
             <a:extLst>
               <a:ext uri="{28A0092B-C50C-407E-A947-70E740481C1C}">
-                <a14:useLocalDpi xmlns:a14="http://schemas.microsoft.com/office/drawing/2010/main" xmlns="" val="0"/>
+                <a14:useLocalDpi xmlns="" xmlns:a14="http://schemas.microsoft.com/office/drawing/2010/main" val="0"/>
               </a:ext>
             </a:extLst>
           </a:blip>
@@ -49666,14 +49493,14 @@
           <a:effectLst/>
           <a:extLst>
             <a:ext uri="{909E8E84-426E-40DD-AFC4-6F175D3DCCD1}">
-              <a14:hiddenFill xmlns:a14="http://schemas.microsoft.com/office/drawing/2010/main" xmlns="">
+              <a14:hiddenFill xmlns="" xmlns:a14="http://schemas.microsoft.com/office/drawing/2010/main">
                 <a:solidFill>
                   <a:schemeClr val="accent1"/>
                 </a:solidFill>
               </a14:hiddenFill>
             </a:ext>
             <a:ext uri="{91240B29-F687-4F45-9708-019B960494DF}">
-              <a14:hiddenLine xmlns:a14="http://schemas.microsoft.com/office/drawing/2010/main" xmlns="" w="9525">
+              <a14:hiddenLine xmlns="" xmlns:a14="http://schemas.microsoft.com/office/drawing/2010/main" w="9525">
                 <a:solidFill>
                   <a:schemeClr val="tx1"/>
                 </a:solidFill>
@@ -49683,7 +49510,7 @@
               </a14:hiddenLine>
             </a:ext>
             <a:ext uri="{AF507438-7753-43E0-B8FC-AC1667EBCBE1}">
-              <a14:hiddenEffects xmlns:a14="http://schemas.microsoft.com/office/drawing/2010/main" xmlns="">
+              <a14:hiddenEffects xmlns="" xmlns:a14="http://schemas.microsoft.com/office/drawing/2010/main">
                 <a:effectLst>
                   <a:outerShdw dist="35921" dir="2700000" algn="ctr" rotWithShape="0">
                     <a:schemeClr val="bg2"/>
@@ -49706,7 +49533,7 @@
           <a:blip r:embed="rId4" cstate="print">
             <a:extLst>
               <a:ext uri="{28A0092B-C50C-407E-A947-70E740481C1C}">
-                <a14:useLocalDpi xmlns:a14="http://schemas.microsoft.com/office/drawing/2010/main" xmlns="" val="0"/>
+                <a14:useLocalDpi xmlns="" xmlns:a14="http://schemas.microsoft.com/office/drawing/2010/main" val="0"/>
               </a:ext>
             </a:extLst>
           </a:blip>
@@ -49730,14 +49557,14 @@
           <a:effectLst/>
           <a:extLst>
             <a:ext uri="{909E8E84-426E-40DD-AFC4-6F175D3DCCD1}">
-              <a14:hiddenFill xmlns:a14="http://schemas.microsoft.com/office/drawing/2010/main" xmlns="">
+              <a14:hiddenFill xmlns="" xmlns:a14="http://schemas.microsoft.com/office/drawing/2010/main">
                 <a:solidFill>
                   <a:schemeClr val="accent1"/>
                 </a:solidFill>
               </a14:hiddenFill>
             </a:ext>
             <a:ext uri="{91240B29-F687-4F45-9708-019B960494DF}">
-              <a14:hiddenLine xmlns:a14="http://schemas.microsoft.com/office/drawing/2010/main" xmlns="" w="9525">
+              <a14:hiddenLine xmlns="" xmlns:a14="http://schemas.microsoft.com/office/drawing/2010/main" w="9525">
                 <a:solidFill>
                   <a:schemeClr val="tx1"/>
                 </a:solidFill>
@@ -49747,7 +49574,7 @@
               </a14:hiddenLine>
             </a:ext>
             <a:ext uri="{AF507438-7753-43E0-B8FC-AC1667EBCBE1}">
-              <a14:hiddenEffects xmlns:a14="http://schemas.microsoft.com/office/drawing/2010/main" xmlns="">
+              <a14:hiddenEffects xmlns="" xmlns:a14="http://schemas.microsoft.com/office/drawing/2010/main">
                 <a:effectLst>
                   <a:outerShdw dist="35921" dir="2700000" algn="ctr" rotWithShape="0">
                     <a:schemeClr val="bg2"/>
@@ -49811,7 +49638,7 @@
     </p:spTree>
     <p:extLst>
       <p:ext uri="{BB962C8B-B14F-4D97-AF65-F5344CB8AC3E}">
-        <p14:creationId xmlns:p14="http://schemas.microsoft.com/office/powerpoint/2010/main" xmlns="" val="3241502796"/>
+        <p14:creationId xmlns="" xmlns:p14="http://schemas.microsoft.com/office/powerpoint/2010/main" val="3241502796"/>
       </p:ext>
     </p:extLst>
   </p:cSld>
@@ -49968,14 +49795,14 @@
           <a:effectLst/>
           <a:extLst>
             <a:ext uri="{909E8E84-426E-40DD-AFC4-6F175D3DCCD1}">
-              <a14:hiddenFill xmlns:a14="http://schemas.microsoft.com/office/drawing/2010/main" xmlns="">
+              <a14:hiddenFill xmlns="" xmlns:a14="http://schemas.microsoft.com/office/drawing/2010/main">
                 <a:solidFill>
                   <a:schemeClr val="accent1"/>
                 </a:solidFill>
               </a14:hiddenFill>
             </a:ext>
             <a:ext uri="{91240B29-F687-4F45-9708-019B960494DF}">
-              <a14:hiddenLine xmlns:a14="http://schemas.microsoft.com/office/drawing/2010/main" xmlns="" w="9525">
+              <a14:hiddenLine xmlns="" xmlns:a14="http://schemas.microsoft.com/office/drawing/2010/main" w="9525">
                 <a:solidFill>
                   <a:schemeClr val="tx1"/>
                 </a:solidFill>
@@ -49985,7 +49812,7 @@
               </a14:hiddenLine>
             </a:ext>
             <a:ext uri="{AF507438-7753-43E0-B8FC-AC1667EBCBE1}">
-              <a14:hiddenEffects xmlns:a14="http://schemas.microsoft.com/office/drawing/2010/main" xmlns="">
+              <a14:hiddenEffects xmlns="" xmlns:a14="http://schemas.microsoft.com/office/drawing/2010/main">
                 <a:effectLst>
                   <a:outerShdw dist="35921" dir="2700000" algn="ctr" rotWithShape="0">
                     <a:schemeClr val="bg2"/>
@@ -50105,7 +49932,7 @@
           <a:blip r:embed="rId3" cstate="print">
             <a:extLst>
               <a:ext uri="{28A0092B-C50C-407E-A947-70E740481C1C}">
-                <a14:useLocalDpi xmlns:a14="http://schemas.microsoft.com/office/drawing/2010/main" xmlns="" val="0"/>
+                <a14:useLocalDpi xmlns="" xmlns:a14="http://schemas.microsoft.com/office/drawing/2010/main" val="0"/>
               </a:ext>
             </a:extLst>
           </a:blip>
@@ -50129,14 +49956,14 @@
           <a:effectLst/>
           <a:extLst>
             <a:ext uri="{909E8E84-426E-40DD-AFC4-6F175D3DCCD1}">
-              <a14:hiddenFill xmlns:a14="http://schemas.microsoft.com/office/drawing/2010/main" xmlns="">
+              <a14:hiddenFill xmlns="" xmlns:a14="http://schemas.microsoft.com/office/drawing/2010/main">
                 <a:solidFill>
                   <a:schemeClr val="accent1"/>
                 </a:solidFill>
               </a14:hiddenFill>
             </a:ext>
             <a:ext uri="{91240B29-F687-4F45-9708-019B960494DF}">
-              <a14:hiddenLine xmlns:a14="http://schemas.microsoft.com/office/drawing/2010/main" xmlns="" w="9525">
+              <a14:hiddenLine xmlns="" xmlns:a14="http://schemas.microsoft.com/office/drawing/2010/main" w="9525">
                 <a:solidFill>
                   <a:schemeClr val="tx1"/>
                 </a:solidFill>
@@ -50146,7 +49973,7 @@
               </a14:hiddenLine>
             </a:ext>
             <a:ext uri="{AF507438-7753-43E0-B8FC-AC1667EBCBE1}">
-              <a14:hiddenEffects xmlns:a14="http://schemas.microsoft.com/office/drawing/2010/main" xmlns="">
+              <a14:hiddenEffects xmlns="" xmlns:a14="http://schemas.microsoft.com/office/drawing/2010/main">
                 <a:effectLst>
                   <a:outerShdw dist="35921" dir="2700000" algn="ctr" rotWithShape="0">
                     <a:schemeClr val="bg2"/>
@@ -50214,7 +50041,7 @@
           <a:blip r:embed="rId4" cstate="print">
             <a:extLst>
               <a:ext uri="{28A0092B-C50C-407E-A947-70E740481C1C}">
-                <a14:useLocalDpi xmlns:a14="http://schemas.microsoft.com/office/drawing/2010/main" xmlns="" val="0"/>
+                <a14:useLocalDpi xmlns="" xmlns:a14="http://schemas.microsoft.com/office/drawing/2010/main" val="0"/>
               </a:ext>
             </a:extLst>
           </a:blip>
@@ -50238,14 +50065,14 @@
           <a:effectLst/>
           <a:extLst>
             <a:ext uri="{909E8E84-426E-40DD-AFC4-6F175D3DCCD1}">
-              <a14:hiddenFill xmlns:a14="http://schemas.microsoft.com/office/drawing/2010/main" xmlns="">
+              <a14:hiddenFill xmlns="" xmlns:a14="http://schemas.microsoft.com/office/drawing/2010/main">
                 <a:solidFill>
                   <a:schemeClr val="accent1"/>
                 </a:solidFill>
               </a14:hiddenFill>
             </a:ext>
             <a:ext uri="{91240B29-F687-4F45-9708-019B960494DF}">
-              <a14:hiddenLine xmlns:a14="http://schemas.microsoft.com/office/drawing/2010/main" xmlns="" w="9525">
+              <a14:hiddenLine xmlns="" xmlns:a14="http://schemas.microsoft.com/office/drawing/2010/main" w="9525">
                 <a:solidFill>
                   <a:schemeClr val="tx1"/>
                 </a:solidFill>
@@ -50255,7 +50082,7 @@
               </a14:hiddenLine>
             </a:ext>
             <a:ext uri="{AF507438-7753-43E0-B8FC-AC1667EBCBE1}">
-              <a14:hiddenEffects xmlns:a14="http://schemas.microsoft.com/office/drawing/2010/main" xmlns="">
+              <a14:hiddenEffects xmlns="" xmlns:a14="http://schemas.microsoft.com/office/drawing/2010/main">
                 <a:effectLst>
                   <a:outerShdw dist="35921" dir="2700000" algn="ctr" rotWithShape="0">
                     <a:schemeClr val="bg2"/>
@@ -50369,7 +50196,7 @@
     </p:spTree>
     <p:extLst>
       <p:ext uri="{BB962C8B-B14F-4D97-AF65-F5344CB8AC3E}">
-        <p14:creationId xmlns:p14="http://schemas.microsoft.com/office/powerpoint/2010/main" xmlns="" val="3241502796"/>
+        <p14:creationId xmlns="" xmlns:p14="http://schemas.microsoft.com/office/powerpoint/2010/main" val="3241502796"/>
       </p:ext>
     </p:extLst>
   </p:cSld>
@@ -50558,14 +50385,14 @@
           <a:effectLst/>
           <a:extLst>
             <a:ext uri="{909E8E84-426E-40DD-AFC4-6F175D3DCCD1}">
-              <a14:hiddenFill xmlns:a14="http://schemas.microsoft.com/office/drawing/2010/main" xmlns="">
+              <a14:hiddenFill xmlns="" xmlns:a14="http://schemas.microsoft.com/office/drawing/2010/main">
                 <a:solidFill>
                   <a:schemeClr val="accent1"/>
                 </a:solidFill>
               </a14:hiddenFill>
             </a:ext>
             <a:ext uri="{91240B29-F687-4F45-9708-019B960494DF}">
-              <a14:hiddenLine xmlns:a14="http://schemas.microsoft.com/office/drawing/2010/main" xmlns="" w="9525">
+              <a14:hiddenLine xmlns="" xmlns:a14="http://schemas.microsoft.com/office/drawing/2010/main" w="9525">
                 <a:solidFill>
                   <a:schemeClr val="tx1"/>
                 </a:solidFill>
@@ -50575,7 +50402,7 @@
               </a14:hiddenLine>
             </a:ext>
             <a:ext uri="{AF507438-7753-43E0-B8FC-AC1667EBCBE1}">
-              <a14:hiddenEffects xmlns:a14="http://schemas.microsoft.com/office/drawing/2010/main" xmlns="">
+              <a14:hiddenEffects xmlns="" xmlns:a14="http://schemas.microsoft.com/office/drawing/2010/main">
                 <a:effectLst>
                   <a:outerShdw dist="35921" dir="2700000" algn="ctr" rotWithShape="0">
                     <a:schemeClr val="bg2"/>
@@ -50695,7 +50522,7 @@
           <a:blip r:embed="rId3" cstate="print">
             <a:extLst>
               <a:ext uri="{28A0092B-C50C-407E-A947-70E740481C1C}">
-                <a14:useLocalDpi xmlns:a14="http://schemas.microsoft.com/office/drawing/2010/main" xmlns="" val="0"/>
+                <a14:useLocalDpi xmlns="" xmlns:a14="http://schemas.microsoft.com/office/drawing/2010/main" val="0"/>
               </a:ext>
             </a:extLst>
           </a:blip>
@@ -50719,14 +50546,14 @@
           <a:effectLst/>
           <a:extLst>
             <a:ext uri="{909E8E84-426E-40DD-AFC4-6F175D3DCCD1}">
-              <a14:hiddenFill xmlns:a14="http://schemas.microsoft.com/office/drawing/2010/main" xmlns="">
+              <a14:hiddenFill xmlns="" xmlns:a14="http://schemas.microsoft.com/office/drawing/2010/main">
                 <a:solidFill>
                   <a:schemeClr val="accent1"/>
                 </a:solidFill>
               </a14:hiddenFill>
             </a:ext>
             <a:ext uri="{91240B29-F687-4F45-9708-019B960494DF}">
-              <a14:hiddenLine xmlns:a14="http://schemas.microsoft.com/office/drawing/2010/main" xmlns="" w="9525">
+              <a14:hiddenLine xmlns="" xmlns:a14="http://schemas.microsoft.com/office/drawing/2010/main" w="9525">
                 <a:solidFill>
                   <a:schemeClr val="tx1"/>
                 </a:solidFill>
@@ -50736,7 +50563,7 @@
               </a14:hiddenLine>
             </a:ext>
             <a:ext uri="{AF507438-7753-43E0-B8FC-AC1667EBCBE1}">
-              <a14:hiddenEffects xmlns:a14="http://schemas.microsoft.com/office/drawing/2010/main" xmlns="">
+              <a14:hiddenEffects xmlns="" xmlns:a14="http://schemas.microsoft.com/office/drawing/2010/main">
                 <a:effectLst>
                   <a:outerShdw dist="35921" dir="2700000" algn="ctr" rotWithShape="0">
                     <a:schemeClr val="bg2"/>
@@ -50759,7 +50586,7 @@
           <a:blip r:embed="rId4" cstate="print">
             <a:extLst>
               <a:ext uri="{28A0092B-C50C-407E-A947-70E740481C1C}">
-                <a14:useLocalDpi xmlns:a14="http://schemas.microsoft.com/office/drawing/2010/main" xmlns="" val="0"/>
+                <a14:useLocalDpi xmlns="" xmlns:a14="http://schemas.microsoft.com/office/drawing/2010/main" val="0"/>
               </a:ext>
             </a:extLst>
           </a:blip>
@@ -50783,14 +50610,14 @@
           <a:effectLst/>
           <a:extLst>
             <a:ext uri="{909E8E84-426E-40DD-AFC4-6F175D3DCCD1}">
-              <a14:hiddenFill xmlns:a14="http://schemas.microsoft.com/office/drawing/2010/main" xmlns="">
+              <a14:hiddenFill xmlns="" xmlns:a14="http://schemas.microsoft.com/office/drawing/2010/main">
                 <a:solidFill>
                   <a:schemeClr val="accent1"/>
                 </a:solidFill>
               </a14:hiddenFill>
             </a:ext>
             <a:ext uri="{91240B29-F687-4F45-9708-019B960494DF}">
-              <a14:hiddenLine xmlns:a14="http://schemas.microsoft.com/office/drawing/2010/main" xmlns="" w="9525">
+              <a14:hiddenLine xmlns="" xmlns:a14="http://schemas.microsoft.com/office/drawing/2010/main" w="9525">
                 <a:solidFill>
                   <a:schemeClr val="tx1"/>
                 </a:solidFill>
@@ -50800,7 +50627,7 @@
               </a14:hiddenLine>
             </a:ext>
             <a:ext uri="{AF507438-7753-43E0-B8FC-AC1667EBCBE1}">
-              <a14:hiddenEffects xmlns:a14="http://schemas.microsoft.com/office/drawing/2010/main" xmlns="">
+              <a14:hiddenEffects xmlns="" xmlns:a14="http://schemas.microsoft.com/office/drawing/2010/main">
                 <a:effectLst>
                   <a:outerShdw dist="35921" dir="2700000" algn="ctr" rotWithShape="0">
                     <a:schemeClr val="bg2"/>
@@ -50823,7 +50650,7 @@
           <a:blip r:embed="rId5" cstate="print">
             <a:extLst>
               <a:ext uri="{28A0092B-C50C-407E-A947-70E740481C1C}">
-                <a14:useLocalDpi xmlns:a14="http://schemas.microsoft.com/office/drawing/2010/main" xmlns="" val="0"/>
+                <a14:useLocalDpi xmlns="" xmlns:a14="http://schemas.microsoft.com/office/drawing/2010/main" val="0"/>
               </a:ext>
             </a:extLst>
           </a:blip>
@@ -50847,14 +50674,14 @@
           <a:effectLst/>
           <a:extLst>
             <a:ext uri="{909E8E84-426E-40DD-AFC4-6F175D3DCCD1}">
-              <a14:hiddenFill xmlns:a14="http://schemas.microsoft.com/office/drawing/2010/main" xmlns="">
+              <a14:hiddenFill xmlns="" xmlns:a14="http://schemas.microsoft.com/office/drawing/2010/main">
                 <a:solidFill>
                   <a:schemeClr val="accent1"/>
                 </a:solidFill>
               </a14:hiddenFill>
             </a:ext>
             <a:ext uri="{91240B29-F687-4F45-9708-019B960494DF}">
-              <a14:hiddenLine xmlns:a14="http://schemas.microsoft.com/office/drawing/2010/main" xmlns="" w="9525">
+              <a14:hiddenLine xmlns="" xmlns:a14="http://schemas.microsoft.com/office/drawing/2010/main" w="9525">
                 <a:solidFill>
                   <a:schemeClr val="tx1"/>
                 </a:solidFill>
@@ -50864,7 +50691,7 @@
               </a14:hiddenLine>
             </a:ext>
             <a:ext uri="{AF507438-7753-43E0-B8FC-AC1667EBCBE1}">
-              <a14:hiddenEffects xmlns:a14="http://schemas.microsoft.com/office/drawing/2010/main" xmlns="">
+              <a14:hiddenEffects xmlns="" xmlns:a14="http://schemas.microsoft.com/office/drawing/2010/main">
                 <a:effectLst>
                   <a:outerShdw dist="35921" dir="2700000" algn="ctr" rotWithShape="0">
                     <a:schemeClr val="bg2"/>
@@ -50923,7 +50750,7 @@
           <a:blip r:embed="rId6" cstate="print">
             <a:extLst>
               <a:ext uri="{28A0092B-C50C-407E-A947-70E740481C1C}">
-                <a14:useLocalDpi xmlns:a14="http://schemas.microsoft.com/office/drawing/2010/main" xmlns="" val="0"/>
+                <a14:useLocalDpi xmlns="" xmlns:a14="http://schemas.microsoft.com/office/drawing/2010/main" val="0"/>
               </a:ext>
             </a:extLst>
           </a:blip>
@@ -50947,14 +50774,14 @@
           <a:effectLst/>
           <a:extLst>
             <a:ext uri="{909E8E84-426E-40DD-AFC4-6F175D3DCCD1}">
-              <a14:hiddenFill xmlns:a14="http://schemas.microsoft.com/office/drawing/2010/main" xmlns="">
+              <a14:hiddenFill xmlns="" xmlns:a14="http://schemas.microsoft.com/office/drawing/2010/main">
                 <a:solidFill>
                   <a:schemeClr val="accent1"/>
                 </a:solidFill>
               </a14:hiddenFill>
             </a:ext>
             <a:ext uri="{91240B29-F687-4F45-9708-019B960494DF}">
-              <a14:hiddenLine xmlns:a14="http://schemas.microsoft.com/office/drawing/2010/main" xmlns="" w="9525">
+              <a14:hiddenLine xmlns="" xmlns:a14="http://schemas.microsoft.com/office/drawing/2010/main" w="9525">
                 <a:solidFill>
                   <a:schemeClr val="tx1"/>
                 </a:solidFill>
@@ -50964,7 +50791,7 @@
               </a14:hiddenLine>
             </a:ext>
             <a:ext uri="{AF507438-7753-43E0-B8FC-AC1667EBCBE1}">
-              <a14:hiddenEffects xmlns:a14="http://schemas.microsoft.com/office/drawing/2010/main" xmlns="">
+              <a14:hiddenEffects xmlns="" xmlns:a14="http://schemas.microsoft.com/office/drawing/2010/main">
                 <a:effectLst>
                   <a:outerShdw dist="35921" dir="2700000" algn="ctr" rotWithShape="0">
                     <a:schemeClr val="bg2"/>
@@ -51152,7 +50979,7 @@
     </p:spTree>
     <p:extLst>
       <p:ext uri="{BB962C8B-B14F-4D97-AF65-F5344CB8AC3E}">
-        <p14:creationId xmlns:p14="http://schemas.microsoft.com/office/powerpoint/2010/main" xmlns="" val="4004844870"/>
+        <p14:creationId xmlns="" xmlns:p14="http://schemas.microsoft.com/office/powerpoint/2010/main" val="4004844870"/>
       </p:ext>
     </p:extLst>
   </p:cSld>
@@ -52568,7 +52395,7 @@
     </p:spTree>
     <p:extLst>
       <p:ext uri="{BB962C8B-B14F-4D97-AF65-F5344CB8AC3E}">
-        <p14:creationId xmlns:p14="http://schemas.microsoft.com/office/powerpoint/2010/main" xmlns="" val="1563010395"/>
+        <p14:creationId xmlns="" xmlns:p14="http://schemas.microsoft.com/office/powerpoint/2010/main" val="1563010395"/>
       </p:ext>
     </p:extLst>
   </p:cSld>
@@ -52716,14 +52543,14 @@
           <a:effectLst/>
           <a:extLst>
             <a:ext uri="{909E8E84-426E-40DD-AFC4-6F175D3DCCD1}">
-              <a14:hiddenFill xmlns:a14="http://schemas.microsoft.com/office/drawing/2010/main" xmlns="">
+              <a14:hiddenFill xmlns="" xmlns:a14="http://schemas.microsoft.com/office/drawing/2010/main">
                 <a:solidFill>
                   <a:schemeClr val="accent1"/>
                 </a:solidFill>
               </a14:hiddenFill>
             </a:ext>
             <a:ext uri="{91240B29-F687-4F45-9708-019B960494DF}">
-              <a14:hiddenLine xmlns:a14="http://schemas.microsoft.com/office/drawing/2010/main" xmlns="" w="9525">
+              <a14:hiddenLine xmlns="" xmlns:a14="http://schemas.microsoft.com/office/drawing/2010/main" w="9525">
                 <a:solidFill>
                   <a:schemeClr val="tx1"/>
                 </a:solidFill>
@@ -52733,7 +52560,7 @@
               </a14:hiddenLine>
             </a:ext>
             <a:ext uri="{AF507438-7753-43E0-B8FC-AC1667EBCBE1}">
-              <a14:hiddenEffects xmlns:a14="http://schemas.microsoft.com/office/drawing/2010/main" xmlns="">
+              <a14:hiddenEffects xmlns="" xmlns:a14="http://schemas.microsoft.com/office/drawing/2010/main">
                 <a:effectLst>
                   <a:outerShdw dist="35921" dir="2700000" algn="ctr" rotWithShape="0">
                     <a:schemeClr val="bg2"/>
@@ -52903,7 +52730,7 @@
     </p:spTree>
     <p:extLst>
       <p:ext uri="{BB962C8B-B14F-4D97-AF65-F5344CB8AC3E}">
-        <p14:creationId xmlns:p14="http://schemas.microsoft.com/office/powerpoint/2010/main" xmlns="" val="456860040"/>
+        <p14:creationId xmlns="" xmlns:p14="http://schemas.microsoft.com/office/powerpoint/2010/main" val="456860040"/>
       </p:ext>
     </p:extLst>
   </p:cSld>
@@ -53020,14 +52847,14 @@
           <a:effectLst/>
           <a:extLst>
             <a:ext uri="{909E8E84-426E-40DD-AFC4-6F175D3DCCD1}">
-              <a14:hiddenFill xmlns:a14="http://schemas.microsoft.com/office/drawing/2010/main" xmlns="">
+              <a14:hiddenFill xmlns="" xmlns:a14="http://schemas.microsoft.com/office/drawing/2010/main">
                 <a:solidFill>
                   <a:schemeClr val="accent1"/>
                 </a:solidFill>
               </a14:hiddenFill>
             </a:ext>
             <a:ext uri="{91240B29-F687-4F45-9708-019B960494DF}">
-              <a14:hiddenLine xmlns:a14="http://schemas.microsoft.com/office/drawing/2010/main" xmlns="" w="9525">
+              <a14:hiddenLine xmlns="" xmlns:a14="http://schemas.microsoft.com/office/drawing/2010/main" w="9525">
                 <a:solidFill>
                   <a:schemeClr val="tx1"/>
                 </a:solidFill>
@@ -53037,7 +52864,7 @@
               </a14:hiddenLine>
             </a:ext>
             <a:ext uri="{AF507438-7753-43E0-B8FC-AC1667EBCBE1}">
-              <a14:hiddenEffects xmlns:a14="http://schemas.microsoft.com/office/drawing/2010/main" xmlns="">
+              <a14:hiddenEffects xmlns="" xmlns:a14="http://schemas.microsoft.com/office/drawing/2010/main">
                 <a:effectLst>
                   <a:outerShdw dist="35921" dir="2700000" algn="ctr" rotWithShape="0">
                     <a:schemeClr val="bg2"/>
@@ -53157,7 +52984,7 @@
           <a:blip r:embed="rId3" cstate="print">
             <a:extLst>
               <a:ext uri="{28A0092B-C50C-407E-A947-70E740481C1C}">
-                <a14:useLocalDpi xmlns:a14="http://schemas.microsoft.com/office/drawing/2010/main" xmlns="" val="0"/>
+                <a14:useLocalDpi xmlns="" xmlns:a14="http://schemas.microsoft.com/office/drawing/2010/main" val="0"/>
               </a:ext>
             </a:extLst>
           </a:blip>
@@ -53181,14 +53008,14 @@
           <a:effectLst/>
           <a:extLst>
             <a:ext uri="{909E8E84-426E-40DD-AFC4-6F175D3DCCD1}">
-              <a14:hiddenFill xmlns:a14="http://schemas.microsoft.com/office/drawing/2010/main" xmlns="">
+              <a14:hiddenFill xmlns="" xmlns:a14="http://schemas.microsoft.com/office/drawing/2010/main">
                 <a:solidFill>
                   <a:schemeClr val="accent1"/>
                 </a:solidFill>
               </a14:hiddenFill>
             </a:ext>
             <a:ext uri="{91240B29-F687-4F45-9708-019B960494DF}">
-              <a14:hiddenLine xmlns:a14="http://schemas.microsoft.com/office/drawing/2010/main" xmlns="" w="9525">
+              <a14:hiddenLine xmlns="" xmlns:a14="http://schemas.microsoft.com/office/drawing/2010/main" w="9525">
                 <a:solidFill>
                   <a:schemeClr val="tx1"/>
                 </a:solidFill>
@@ -53198,7 +53025,7 @@
               </a14:hiddenLine>
             </a:ext>
             <a:ext uri="{AF507438-7753-43E0-B8FC-AC1667EBCBE1}">
-              <a14:hiddenEffects xmlns:a14="http://schemas.microsoft.com/office/drawing/2010/main" xmlns="">
+              <a14:hiddenEffects xmlns="" xmlns:a14="http://schemas.microsoft.com/office/drawing/2010/main">
                 <a:effectLst>
                   <a:outerShdw dist="35921" dir="2700000" algn="ctr" rotWithShape="0">
                     <a:schemeClr val="bg2"/>
@@ -53221,7 +53048,7 @@
           <a:blip r:embed="rId4" cstate="print">
             <a:extLst>
               <a:ext uri="{28A0092B-C50C-407E-A947-70E740481C1C}">
-                <a14:useLocalDpi xmlns:a14="http://schemas.microsoft.com/office/drawing/2010/main" xmlns="" val="0"/>
+                <a14:useLocalDpi xmlns="" xmlns:a14="http://schemas.microsoft.com/office/drawing/2010/main" val="0"/>
               </a:ext>
             </a:extLst>
           </a:blip>
@@ -53245,14 +53072,14 @@
           <a:effectLst/>
           <a:extLst>
             <a:ext uri="{909E8E84-426E-40DD-AFC4-6F175D3DCCD1}">
-              <a14:hiddenFill xmlns:a14="http://schemas.microsoft.com/office/drawing/2010/main" xmlns="">
+              <a14:hiddenFill xmlns="" xmlns:a14="http://schemas.microsoft.com/office/drawing/2010/main">
                 <a:solidFill>
                   <a:schemeClr val="accent1"/>
                 </a:solidFill>
               </a14:hiddenFill>
             </a:ext>
             <a:ext uri="{91240B29-F687-4F45-9708-019B960494DF}">
-              <a14:hiddenLine xmlns:a14="http://schemas.microsoft.com/office/drawing/2010/main" xmlns="" w="9525">
+              <a14:hiddenLine xmlns="" xmlns:a14="http://schemas.microsoft.com/office/drawing/2010/main" w="9525">
                 <a:solidFill>
                   <a:schemeClr val="tx1"/>
                 </a:solidFill>
@@ -53262,7 +53089,7 @@
               </a14:hiddenLine>
             </a:ext>
             <a:ext uri="{AF507438-7753-43E0-B8FC-AC1667EBCBE1}">
-              <a14:hiddenEffects xmlns:a14="http://schemas.microsoft.com/office/drawing/2010/main" xmlns="">
+              <a14:hiddenEffects xmlns="" xmlns:a14="http://schemas.microsoft.com/office/drawing/2010/main">
                 <a:effectLst>
                   <a:outerShdw dist="35921" dir="2700000" algn="ctr" rotWithShape="0">
                     <a:schemeClr val="bg2"/>
@@ -53376,7 +53203,7 @@
     </p:spTree>
     <p:extLst>
       <p:ext uri="{BB962C8B-B14F-4D97-AF65-F5344CB8AC3E}">
-        <p14:creationId xmlns:p14="http://schemas.microsoft.com/office/powerpoint/2010/main" xmlns="" val="2260161769"/>
+        <p14:creationId xmlns="" xmlns:p14="http://schemas.microsoft.com/office/powerpoint/2010/main" val="2260161769"/>
       </p:ext>
     </p:extLst>
   </p:cSld>
@@ -53434,14 +53261,14 @@
           <a:effectLst/>
           <a:extLst>
             <a:ext uri="{909E8E84-426E-40DD-AFC4-6F175D3DCCD1}">
-              <a14:hiddenFill xmlns:a14="http://schemas.microsoft.com/office/drawing/2010/main" xmlns="">
+              <a14:hiddenFill xmlns="" xmlns:a14="http://schemas.microsoft.com/office/drawing/2010/main">
                 <a:solidFill>
                   <a:schemeClr val="accent1"/>
                 </a:solidFill>
               </a14:hiddenFill>
             </a:ext>
             <a:ext uri="{91240B29-F687-4F45-9708-019B960494DF}">
-              <a14:hiddenLine xmlns:a14="http://schemas.microsoft.com/office/drawing/2010/main" xmlns="" w="9525">
+              <a14:hiddenLine xmlns="" xmlns:a14="http://schemas.microsoft.com/office/drawing/2010/main" w="9525">
                 <a:solidFill>
                   <a:schemeClr val="tx1"/>
                 </a:solidFill>
@@ -53451,7 +53278,7 @@
               </a14:hiddenLine>
             </a:ext>
             <a:ext uri="{AF507438-7753-43E0-B8FC-AC1667EBCBE1}">
-              <a14:hiddenEffects xmlns:a14="http://schemas.microsoft.com/office/drawing/2010/main" xmlns="">
+              <a14:hiddenEffects xmlns="" xmlns:a14="http://schemas.microsoft.com/office/drawing/2010/main">
                 <a:effectLst>
                   <a:outerShdw dist="35921" dir="2700000" algn="ctr" rotWithShape="0">
                     <a:schemeClr val="bg2"/>
@@ -53621,7 +53448,7 @@
           <a:blip r:embed="rId3" cstate="print">
             <a:extLst>
               <a:ext uri="{28A0092B-C50C-407E-A947-70E740481C1C}">
-                <a14:useLocalDpi xmlns:a14="http://schemas.microsoft.com/office/drawing/2010/main" xmlns="" val="0"/>
+                <a14:useLocalDpi xmlns="" xmlns:a14="http://schemas.microsoft.com/office/drawing/2010/main" val="0"/>
               </a:ext>
             </a:extLst>
           </a:blip>
@@ -53645,14 +53472,14 @@
           <a:effectLst/>
           <a:extLst>
             <a:ext uri="{909E8E84-426E-40DD-AFC4-6F175D3DCCD1}">
-              <a14:hiddenFill xmlns:a14="http://schemas.microsoft.com/office/drawing/2010/main" xmlns="">
+              <a14:hiddenFill xmlns="" xmlns:a14="http://schemas.microsoft.com/office/drawing/2010/main">
                 <a:solidFill>
                   <a:schemeClr val="accent1"/>
                 </a:solidFill>
               </a14:hiddenFill>
             </a:ext>
             <a:ext uri="{91240B29-F687-4F45-9708-019B960494DF}">
-              <a14:hiddenLine xmlns:a14="http://schemas.microsoft.com/office/drawing/2010/main" xmlns="" w="9525">
+              <a14:hiddenLine xmlns="" xmlns:a14="http://schemas.microsoft.com/office/drawing/2010/main" w="9525">
                 <a:solidFill>
                   <a:schemeClr val="tx1"/>
                 </a:solidFill>
@@ -53662,7 +53489,7 @@
               </a14:hiddenLine>
             </a:ext>
             <a:ext uri="{AF507438-7753-43E0-B8FC-AC1667EBCBE1}">
-              <a14:hiddenEffects xmlns:a14="http://schemas.microsoft.com/office/drawing/2010/main" xmlns="">
+              <a14:hiddenEffects xmlns="" xmlns:a14="http://schemas.microsoft.com/office/drawing/2010/main">
                 <a:effectLst>
                   <a:outerShdw dist="35921" dir="2700000" algn="ctr" rotWithShape="0">
                     <a:schemeClr val="bg2"/>
@@ -53735,7 +53562,7 @@
     </p:spTree>
     <p:extLst>
       <p:ext uri="{BB962C8B-B14F-4D97-AF65-F5344CB8AC3E}">
-        <p14:creationId xmlns:p14="http://schemas.microsoft.com/office/powerpoint/2010/main" xmlns="" val="765017884"/>
+        <p14:creationId xmlns="" xmlns:p14="http://schemas.microsoft.com/office/powerpoint/2010/main" val="765017884"/>
       </p:ext>
     </p:extLst>
   </p:cSld>
@@ -53877,7 +53704,7 @@
           <a:blip r:embed="rId3" cstate="print">
             <a:extLst>
               <a:ext uri="{28A0092B-C50C-407E-A947-70E740481C1C}">
-                <a14:useLocalDpi xmlns:a14="http://schemas.microsoft.com/office/drawing/2010/main" xmlns="" val="0"/>
+                <a14:useLocalDpi xmlns="" xmlns:a14="http://schemas.microsoft.com/office/drawing/2010/main" val="0"/>
               </a:ext>
             </a:extLst>
           </a:blip>
@@ -53901,14 +53728,14 @@
           <a:effectLst/>
           <a:extLst>
             <a:ext uri="{909E8E84-426E-40DD-AFC4-6F175D3DCCD1}">
-              <a14:hiddenFill xmlns:a14="http://schemas.microsoft.com/office/drawing/2010/main" xmlns="">
+              <a14:hiddenFill xmlns="" xmlns:a14="http://schemas.microsoft.com/office/drawing/2010/main">
                 <a:solidFill>
                   <a:schemeClr val="accent1"/>
                 </a:solidFill>
               </a14:hiddenFill>
             </a:ext>
             <a:ext uri="{91240B29-F687-4F45-9708-019B960494DF}">
-              <a14:hiddenLine xmlns:a14="http://schemas.microsoft.com/office/drawing/2010/main" xmlns="" w="9525">
+              <a14:hiddenLine xmlns="" xmlns:a14="http://schemas.microsoft.com/office/drawing/2010/main" w="9525">
                 <a:solidFill>
                   <a:schemeClr val="tx1"/>
                 </a:solidFill>
@@ -53918,7 +53745,7 @@
               </a14:hiddenLine>
             </a:ext>
             <a:ext uri="{AF507438-7753-43E0-B8FC-AC1667EBCBE1}">
-              <a14:hiddenEffects xmlns:a14="http://schemas.microsoft.com/office/drawing/2010/main" xmlns="">
+              <a14:hiddenEffects xmlns="" xmlns:a14="http://schemas.microsoft.com/office/drawing/2010/main">
                 <a:effectLst>
                   <a:outerShdw dist="35921" dir="2700000" algn="ctr" rotWithShape="0">
                     <a:schemeClr val="bg2"/>
@@ -53941,7 +53768,7 @@
           <a:blip r:embed="rId4" cstate="print">
             <a:extLst>
               <a:ext uri="{28A0092B-C50C-407E-A947-70E740481C1C}">
-                <a14:useLocalDpi xmlns:a14="http://schemas.microsoft.com/office/drawing/2010/main" xmlns="" val="0"/>
+                <a14:useLocalDpi xmlns="" xmlns:a14="http://schemas.microsoft.com/office/drawing/2010/main" val="0"/>
               </a:ext>
             </a:extLst>
           </a:blip>
@@ -53965,14 +53792,14 @@
           <a:effectLst/>
           <a:extLst>
             <a:ext uri="{909E8E84-426E-40DD-AFC4-6F175D3DCCD1}">
-              <a14:hiddenFill xmlns:a14="http://schemas.microsoft.com/office/drawing/2010/main" xmlns="">
+              <a14:hiddenFill xmlns="" xmlns:a14="http://schemas.microsoft.com/office/drawing/2010/main">
                 <a:solidFill>
                   <a:schemeClr val="accent1"/>
                 </a:solidFill>
               </a14:hiddenFill>
             </a:ext>
             <a:ext uri="{91240B29-F687-4F45-9708-019B960494DF}">
-              <a14:hiddenLine xmlns:a14="http://schemas.microsoft.com/office/drawing/2010/main" xmlns="" w="9525">
+              <a14:hiddenLine xmlns="" xmlns:a14="http://schemas.microsoft.com/office/drawing/2010/main" w="9525">
                 <a:solidFill>
                   <a:schemeClr val="tx1"/>
                 </a:solidFill>
@@ -53982,7 +53809,7 @@
               </a14:hiddenLine>
             </a:ext>
             <a:ext uri="{AF507438-7753-43E0-B8FC-AC1667EBCBE1}">
-              <a14:hiddenEffects xmlns:a14="http://schemas.microsoft.com/office/drawing/2010/main" xmlns="">
+              <a14:hiddenEffects xmlns="" xmlns:a14="http://schemas.microsoft.com/office/drawing/2010/main">
                 <a:effectLst>
                   <a:outerShdw dist="35921" dir="2700000" algn="ctr" rotWithShape="0">
                     <a:schemeClr val="bg2"/>
@@ -54046,7 +53873,7 @@
     </p:spTree>
     <p:extLst>
       <p:ext uri="{BB962C8B-B14F-4D97-AF65-F5344CB8AC3E}">
-        <p14:creationId xmlns:p14="http://schemas.microsoft.com/office/powerpoint/2010/main" xmlns="" val="3061609240"/>
+        <p14:creationId xmlns="" xmlns:p14="http://schemas.microsoft.com/office/powerpoint/2010/main" val="3061609240"/>
       </p:ext>
     </p:extLst>
   </p:cSld>
@@ -54104,14 +53931,14 @@
           <a:effectLst/>
           <a:extLst>
             <a:ext uri="{909E8E84-426E-40DD-AFC4-6F175D3DCCD1}">
-              <a14:hiddenFill xmlns:a14="http://schemas.microsoft.com/office/drawing/2010/main" xmlns="">
+              <a14:hiddenFill xmlns="" xmlns:a14="http://schemas.microsoft.com/office/drawing/2010/main">
                 <a:solidFill>
                   <a:schemeClr val="accent1"/>
                 </a:solidFill>
               </a14:hiddenFill>
             </a:ext>
             <a:ext uri="{91240B29-F687-4F45-9708-019B960494DF}">
-              <a14:hiddenLine xmlns:a14="http://schemas.microsoft.com/office/drawing/2010/main" xmlns="" w="9525">
+              <a14:hiddenLine xmlns="" xmlns:a14="http://schemas.microsoft.com/office/drawing/2010/main" w="9525">
                 <a:solidFill>
                   <a:schemeClr val="tx1"/>
                 </a:solidFill>
@@ -54121,7 +53948,7 @@
               </a14:hiddenLine>
             </a:ext>
             <a:ext uri="{AF507438-7753-43E0-B8FC-AC1667EBCBE1}">
-              <a14:hiddenEffects xmlns:a14="http://schemas.microsoft.com/office/drawing/2010/main" xmlns="">
+              <a14:hiddenEffects xmlns="" xmlns:a14="http://schemas.microsoft.com/office/drawing/2010/main">
                 <a:effectLst>
                   <a:outerShdw dist="35921" dir="2700000" algn="ctr" rotWithShape="0">
                     <a:schemeClr val="bg2"/>
@@ -54386,7 +54213,7 @@
           <a:blip r:embed="rId3" cstate="print">
             <a:extLst>
               <a:ext uri="{28A0092B-C50C-407E-A947-70E740481C1C}">
-                <a14:useLocalDpi xmlns:a14="http://schemas.microsoft.com/office/drawing/2010/main" xmlns="" val="0"/>
+                <a14:useLocalDpi xmlns="" xmlns:a14="http://schemas.microsoft.com/office/drawing/2010/main" val="0"/>
               </a:ext>
             </a:extLst>
           </a:blip>
@@ -54410,14 +54237,14 @@
           <a:effectLst/>
           <a:extLst>
             <a:ext uri="{909E8E84-426E-40DD-AFC4-6F175D3DCCD1}">
-              <a14:hiddenFill xmlns:a14="http://schemas.microsoft.com/office/drawing/2010/main" xmlns="">
+              <a14:hiddenFill xmlns="" xmlns:a14="http://schemas.microsoft.com/office/drawing/2010/main">
                 <a:solidFill>
                   <a:schemeClr val="accent1"/>
                 </a:solidFill>
               </a14:hiddenFill>
             </a:ext>
             <a:ext uri="{91240B29-F687-4F45-9708-019B960494DF}">
-              <a14:hiddenLine xmlns:a14="http://schemas.microsoft.com/office/drawing/2010/main" xmlns="" w="9525">
+              <a14:hiddenLine xmlns="" xmlns:a14="http://schemas.microsoft.com/office/drawing/2010/main" w="9525">
                 <a:solidFill>
                   <a:schemeClr val="tx1"/>
                 </a:solidFill>
@@ -54427,7 +54254,7 @@
               </a14:hiddenLine>
             </a:ext>
             <a:ext uri="{AF507438-7753-43E0-B8FC-AC1667EBCBE1}">
-              <a14:hiddenEffects xmlns:a14="http://schemas.microsoft.com/office/drawing/2010/main" xmlns="">
+              <a14:hiddenEffects xmlns="" xmlns:a14="http://schemas.microsoft.com/office/drawing/2010/main">
                 <a:effectLst>
                   <a:outerShdw dist="35921" dir="2700000" algn="ctr" rotWithShape="0">
                     <a:schemeClr val="bg2"/>
@@ -54467,7 +54294,7 @@
               <a:buChar char="•"/>
             </a:pPr>
             <a:r>
-              <a:rPr lang="en-US" altLang="zh-CN" smtClean="0">
+              <a:rPr lang="en-US" altLang="zh-CN" dirty="0" smtClean="0">
                 <a:solidFill>
                   <a:srgbClr val="FF0000"/>
                 </a:solidFill>
@@ -54475,50 +54302,50 @@
               <a:t>of</a:t>
             </a:r>
             <a:r>
-              <a:rPr lang="zh-CN" altLang="en-US" smtClean="0"/>
+              <a:rPr lang="zh-CN" altLang="en-US" dirty="0" smtClean="0"/>
               <a:t>依据</a:t>
             </a:r>
             <a:r>
-              <a:rPr lang="zh-CN" altLang="en-US"/>
+              <a:rPr lang="zh-CN" altLang="en-US" dirty="0"/>
               <a:t>一个非空值创建</a:t>
             </a:r>
             <a:r>
-              <a:rPr lang="en-US" altLang="zh-CN" b="1" smtClean="0"/>
+              <a:rPr lang="en-US" altLang="zh-CN" b="1" dirty="0" smtClean="0"/>
               <a:t>Optional</a:t>
             </a:r>
             <a:r>
-              <a:rPr lang="zh-CN" altLang="en-US" b="1" smtClean="0"/>
+              <a:rPr lang="zh-CN" altLang="en-US" b="1" dirty="0" smtClean="0"/>
               <a:t>，</a:t>
             </a:r>
             <a:r>
-              <a:rPr lang="zh-CN" altLang="en-US"/>
+              <a:rPr lang="zh-CN" altLang="en-US" dirty="0"/>
               <a:t>如果</a:t>
             </a:r>
             <a:r>
-              <a:rPr lang="en-US" altLang="zh-CN"/>
+              <a:rPr lang="en-US" altLang="zh-CN" dirty="0"/>
               <a:t>car</a:t>
             </a:r>
             <a:r>
-              <a:rPr lang="zh-CN" altLang="en-US"/>
+              <a:rPr lang="zh-CN" altLang="en-US" dirty="0"/>
               <a:t>是一个</a:t>
             </a:r>
             <a:r>
-              <a:rPr lang="en-US" altLang="zh-CN"/>
+              <a:rPr lang="en-US" altLang="zh-CN" dirty="0"/>
               <a:t>null</a:t>
             </a:r>
             <a:r>
-              <a:rPr lang="zh-CN" altLang="en-US"/>
+              <a:rPr lang="zh-CN" altLang="en-US" dirty="0"/>
               <a:t>，这段代码会立即抛出一个</a:t>
             </a:r>
             <a:r>
-              <a:rPr lang="en-US" altLang="zh-CN" smtClean="0"/>
+              <a:rPr lang="en-US" altLang="zh-CN" dirty="0" err="1" smtClean="0"/>
               <a:t>NullPointerException</a:t>
             </a:r>
             <a:r>
-              <a:rPr lang="zh-CN" altLang="en-US" smtClean="0"/>
+              <a:rPr lang="zh-CN" altLang="en-US" dirty="0" smtClean="0"/>
               <a:t>。 </a:t>
             </a:r>
-            <a:endParaRPr lang="zh-CN" altLang="en-US"/>
+            <a:endParaRPr lang="zh-CN" altLang="en-US" dirty="0"/>
           </a:p>
         </p:txBody>
       </p:sp>
@@ -54534,7 +54361,7 @@
           <a:blip r:embed="rId4" cstate="print">
             <a:extLst>
               <a:ext uri="{28A0092B-C50C-407E-A947-70E740481C1C}">
-                <a14:useLocalDpi xmlns:a14="http://schemas.microsoft.com/office/drawing/2010/main" xmlns="" val="0"/>
+                <a14:useLocalDpi xmlns="" xmlns:a14="http://schemas.microsoft.com/office/drawing/2010/main" val="0"/>
               </a:ext>
             </a:extLst>
           </a:blip>
@@ -54558,14 +54385,14 @@
           <a:effectLst/>
           <a:extLst>
             <a:ext uri="{909E8E84-426E-40DD-AFC4-6F175D3DCCD1}">
-              <a14:hiddenFill xmlns:a14="http://schemas.microsoft.com/office/drawing/2010/main" xmlns="">
+              <a14:hiddenFill xmlns="" xmlns:a14="http://schemas.microsoft.com/office/drawing/2010/main">
                 <a:solidFill>
                   <a:schemeClr val="accent1"/>
                 </a:solidFill>
               </a14:hiddenFill>
             </a:ext>
             <a:ext uri="{91240B29-F687-4F45-9708-019B960494DF}">
-              <a14:hiddenLine xmlns:a14="http://schemas.microsoft.com/office/drawing/2010/main" xmlns="" w="9525">
+              <a14:hiddenLine xmlns="" xmlns:a14="http://schemas.microsoft.com/office/drawing/2010/main" w="9525">
                 <a:solidFill>
                   <a:schemeClr val="tx1"/>
                 </a:solidFill>
@@ -54575,7 +54402,7 @@
               </a14:hiddenLine>
             </a:ext>
             <a:ext uri="{AF507438-7753-43E0-B8FC-AC1667EBCBE1}">
-              <a14:hiddenEffects xmlns:a14="http://schemas.microsoft.com/office/drawing/2010/main" xmlns="">
+              <a14:hiddenEffects xmlns="" xmlns:a14="http://schemas.microsoft.com/office/drawing/2010/main">
                 <a:effectLst>
                   <a:outerShdw dist="35921" dir="2700000" algn="ctr" rotWithShape="0">
                     <a:schemeClr val="bg2"/>
@@ -54682,7 +54509,7 @@
           <a:blip r:embed="rId5" cstate="print">
             <a:extLst>
               <a:ext uri="{28A0092B-C50C-407E-A947-70E740481C1C}">
-                <a14:useLocalDpi xmlns:a14="http://schemas.microsoft.com/office/drawing/2010/main" xmlns="" val="0"/>
+                <a14:useLocalDpi xmlns="" xmlns:a14="http://schemas.microsoft.com/office/drawing/2010/main" val="0"/>
               </a:ext>
             </a:extLst>
           </a:blip>
@@ -54706,14 +54533,14 @@
           <a:effectLst/>
           <a:extLst>
             <a:ext uri="{909E8E84-426E-40DD-AFC4-6F175D3DCCD1}">
-              <a14:hiddenFill xmlns:a14="http://schemas.microsoft.com/office/drawing/2010/main" xmlns="">
+              <a14:hiddenFill xmlns="" xmlns:a14="http://schemas.microsoft.com/office/drawing/2010/main">
                 <a:solidFill>
                   <a:schemeClr val="accent1"/>
                 </a:solidFill>
               </a14:hiddenFill>
             </a:ext>
             <a:ext uri="{91240B29-F687-4F45-9708-019B960494DF}">
-              <a14:hiddenLine xmlns:a14="http://schemas.microsoft.com/office/drawing/2010/main" xmlns="" w="9525">
+              <a14:hiddenLine xmlns="" xmlns:a14="http://schemas.microsoft.com/office/drawing/2010/main" w="9525">
                 <a:solidFill>
                   <a:schemeClr val="tx1"/>
                 </a:solidFill>
@@ -54723,7 +54550,7 @@
               </a14:hiddenLine>
             </a:ext>
             <a:ext uri="{AF507438-7753-43E0-B8FC-AC1667EBCBE1}">
-              <a14:hiddenEffects xmlns:a14="http://schemas.microsoft.com/office/drawing/2010/main" xmlns="">
+              <a14:hiddenEffects xmlns="" xmlns:a14="http://schemas.microsoft.com/office/drawing/2010/main">
                 <a:effectLst>
                   <a:outerShdw dist="35921" dir="2700000" algn="ctr" rotWithShape="0">
                     <a:schemeClr val="bg2"/>
@@ -54737,7 +54564,7 @@
     </p:spTree>
     <p:extLst>
       <p:ext uri="{BB962C8B-B14F-4D97-AF65-F5344CB8AC3E}">
-        <p14:creationId xmlns:p14="http://schemas.microsoft.com/office/powerpoint/2010/main" xmlns="" val="4120327871"/>
+        <p14:creationId xmlns="" xmlns:p14="http://schemas.microsoft.com/office/powerpoint/2010/main" val="4120327871"/>
       </p:ext>
     </p:extLst>
   </p:cSld>
@@ -54795,14 +54622,14 @@
           <a:effectLst/>
           <a:extLst>
             <a:ext uri="{909E8E84-426E-40DD-AFC4-6F175D3DCCD1}">
-              <a14:hiddenFill xmlns:a14="http://schemas.microsoft.com/office/drawing/2010/main" xmlns="">
+              <a14:hiddenFill xmlns="" xmlns:a14="http://schemas.microsoft.com/office/drawing/2010/main">
                 <a:solidFill>
                   <a:schemeClr val="accent1"/>
                 </a:solidFill>
               </a14:hiddenFill>
             </a:ext>
             <a:ext uri="{91240B29-F687-4F45-9708-019B960494DF}">
-              <a14:hiddenLine xmlns:a14="http://schemas.microsoft.com/office/drawing/2010/main" xmlns="" w="9525">
+              <a14:hiddenLine xmlns="" xmlns:a14="http://schemas.microsoft.com/office/drawing/2010/main" w="9525">
                 <a:solidFill>
                   <a:schemeClr val="tx1"/>
                 </a:solidFill>
@@ -54812,7 +54639,7 @@
               </a14:hiddenLine>
             </a:ext>
             <a:ext uri="{AF507438-7753-43E0-B8FC-AC1667EBCBE1}">
-              <a14:hiddenEffects xmlns:a14="http://schemas.microsoft.com/office/drawing/2010/main" xmlns="">
+              <a14:hiddenEffects xmlns="" xmlns:a14="http://schemas.microsoft.com/office/drawing/2010/main">
                 <a:effectLst>
                   <a:outerShdw dist="35921" dir="2700000" algn="ctr" rotWithShape="0">
                     <a:schemeClr val="bg2"/>
@@ -55035,7 +54862,7 @@
           <a:blip r:embed="rId3" cstate="print">
             <a:extLst>
               <a:ext uri="{28A0092B-C50C-407E-A947-70E740481C1C}">
-                <a14:useLocalDpi xmlns:a14="http://schemas.microsoft.com/office/drawing/2010/main" xmlns="" val="0"/>
+                <a14:useLocalDpi xmlns="" xmlns:a14="http://schemas.microsoft.com/office/drawing/2010/main" val="0"/>
               </a:ext>
             </a:extLst>
           </a:blip>
@@ -55059,14 +54886,14 @@
           <a:effectLst/>
           <a:extLst>
             <a:ext uri="{909E8E84-426E-40DD-AFC4-6F175D3DCCD1}">
-              <a14:hiddenFill xmlns:a14="http://schemas.microsoft.com/office/drawing/2010/main" xmlns="">
+              <a14:hiddenFill xmlns="" xmlns:a14="http://schemas.microsoft.com/office/drawing/2010/main">
                 <a:solidFill>
                   <a:schemeClr val="accent1"/>
                 </a:solidFill>
               </a14:hiddenFill>
             </a:ext>
             <a:ext uri="{91240B29-F687-4F45-9708-019B960494DF}">
-              <a14:hiddenLine xmlns:a14="http://schemas.microsoft.com/office/drawing/2010/main" xmlns="" w="9525">
+              <a14:hiddenLine xmlns="" xmlns:a14="http://schemas.microsoft.com/office/drawing/2010/main" w="9525">
                 <a:solidFill>
                   <a:schemeClr val="tx1"/>
                 </a:solidFill>
@@ -55076,7 +54903,7 @@
               </a14:hiddenLine>
             </a:ext>
             <a:ext uri="{AF507438-7753-43E0-B8FC-AC1667EBCBE1}">
-              <a14:hiddenEffects xmlns:a14="http://schemas.microsoft.com/office/drawing/2010/main" xmlns="">
+              <a14:hiddenEffects xmlns="" xmlns:a14="http://schemas.microsoft.com/office/drawing/2010/main">
                 <a:effectLst>
                   <a:outerShdw dist="35921" dir="2700000" algn="ctr" rotWithShape="0">
                     <a:schemeClr val="bg2"/>
@@ -55200,7 +55027,7 @@
     </p:spTree>
     <p:extLst>
       <p:ext uri="{BB962C8B-B14F-4D97-AF65-F5344CB8AC3E}">
-        <p14:creationId xmlns:p14="http://schemas.microsoft.com/office/powerpoint/2010/main" xmlns="" val="2297280176"/>
+        <p14:creationId xmlns="" xmlns:p14="http://schemas.microsoft.com/office/powerpoint/2010/main" val="2297280176"/>
       </p:ext>
     </p:extLst>
   </p:cSld>
@@ -55258,14 +55085,14 @@
           <a:effectLst/>
           <a:extLst>
             <a:ext uri="{909E8E84-426E-40DD-AFC4-6F175D3DCCD1}">
-              <a14:hiddenFill xmlns:a14="http://schemas.microsoft.com/office/drawing/2010/main" xmlns="">
+              <a14:hiddenFill xmlns="" xmlns:a14="http://schemas.microsoft.com/office/drawing/2010/main">
                 <a:solidFill>
                   <a:schemeClr val="accent1"/>
                 </a:solidFill>
               </a14:hiddenFill>
             </a:ext>
             <a:ext uri="{91240B29-F687-4F45-9708-019B960494DF}">
-              <a14:hiddenLine xmlns:a14="http://schemas.microsoft.com/office/drawing/2010/main" xmlns="" w="9525">
+              <a14:hiddenLine xmlns="" xmlns:a14="http://schemas.microsoft.com/office/drawing/2010/main" w="9525">
                 <a:solidFill>
                   <a:schemeClr val="tx1"/>
                 </a:solidFill>
@@ -55275,7 +55102,7 @@
               </a14:hiddenLine>
             </a:ext>
             <a:ext uri="{AF507438-7753-43E0-B8FC-AC1667EBCBE1}">
-              <a14:hiddenEffects xmlns:a14="http://schemas.microsoft.com/office/drawing/2010/main" xmlns="">
+              <a14:hiddenEffects xmlns="" xmlns:a14="http://schemas.microsoft.com/office/drawing/2010/main">
                 <a:effectLst>
                   <a:outerShdw dist="35921" dir="2700000" algn="ctr" rotWithShape="0">
                     <a:schemeClr val="bg2"/>
@@ -55752,7 +55579,7 @@
     </p:spTree>
     <p:extLst>
       <p:ext uri="{BB962C8B-B14F-4D97-AF65-F5344CB8AC3E}">
-        <p14:creationId xmlns:p14="http://schemas.microsoft.com/office/powerpoint/2010/main" xmlns="" val="3820384404"/>
+        <p14:creationId xmlns="" xmlns:p14="http://schemas.microsoft.com/office/powerpoint/2010/main" val="3820384404"/>
       </p:ext>
     </p:extLst>
   </p:cSld>
@@ -55810,14 +55637,14 @@
           <a:effectLst/>
           <a:extLst>
             <a:ext uri="{909E8E84-426E-40DD-AFC4-6F175D3DCCD1}">
-              <a14:hiddenFill xmlns:a14="http://schemas.microsoft.com/office/drawing/2010/main" xmlns="">
+              <a14:hiddenFill xmlns="" xmlns:a14="http://schemas.microsoft.com/office/drawing/2010/main">
                 <a:solidFill>
                   <a:schemeClr val="accent1"/>
                 </a:solidFill>
               </a14:hiddenFill>
             </a:ext>
             <a:ext uri="{91240B29-F687-4F45-9708-019B960494DF}">
-              <a14:hiddenLine xmlns:a14="http://schemas.microsoft.com/office/drawing/2010/main" xmlns="" w="9525">
+              <a14:hiddenLine xmlns="" xmlns:a14="http://schemas.microsoft.com/office/drawing/2010/main" w="9525">
                 <a:solidFill>
                   <a:schemeClr val="tx1"/>
                 </a:solidFill>
@@ -55827,7 +55654,7 @@
               </a14:hiddenLine>
             </a:ext>
             <a:ext uri="{AF507438-7753-43E0-B8FC-AC1667EBCBE1}">
-              <a14:hiddenEffects xmlns:a14="http://schemas.microsoft.com/office/drawing/2010/main" xmlns="">
+              <a14:hiddenEffects xmlns="" xmlns:a14="http://schemas.microsoft.com/office/drawing/2010/main">
                 <a:effectLst>
                   <a:outerShdw dist="35921" dir="2700000" algn="ctr" rotWithShape="0">
                     <a:schemeClr val="bg2"/>
@@ -56133,7 +55960,7 @@
     </p:spTree>
     <p:extLst>
       <p:ext uri="{BB962C8B-B14F-4D97-AF65-F5344CB8AC3E}">
-        <p14:creationId xmlns:p14="http://schemas.microsoft.com/office/powerpoint/2010/main" xmlns="" val="1687861466"/>
+        <p14:creationId xmlns="" xmlns:p14="http://schemas.microsoft.com/office/powerpoint/2010/main" val="1687861466"/>
       </p:ext>
     </p:extLst>
   </p:cSld>
@@ -56213,7 +56040,7 @@
           <a:blip r:embed="rId3" cstate="print">
             <a:extLst>
               <a:ext uri="{28A0092B-C50C-407E-A947-70E740481C1C}">
-                <a14:useLocalDpi xmlns:a14="http://schemas.microsoft.com/office/drawing/2010/main" xmlns="" val="0"/>
+                <a14:useLocalDpi xmlns="" xmlns:a14="http://schemas.microsoft.com/office/drawing/2010/main" val="0"/>
               </a:ext>
             </a:extLst>
           </a:blip>
@@ -56237,14 +56064,14 @@
           <a:effectLst/>
           <a:extLst>
             <a:ext uri="{909E8E84-426E-40DD-AFC4-6F175D3DCCD1}">
-              <a14:hiddenFill xmlns:a14="http://schemas.microsoft.com/office/drawing/2010/main" xmlns="">
+              <a14:hiddenFill xmlns="" xmlns:a14="http://schemas.microsoft.com/office/drawing/2010/main">
                 <a:solidFill>
                   <a:schemeClr val="accent1"/>
                 </a:solidFill>
               </a14:hiddenFill>
             </a:ext>
             <a:ext uri="{91240B29-F687-4F45-9708-019B960494DF}">
-              <a14:hiddenLine xmlns:a14="http://schemas.microsoft.com/office/drawing/2010/main" xmlns="" w="9525">
+              <a14:hiddenLine xmlns="" xmlns:a14="http://schemas.microsoft.com/office/drawing/2010/main" w="9525">
                 <a:solidFill>
                   <a:schemeClr val="tx1"/>
                 </a:solidFill>
@@ -56254,7 +56081,7 @@
               </a14:hiddenLine>
             </a:ext>
             <a:ext uri="{AF507438-7753-43E0-B8FC-AC1667EBCBE1}">
-              <a14:hiddenEffects xmlns:a14="http://schemas.microsoft.com/office/drawing/2010/main" xmlns="">
+              <a14:hiddenEffects xmlns="" xmlns:a14="http://schemas.microsoft.com/office/drawing/2010/main">
                 <a:effectLst>
                   <a:outerShdw dist="35921" dir="2700000" algn="ctr" rotWithShape="0">
                     <a:schemeClr val="bg2"/>
@@ -56373,7 +56200,7 @@
           <a:blip r:embed="rId4" cstate="print">
             <a:extLst>
               <a:ext uri="{28A0092B-C50C-407E-A947-70E740481C1C}">
-                <a14:useLocalDpi xmlns:a14="http://schemas.microsoft.com/office/drawing/2010/main" xmlns="" val="0"/>
+                <a14:useLocalDpi xmlns="" xmlns:a14="http://schemas.microsoft.com/office/drawing/2010/main" val="0"/>
               </a:ext>
             </a:extLst>
           </a:blip>
@@ -56397,14 +56224,14 @@
           <a:effectLst/>
           <a:extLst>
             <a:ext uri="{909E8E84-426E-40DD-AFC4-6F175D3DCCD1}">
-              <a14:hiddenFill xmlns:a14="http://schemas.microsoft.com/office/drawing/2010/main" xmlns="">
+              <a14:hiddenFill xmlns="" xmlns:a14="http://schemas.microsoft.com/office/drawing/2010/main">
                 <a:solidFill>
                   <a:schemeClr val="accent1"/>
                 </a:solidFill>
               </a14:hiddenFill>
             </a:ext>
             <a:ext uri="{91240B29-F687-4F45-9708-019B960494DF}">
-              <a14:hiddenLine xmlns:a14="http://schemas.microsoft.com/office/drawing/2010/main" xmlns="" w="9525">
+              <a14:hiddenLine xmlns="" xmlns:a14="http://schemas.microsoft.com/office/drawing/2010/main" w="9525">
                 <a:solidFill>
                   <a:schemeClr val="tx1"/>
                 </a:solidFill>
@@ -56414,7 +56241,7 @@
               </a14:hiddenLine>
             </a:ext>
             <a:ext uri="{AF507438-7753-43E0-B8FC-AC1667EBCBE1}">
-              <a14:hiddenEffects xmlns:a14="http://schemas.microsoft.com/office/drawing/2010/main" xmlns="">
+              <a14:hiddenEffects xmlns="" xmlns:a14="http://schemas.microsoft.com/office/drawing/2010/main">
                 <a:effectLst>
                   <a:outerShdw dist="35921" dir="2700000" algn="ctr" rotWithShape="0">
                     <a:schemeClr val="bg2"/>
@@ -56437,7 +56264,7 @@
           <a:blip r:embed="rId5" cstate="print">
             <a:extLst>
               <a:ext uri="{28A0092B-C50C-407E-A947-70E740481C1C}">
-                <a14:useLocalDpi xmlns:a14="http://schemas.microsoft.com/office/drawing/2010/main" xmlns="" val="0"/>
+                <a14:useLocalDpi xmlns="" xmlns:a14="http://schemas.microsoft.com/office/drawing/2010/main" val="0"/>
               </a:ext>
             </a:extLst>
           </a:blip>
@@ -56464,14 +56291,14 @@
           <a:effectLst/>
           <a:extLst>
             <a:ext uri="{909E8E84-426E-40DD-AFC4-6F175D3DCCD1}">
-              <a14:hiddenFill xmlns:a14="http://schemas.microsoft.com/office/drawing/2010/main" xmlns="">
+              <a14:hiddenFill xmlns="" xmlns:a14="http://schemas.microsoft.com/office/drawing/2010/main">
                 <a:solidFill>
                   <a:schemeClr val="accent1"/>
                 </a:solidFill>
               </a14:hiddenFill>
             </a:ext>
             <a:ext uri="{AF507438-7753-43E0-B8FC-AC1667EBCBE1}">
-              <a14:hiddenEffects xmlns:a14="http://schemas.microsoft.com/office/drawing/2010/main" xmlns="">
+              <a14:hiddenEffects xmlns="" xmlns:a14="http://schemas.microsoft.com/office/drawing/2010/main">
                 <a:effectLst>
                   <a:outerShdw dist="35921" dir="2700000" algn="ctr" rotWithShape="0">
                     <a:schemeClr val="bg2"/>
@@ -56494,7 +56321,7 @@
           <a:blip r:embed="rId6" cstate="print">
             <a:extLst>
               <a:ext uri="{28A0092B-C50C-407E-A947-70E740481C1C}">
-                <a14:useLocalDpi xmlns:a14="http://schemas.microsoft.com/office/drawing/2010/main" xmlns="" val="0"/>
+                <a14:useLocalDpi xmlns="" xmlns:a14="http://schemas.microsoft.com/office/drawing/2010/main" val="0"/>
               </a:ext>
             </a:extLst>
           </a:blip>
@@ -56521,14 +56348,14 @@
           <a:effectLst/>
           <a:extLst>
             <a:ext uri="{909E8E84-426E-40DD-AFC4-6F175D3DCCD1}">
-              <a14:hiddenFill xmlns:a14="http://schemas.microsoft.com/office/drawing/2010/main" xmlns="">
+              <a14:hiddenFill xmlns="" xmlns:a14="http://schemas.microsoft.com/office/drawing/2010/main">
                 <a:solidFill>
                   <a:schemeClr val="accent1"/>
                 </a:solidFill>
               </a14:hiddenFill>
             </a:ext>
             <a:ext uri="{AF507438-7753-43E0-B8FC-AC1667EBCBE1}">
-              <a14:hiddenEffects xmlns:a14="http://schemas.microsoft.com/office/drawing/2010/main" xmlns="">
+              <a14:hiddenEffects xmlns="" xmlns:a14="http://schemas.microsoft.com/office/drawing/2010/main">
                 <a:effectLst>
                   <a:outerShdw dist="35921" dir="2700000" algn="ctr" rotWithShape="0">
                     <a:schemeClr val="bg2"/>
@@ -56763,7 +56590,7 @@
     </p:spTree>
     <p:extLst>
       <p:ext uri="{BB962C8B-B14F-4D97-AF65-F5344CB8AC3E}">
-        <p14:creationId xmlns:p14="http://schemas.microsoft.com/office/powerpoint/2010/main" xmlns="" val="3580323629"/>
+        <p14:creationId xmlns="" xmlns:p14="http://schemas.microsoft.com/office/powerpoint/2010/main" val="3580323629"/>
       </p:ext>
     </p:extLst>
   </p:cSld>
